--- a/プロジェクトCDE/プロジェクトCDE.pptx
+++ b/プロジェクトCDE/プロジェクトCDE.pptx
@@ -5,10 +5,11 @@
     <p:sldMasterId id="2147483749" r:id="rId1"/>
   </p:sldMasterIdLst>
   <p:notesMasterIdLst>
-    <p:notesMasterId r:id="rId3"/>
+    <p:notesMasterId r:id="rId4"/>
   </p:notesMasterIdLst>
   <p:sldIdLst>
     <p:sldId id="323" r:id="rId2"/>
+    <p:sldId id="324" r:id="rId3"/>
   </p:sldIdLst>
   <p:sldSz cx="12192000" cy="6858000"/>
   <p:notesSz cx="6858000" cy="9144000"/>
@@ -214,7 +215,7 @@
           <a:p>
             <a:fld id="{CA49738D-D75D-40B1-BF46-FC9ACBB15E75}" type="datetimeFigureOut">
               <a:rPr kumimoji="1" lang="ja-JP" altLang="en-US" smtClean="0"/>
-              <a:t>2025/11/27</a:t>
+              <a:t>2025/12/1</a:t>
             </a:fld>
             <a:endParaRPr kumimoji="1" lang="ja-JP" altLang="en-US"/>
           </a:p>
@@ -607,6 +608,114 @@
     <p:extLst>
       <p:ext uri="{BB962C8B-B14F-4D97-AF65-F5344CB8AC3E}">
         <p14:creationId xmlns:p14="http://schemas.microsoft.com/office/powerpoint/2010/main" val="2710379504"/>
+      </p:ext>
+    </p:extLst>
+  </p:cSld>
+  <p:clrMapOvr>
+    <a:masterClrMapping/>
+  </p:clrMapOvr>
+</p:notes>
+</file>
+
+<file path=ppt/notesSlides/notesSlide2.xml><?xml version="1.0" encoding="utf-8"?>
+<p:notes xmlns:a="http://schemas.openxmlformats.org/drawingml/2006/main" xmlns:r="http://schemas.openxmlformats.org/officeDocument/2006/relationships" xmlns:p="http://schemas.openxmlformats.org/presentationml/2006/main">
+  <p:cSld>
+    <p:spTree>
+      <p:nvGrpSpPr>
+        <p:cNvPr id="1" name="">
+          <a:extLst>
+            <a:ext uri="{FF2B5EF4-FFF2-40B4-BE49-F238E27FC236}">
+              <a16:creationId xmlns:a16="http://schemas.microsoft.com/office/drawing/2014/main" id="{CD5211EB-E91D-1AF7-C123-CF35650D7F07}"/>
+            </a:ext>
+          </a:extLst>
+        </p:cNvPr>
+        <p:cNvGrpSpPr/>
+        <p:nvPr/>
+      </p:nvGrpSpPr>
+      <p:grpSpPr>
+        <a:xfrm>
+          <a:off x="0" y="0"/>
+          <a:ext cx="0" cy="0"/>
+          <a:chOff x="0" y="0"/>
+          <a:chExt cx="0" cy="0"/>
+        </a:xfrm>
+      </p:grpSpPr>
+      <p:sp>
+        <p:nvSpPr>
+          <p:cNvPr id="2" name="スライド イメージ プレースホルダー 1">
+            <a:extLst>
+              <a:ext uri="{FF2B5EF4-FFF2-40B4-BE49-F238E27FC236}">
+                <a16:creationId xmlns:a16="http://schemas.microsoft.com/office/drawing/2014/main" id="{B5476AD9-6A4D-66A1-BC42-E07BF4DE81A8}"/>
+              </a:ext>
+            </a:extLst>
+          </p:cNvPr>
+          <p:cNvSpPr>
+            <a:spLocks noGrp="1" noRot="1" noChangeAspect="1"/>
+          </p:cNvSpPr>
+          <p:nvPr>
+            <p:ph type="sldImg"/>
+          </p:nvPr>
+        </p:nvSpPr>
+        <p:spPr/>
+      </p:sp>
+      <p:sp>
+        <p:nvSpPr>
+          <p:cNvPr id="3" name="ノート プレースホルダー 2">
+            <a:extLst>
+              <a:ext uri="{FF2B5EF4-FFF2-40B4-BE49-F238E27FC236}">
+                <a16:creationId xmlns:a16="http://schemas.microsoft.com/office/drawing/2014/main" id="{E1C1AD73-487C-2B02-FDEF-59A1EDA07D2E}"/>
+              </a:ext>
+            </a:extLst>
+          </p:cNvPr>
+          <p:cNvSpPr>
+            <a:spLocks noGrp="1"/>
+          </p:cNvSpPr>
+          <p:nvPr>
+            <p:ph type="body" idx="1"/>
+          </p:nvPr>
+        </p:nvSpPr>
+        <p:spPr/>
+        <p:txBody>
+          <a:bodyPr/>
+          <a:lstStyle/>
+          <a:p>
+            <a:endParaRPr kumimoji="1" lang="ja-JP" altLang="en-US" dirty="0"/>
+          </a:p>
+        </p:txBody>
+      </p:sp>
+      <p:sp>
+        <p:nvSpPr>
+          <p:cNvPr id="4" name="スライド番号プレースホルダー 3">
+            <a:extLst>
+              <a:ext uri="{FF2B5EF4-FFF2-40B4-BE49-F238E27FC236}">
+                <a16:creationId xmlns:a16="http://schemas.microsoft.com/office/drawing/2014/main" id="{60CF6E82-2701-B30E-E6F9-56BBB226867B}"/>
+              </a:ext>
+            </a:extLst>
+          </p:cNvPr>
+          <p:cNvSpPr>
+            <a:spLocks noGrp="1"/>
+          </p:cNvSpPr>
+          <p:nvPr>
+            <p:ph type="sldNum" sz="quarter" idx="5"/>
+          </p:nvPr>
+        </p:nvSpPr>
+        <p:spPr/>
+        <p:txBody>
+          <a:bodyPr/>
+          <a:lstStyle/>
+          <a:p>
+            <a:fld id="{22E5198F-549A-4508-B579-8CA394E94788}" type="slidenum">
+              <a:rPr kumimoji="1" lang="ja-JP" altLang="en-US" smtClean="0"/>
+              <a:t>2</a:t>
+            </a:fld>
+            <a:endParaRPr kumimoji="1" lang="ja-JP" altLang="en-US"/>
+          </a:p>
+        </p:txBody>
+      </p:sp>
+    </p:spTree>
+    <p:extLst>
+      <p:ext uri="{BB962C8B-B14F-4D97-AF65-F5344CB8AC3E}">
+        <p14:creationId xmlns:p14="http://schemas.microsoft.com/office/powerpoint/2010/main" val="3255669507"/>
       </p:ext>
     </p:extLst>
   </p:cSld>
@@ -1289,7 +1398,7 @@
             <a:fld id="{B61BEF0D-F0BB-DE4B-95CE-6DB70DBA9567}" type="datetimeFigureOut">
               <a:rPr lang="en-US" smtClean="0"/>
               <a:pPr/>
-              <a:t>11/27/2025</a:t>
+              <a:t>12/1/2025</a:t>
             </a:fld>
             <a:endParaRPr lang="en-US" dirty="0"/>
           </a:p>
@@ -1835,7 +1944,7 @@
         </p:nvSpPr>
         <p:spPr>
           <a:xfrm>
-            <a:off x="91062" y="673296"/>
+            <a:off x="335360" y="673296"/>
             <a:ext cx="10345069" cy="5683282"/>
           </a:xfrm>
           <a:prstGeom prst="cloud">
@@ -1895,7 +2004,7 @@
         </p:nvSpPr>
         <p:spPr>
           <a:xfrm>
-            <a:off x="204751" y="127282"/>
+            <a:off x="449049" y="127282"/>
             <a:ext cx="4156364" cy="584775"/>
           </a:xfrm>
           <a:prstGeom prst="rect">
@@ -1909,6 +2018,20 @@
           </a:bodyPr>
           <a:lstStyle/>
           <a:p>
+            <a:r>
+              <a:rPr lang="en-US" altLang="ja-JP" sz="3200" b="1" i="0" u="sng" strike="noStrike" dirty="0">
+                <a:solidFill>
+                  <a:srgbClr val="00B0F0"/>
+                </a:solidFill>
+                <a:effectLst/>
+                <a:highlight>
+                  <a:srgbClr val="FFFFFF"/>
+                </a:highlight>
+                <a:latin typeface="ＭＳ ゴシック" panose="020B0609070205080204" pitchFamily="49" charset="-128"/>
+                <a:ea typeface="ＭＳ ゴシック" panose="020B0609070205080204" pitchFamily="49" charset="-128"/>
+              </a:rPr>
+              <a:t>【</a:t>
+            </a:r>
             <a:r>
               <a:rPr lang="ja-JP" altLang="en-US" sz="3200" b="1" i="0" u="sng" strike="noStrike" dirty="0">
                 <a:solidFill>
@@ -1935,7 +2058,7 @@
                 <a:latin typeface="ＭＳ ゴシック" panose="020B0609070205080204" pitchFamily="49" charset="-128"/>
                 <a:ea typeface="ＭＳ ゴシック" panose="020B0609070205080204" pitchFamily="49" charset="-128"/>
               </a:rPr>
-              <a:t>CDE</a:t>
+              <a:t>CED</a:t>
             </a:r>
             <a:r>
               <a:rPr lang="ja-JP" altLang="en-US" sz="3200" b="1" i="0" u="sng" strike="noStrike" dirty="0">
@@ -1950,6 +2073,20 @@
                 <a:ea typeface="ＭＳ ゴシック" panose="020B0609070205080204" pitchFamily="49" charset="-128"/>
               </a:rPr>
               <a:t>基盤</a:t>
+            </a:r>
+            <a:r>
+              <a:rPr lang="en-US" altLang="ja-JP" sz="3200" b="1" i="0" u="sng" strike="noStrike" dirty="0">
+                <a:solidFill>
+                  <a:srgbClr val="00B0F0"/>
+                </a:solidFill>
+                <a:effectLst/>
+                <a:highlight>
+                  <a:srgbClr val="FFFFFF"/>
+                </a:highlight>
+                <a:latin typeface="ＭＳ ゴシック" panose="020B0609070205080204" pitchFamily="49" charset="-128"/>
+                <a:ea typeface="ＭＳ ゴシック" panose="020B0609070205080204" pitchFamily="49" charset="-128"/>
+              </a:rPr>
+              <a:t>】</a:t>
             </a:r>
             <a:endParaRPr lang="ja-JP" altLang="en-US" sz="3200" b="1" i="0" u="sng" dirty="0">
               <a:solidFill>
@@ -1983,7 +2120,7 @@
         </p:nvCxnSpPr>
         <p:spPr>
           <a:xfrm rot="10800000">
-            <a:off x="6190291" y="1907218"/>
+            <a:off x="6434589" y="1907218"/>
             <a:ext cx="2425555" cy="727443"/>
           </a:xfrm>
           <a:prstGeom prst="bentConnector2">
@@ -2030,7 +2167,7 @@
         </p:nvCxnSpPr>
         <p:spPr>
           <a:xfrm flipV="1">
-            <a:off x="3862298" y="1907217"/>
+            <a:off x="4106596" y="1907217"/>
             <a:ext cx="2327992" cy="718722"/>
           </a:xfrm>
           <a:prstGeom prst="bentConnector2">
@@ -2077,7 +2214,7 @@
         </p:nvCxnSpPr>
         <p:spPr>
           <a:xfrm flipV="1">
-            <a:off x="4140259" y="1907217"/>
+            <a:off x="4384557" y="1907217"/>
             <a:ext cx="2050031" cy="3530070"/>
           </a:xfrm>
           <a:prstGeom prst="bentConnector2">
@@ -2120,7 +2257,7 @@
         </p:nvGrpSpPr>
         <p:grpSpPr>
           <a:xfrm>
-            <a:off x="4112108" y="317637"/>
+            <a:off x="4356406" y="317637"/>
             <a:ext cx="4156364" cy="1589580"/>
             <a:chOff x="4249281" y="1184900"/>
             <a:chExt cx="4156364" cy="1589580"/>
@@ -2592,6 +2729,2015 @@
           </p:pic>
         </p:grpSp>
       </p:grpSp>
+      <p:cxnSp>
+        <p:nvCxnSpPr>
+          <p:cNvPr id="8" name="コネクタ: カギ線 7">
+            <a:extLst>
+              <a:ext uri="{FF2B5EF4-FFF2-40B4-BE49-F238E27FC236}">
+                <a16:creationId xmlns:a16="http://schemas.microsoft.com/office/drawing/2014/main" id="{2BFAA1CB-4B5E-1EE9-6D41-56CB5180175C}"/>
+              </a:ext>
+            </a:extLst>
+          </p:cNvPr>
+          <p:cNvCxnSpPr>
+            <a:cxnSpLocks/>
+            <a:stCxn id="1037" idx="2"/>
+            <a:endCxn id="71" idx="0"/>
+          </p:cNvCxnSpPr>
+          <p:nvPr/>
+        </p:nvCxnSpPr>
+        <p:spPr>
+          <a:xfrm rot="16200000" flipH="1">
+            <a:off x="2203225" y="3748922"/>
+            <a:ext cx="820946" cy="37086"/>
+          </a:xfrm>
+          <a:prstGeom prst="bentConnector3">
+            <a:avLst>
+              <a:gd name="adj1" fmla="val 50000"/>
+            </a:avLst>
+          </a:prstGeom>
+          <a:ln w="63500">
+            <a:solidFill>
+              <a:srgbClr val="FF0000"/>
+            </a:solidFill>
+            <a:headEnd type="none"/>
+            <a:tailEnd type="triangle"/>
+          </a:ln>
+        </p:spPr>
+        <p:style>
+          <a:lnRef idx="1">
+            <a:schemeClr val="accent1"/>
+          </a:lnRef>
+          <a:fillRef idx="0">
+            <a:schemeClr val="accent1"/>
+          </a:fillRef>
+          <a:effectRef idx="0">
+            <a:schemeClr val="accent1"/>
+          </a:effectRef>
+          <a:fontRef idx="minor">
+            <a:schemeClr val="tx1"/>
+          </a:fontRef>
+        </p:style>
+      </p:cxnSp>
+      <p:cxnSp>
+        <p:nvCxnSpPr>
+          <p:cNvPr id="11" name="コネクタ: カギ線 10">
+            <a:extLst>
+              <a:ext uri="{FF2B5EF4-FFF2-40B4-BE49-F238E27FC236}">
+                <a16:creationId xmlns:a16="http://schemas.microsoft.com/office/drawing/2014/main" id="{0CEF2AA8-DCE5-D068-419E-25A49490006B}"/>
+              </a:ext>
+            </a:extLst>
+          </p:cNvPr>
+          <p:cNvCxnSpPr>
+            <a:cxnSpLocks/>
+            <a:stCxn id="1028" idx="0"/>
+            <a:endCxn id="26" idx="2"/>
+          </p:cNvCxnSpPr>
+          <p:nvPr/>
+        </p:nvCxnSpPr>
+        <p:spPr>
+          <a:xfrm rot="16200000" flipV="1">
+            <a:off x="9690894" y="3550655"/>
+            <a:ext cx="862788" cy="1979"/>
+          </a:xfrm>
+          <a:prstGeom prst="bentConnector3">
+            <a:avLst>
+              <a:gd name="adj1" fmla="val 50000"/>
+            </a:avLst>
+          </a:prstGeom>
+          <a:ln w="63500">
+            <a:solidFill>
+              <a:schemeClr val="accent4"/>
+            </a:solidFill>
+            <a:headEnd type="triangle"/>
+            <a:tailEnd type="triangle"/>
+          </a:ln>
+        </p:spPr>
+        <p:style>
+          <a:lnRef idx="1">
+            <a:schemeClr val="accent1"/>
+          </a:lnRef>
+          <a:fillRef idx="0">
+            <a:schemeClr val="accent1"/>
+          </a:fillRef>
+          <a:effectRef idx="0">
+            <a:schemeClr val="accent1"/>
+          </a:effectRef>
+          <a:fontRef idx="minor">
+            <a:schemeClr val="tx1"/>
+          </a:fontRef>
+        </p:style>
+      </p:cxnSp>
+      <p:grpSp>
+        <p:nvGrpSpPr>
+          <p:cNvPr id="33" name="グループ化 32">
+            <a:extLst>
+              <a:ext uri="{FF2B5EF4-FFF2-40B4-BE49-F238E27FC236}">
+                <a16:creationId xmlns:a16="http://schemas.microsoft.com/office/drawing/2014/main" id="{4EABFFD1-34AF-1478-0383-4BE935FA5516}"/>
+              </a:ext>
+            </a:extLst>
+          </p:cNvPr>
+          <p:cNvGrpSpPr/>
+          <p:nvPr/>
+        </p:nvGrpSpPr>
+        <p:grpSpPr>
+          <a:xfrm>
+            <a:off x="8860578" y="3983039"/>
+            <a:ext cx="2525398" cy="2646956"/>
+            <a:chOff x="9127236" y="3718951"/>
+            <a:chExt cx="2525398" cy="2646956"/>
+          </a:xfrm>
+        </p:grpSpPr>
+        <p:pic>
+          <p:nvPicPr>
+            <p:cNvPr id="1028" name="Picture 4" descr="見出し画像">
+              <a:extLst>
+                <a:ext uri="{FF2B5EF4-FFF2-40B4-BE49-F238E27FC236}">
+                  <a16:creationId xmlns:a16="http://schemas.microsoft.com/office/drawing/2014/main" id="{153DCA27-C9E4-74BD-45FC-7B2FDA83B358}"/>
+                </a:ext>
+              </a:extLst>
+            </p:cNvPr>
+            <p:cNvPicPr>
+              <a:picLocks noChangeAspect="1" noChangeArrowheads="1"/>
+            </p:cNvPicPr>
+            <p:nvPr/>
+          </p:nvPicPr>
+          <p:blipFill rotWithShape="1">
+            <a:blip r:embed="rId4" cstate="print">
+              <a:extLst>
+                <a:ext uri="{28A0092B-C50C-407E-A947-70E740481C1C}">
+                  <a14:useLocalDpi xmlns:a14="http://schemas.microsoft.com/office/drawing/2010/main" val="0"/>
+                </a:ext>
+              </a:extLst>
+            </a:blip>
+            <a:srcRect l="12024" t="22307" r="9289" b="22840"/>
+            <a:stretch>
+              <a:fillRect/>
+            </a:stretch>
+          </p:blipFill>
+          <p:spPr bwMode="auto">
+            <a:xfrm>
+              <a:off x="9127236" y="3718951"/>
+              <a:ext cx="2525397" cy="882596"/>
+            </a:xfrm>
+            <a:prstGeom prst="rect">
+              <a:avLst/>
+            </a:prstGeom>
+            <a:noFill/>
+            <a:extLst>
+              <a:ext uri="{909E8E84-426E-40DD-AFC4-6F175D3DCCD1}">
+                <a14:hiddenFill xmlns:a14="http://schemas.microsoft.com/office/drawing/2010/main">
+                  <a:solidFill>
+                    <a:srgbClr val="FFFFFF"/>
+                  </a:solidFill>
+                </a14:hiddenFill>
+              </a:ext>
+            </a:extLst>
+          </p:spPr>
+        </p:pic>
+        <p:sp>
+          <p:nvSpPr>
+            <p:cNvPr id="15" name="テキスト ボックス 14">
+              <a:extLst>
+                <a:ext uri="{FF2B5EF4-FFF2-40B4-BE49-F238E27FC236}">
+                  <a16:creationId xmlns:a16="http://schemas.microsoft.com/office/drawing/2014/main" id="{0A54FFC3-DC37-31B8-6764-36A6515003A8}"/>
+                </a:ext>
+              </a:extLst>
+            </p:cNvPr>
+            <p:cNvSpPr txBox="1"/>
+            <p:nvPr/>
+          </p:nvSpPr>
+          <p:spPr>
+            <a:xfrm>
+              <a:off x="9127236" y="5719576"/>
+              <a:ext cx="2525397" cy="646331"/>
+            </a:xfrm>
+            <a:prstGeom prst="rect">
+              <a:avLst/>
+            </a:prstGeom>
+            <a:solidFill>
+              <a:schemeClr val="bg1"/>
+            </a:solidFill>
+          </p:spPr>
+          <p:txBody>
+            <a:bodyPr wrap="square" rtlCol="0" anchor="ctr">
+              <a:spAutoFit/>
+            </a:bodyPr>
+            <a:lstStyle/>
+            <a:p>
+              <a:pPr algn="ctr"/>
+              <a:r>
+                <a:rPr kumimoji="1" lang="en-US" altLang="ja-JP" dirty="0"/>
+                <a:t>3DTILES</a:t>
+              </a:r>
+              <a:r>
+                <a:rPr kumimoji="1" lang="ja-JP" altLang="en-US" dirty="0"/>
+                <a:t>による</a:t>
+              </a:r>
+              <a:endParaRPr kumimoji="1" lang="en-US" altLang="ja-JP" dirty="0"/>
+            </a:p>
+            <a:p>
+              <a:pPr algn="ctr"/>
+              <a:r>
+                <a:rPr kumimoji="1" lang="ja-JP" altLang="en-US" dirty="0"/>
+                <a:t>可視化に特化</a:t>
+              </a:r>
+              <a:endParaRPr kumimoji="1" lang="en-US" altLang="ja-JP" dirty="0"/>
+            </a:p>
+          </p:txBody>
+        </p:sp>
+        <p:pic>
+          <p:nvPicPr>
+            <p:cNvPr id="18" name="図 17">
+              <a:extLst>
+                <a:ext uri="{FF2B5EF4-FFF2-40B4-BE49-F238E27FC236}">
+                  <a16:creationId xmlns:a16="http://schemas.microsoft.com/office/drawing/2014/main" id="{D13E0A89-4CFF-25C6-CB01-E739D8A8EC90}"/>
+                </a:ext>
+              </a:extLst>
+            </p:cNvPr>
+            <p:cNvPicPr>
+              <a:picLocks noChangeAspect="1"/>
+            </p:cNvPicPr>
+            <p:nvPr/>
+          </p:nvPicPr>
+          <p:blipFill>
+            <a:blip r:embed="rId5"/>
+            <a:stretch>
+              <a:fillRect/>
+            </a:stretch>
+          </p:blipFill>
+          <p:spPr>
+            <a:xfrm>
+              <a:off x="10698355" y="4601547"/>
+              <a:ext cx="954279" cy="1114917"/>
+            </a:xfrm>
+            <a:prstGeom prst="rect">
+              <a:avLst/>
+            </a:prstGeom>
+          </p:spPr>
+        </p:pic>
+        <p:pic>
+          <p:nvPicPr>
+            <p:cNvPr id="32" name="図 31">
+              <a:extLst>
+                <a:ext uri="{FF2B5EF4-FFF2-40B4-BE49-F238E27FC236}">
+                  <a16:creationId xmlns:a16="http://schemas.microsoft.com/office/drawing/2014/main" id="{A9157FB9-D7D9-08C6-8031-F06F56ECD85A}"/>
+                </a:ext>
+              </a:extLst>
+            </p:cNvPr>
+            <p:cNvPicPr>
+              <a:picLocks noChangeAspect="1"/>
+            </p:cNvPicPr>
+            <p:nvPr/>
+          </p:nvPicPr>
+          <p:blipFill>
+            <a:blip r:embed="rId6"/>
+            <a:stretch>
+              <a:fillRect/>
+            </a:stretch>
+          </p:blipFill>
+          <p:spPr>
+            <a:xfrm>
+              <a:off x="9127237" y="4603103"/>
+              <a:ext cx="950931" cy="1140189"/>
+            </a:xfrm>
+            <a:prstGeom prst="rect">
+              <a:avLst/>
+            </a:prstGeom>
+            <a:ln w="44450">
+              <a:solidFill>
+                <a:srgbClr val="00B0F0"/>
+              </a:solidFill>
+            </a:ln>
+          </p:spPr>
+        </p:pic>
+      </p:grpSp>
+      <p:cxnSp>
+        <p:nvCxnSpPr>
+          <p:cNvPr id="48" name="コネクタ: カギ線 47">
+            <a:extLst>
+              <a:ext uri="{FF2B5EF4-FFF2-40B4-BE49-F238E27FC236}">
+                <a16:creationId xmlns:a16="http://schemas.microsoft.com/office/drawing/2014/main" id="{BE0F942D-48D5-176A-3D69-CD9DCD0DFFFB}"/>
+              </a:ext>
+            </a:extLst>
+          </p:cNvPr>
+          <p:cNvCxnSpPr>
+            <a:cxnSpLocks/>
+            <a:stCxn id="66" idx="3"/>
+            <a:endCxn id="32" idx="1"/>
+          </p:cNvCxnSpPr>
+          <p:nvPr/>
+        </p:nvCxnSpPr>
+        <p:spPr>
+          <a:xfrm flipV="1">
+            <a:off x="4374290" y="5437286"/>
+            <a:ext cx="4486289" cy="374077"/>
+          </a:xfrm>
+          <a:prstGeom prst="bentConnector3">
+            <a:avLst>
+              <a:gd name="adj1" fmla="val 50000"/>
+            </a:avLst>
+          </a:prstGeom>
+          <a:ln w="63500">
+            <a:solidFill>
+              <a:srgbClr val="00B0F0"/>
+            </a:solidFill>
+            <a:headEnd type="triangle"/>
+            <a:tailEnd type="triangle"/>
+          </a:ln>
+        </p:spPr>
+        <p:style>
+          <a:lnRef idx="1">
+            <a:schemeClr val="accent1"/>
+          </a:lnRef>
+          <a:fillRef idx="0">
+            <a:schemeClr val="accent1"/>
+          </a:fillRef>
+          <a:effectRef idx="0">
+            <a:schemeClr val="accent1"/>
+          </a:effectRef>
+          <a:fontRef idx="minor">
+            <a:schemeClr val="tx1"/>
+          </a:fontRef>
+        </p:style>
+      </p:cxnSp>
+      <p:sp>
+        <p:nvSpPr>
+          <p:cNvPr id="20" name="テキスト ボックス 19">
+            <a:extLst>
+              <a:ext uri="{FF2B5EF4-FFF2-40B4-BE49-F238E27FC236}">
+                <a16:creationId xmlns:a16="http://schemas.microsoft.com/office/drawing/2014/main" id="{0A6D9428-6AEF-C338-402D-F30CB4A45F04}"/>
+              </a:ext>
+            </a:extLst>
+          </p:cNvPr>
+          <p:cNvSpPr txBox="1"/>
+          <p:nvPr/>
+        </p:nvSpPr>
+        <p:spPr>
+          <a:xfrm>
+            <a:off x="2748145" y="3430741"/>
+            <a:ext cx="2743709" cy="646331"/>
+          </a:xfrm>
+          <a:prstGeom prst="rect">
+            <a:avLst/>
+          </a:prstGeom>
+          <a:solidFill>
+            <a:schemeClr val="bg1"/>
+          </a:solidFill>
+        </p:spPr>
+        <p:txBody>
+          <a:bodyPr wrap="square" rtlCol="0" anchor="ctr">
+            <a:spAutoFit/>
+          </a:bodyPr>
+          <a:lstStyle/>
+          <a:p>
+            <a:pPr algn="ctr"/>
+            <a:r>
+              <a:rPr kumimoji="1" lang="ja-JP" altLang="en-US" dirty="0"/>
+              <a:t>図形（寸法等文字情報）</a:t>
+            </a:r>
+            <a:endParaRPr kumimoji="1" lang="en-US" altLang="ja-JP" dirty="0"/>
+          </a:p>
+          <a:p>
+            <a:r>
+              <a:rPr kumimoji="1" lang="en-US" altLang="ja-JP" dirty="0"/>
+              <a:t>※DWG</a:t>
+            </a:r>
+            <a:r>
+              <a:rPr kumimoji="1" lang="ja-JP" altLang="en-US" dirty="0"/>
+              <a:t>のｲﾝﾎﾟｰﾄ機能</a:t>
+            </a:r>
+            <a:endParaRPr kumimoji="1" lang="en-US" altLang="ja-JP" dirty="0"/>
+          </a:p>
+        </p:txBody>
+      </p:sp>
+      <p:sp>
+        <p:nvSpPr>
+          <p:cNvPr id="106" name="テキスト ボックス 105">
+            <a:extLst>
+              <a:ext uri="{FF2B5EF4-FFF2-40B4-BE49-F238E27FC236}">
+                <a16:creationId xmlns:a16="http://schemas.microsoft.com/office/drawing/2014/main" id="{5E75DC51-510A-856B-ED5B-9156364E62D4}"/>
+              </a:ext>
+            </a:extLst>
+          </p:cNvPr>
+          <p:cNvSpPr txBox="1"/>
+          <p:nvPr/>
+        </p:nvSpPr>
+        <p:spPr>
+          <a:xfrm>
+            <a:off x="4695804" y="5878102"/>
+            <a:ext cx="3411645" cy="369332"/>
+          </a:xfrm>
+          <a:prstGeom prst="rect">
+            <a:avLst/>
+          </a:prstGeom>
+          <a:solidFill>
+            <a:schemeClr val="bg1"/>
+          </a:solidFill>
+        </p:spPr>
+        <p:txBody>
+          <a:bodyPr wrap="square" rtlCol="0" anchor="ctr">
+            <a:spAutoFit/>
+          </a:bodyPr>
+          <a:lstStyle/>
+          <a:p>
+            <a:pPr algn="ctr"/>
+            <a:r>
+              <a:rPr kumimoji="1" lang="en-US" altLang="ja-JP" dirty="0"/>
+              <a:t>GEOJSON/XYZ</a:t>
+            </a:r>
+            <a:r>
+              <a:rPr kumimoji="1" lang="ja-JP" altLang="en-US" dirty="0"/>
+              <a:t>（高速化</a:t>
+            </a:r>
+            <a:r>
+              <a:rPr kumimoji="1" lang="en-US" altLang="ja-JP" dirty="0"/>
+              <a:t>96DPI</a:t>
+            </a:r>
+            <a:r>
+              <a:rPr kumimoji="1" lang="ja-JP" altLang="en-US" dirty="0"/>
+              <a:t>）</a:t>
+            </a:r>
+            <a:endParaRPr kumimoji="1" lang="en-US" altLang="ja-JP" dirty="0"/>
+          </a:p>
+        </p:txBody>
+      </p:sp>
+      <p:pic>
+        <p:nvPicPr>
+          <p:cNvPr id="116" name="図 115">
+            <a:extLst>
+              <a:ext uri="{FF2B5EF4-FFF2-40B4-BE49-F238E27FC236}">
+                <a16:creationId xmlns:a16="http://schemas.microsoft.com/office/drawing/2014/main" id="{D56011AE-8EB0-919B-BAA1-FDBF05D265A2}"/>
+              </a:ext>
+            </a:extLst>
+          </p:cNvPr>
+          <p:cNvPicPr>
+            <a:picLocks noChangeAspect="1"/>
+          </p:cNvPicPr>
+          <p:nvPr/>
+        </p:nvPicPr>
+        <p:blipFill>
+          <a:blip r:embed="rId7"/>
+          <a:stretch>
+            <a:fillRect/>
+          </a:stretch>
+        </p:blipFill>
+        <p:spPr>
+          <a:xfrm>
+            <a:off x="2650477" y="782154"/>
+            <a:ext cx="1070055" cy="579885"/>
+          </a:xfrm>
+          <a:prstGeom prst="rect">
+            <a:avLst/>
+          </a:prstGeom>
+          <a:ln w="41275">
+            <a:solidFill>
+              <a:srgbClr val="0000FF"/>
+            </a:solidFill>
+          </a:ln>
+        </p:spPr>
+      </p:pic>
+      <p:grpSp>
+        <p:nvGrpSpPr>
+          <p:cNvPr id="31" name="グループ化 30">
+            <a:extLst>
+              <a:ext uri="{FF2B5EF4-FFF2-40B4-BE49-F238E27FC236}">
+                <a16:creationId xmlns:a16="http://schemas.microsoft.com/office/drawing/2014/main" id="{B915B556-E7BF-9C4D-BC0B-06959E9D9E70}"/>
+              </a:ext>
+            </a:extLst>
+          </p:cNvPr>
+          <p:cNvGrpSpPr/>
+          <p:nvPr/>
+        </p:nvGrpSpPr>
+        <p:grpSpPr>
+          <a:xfrm>
+            <a:off x="786470" y="3928256"/>
+            <a:ext cx="4130392" cy="2768379"/>
+            <a:chOff x="786470" y="3928256"/>
+            <a:chExt cx="4130392" cy="2768379"/>
+          </a:xfrm>
+        </p:grpSpPr>
+        <p:grpSp>
+          <p:nvGrpSpPr>
+            <p:cNvPr id="105" name="グループ化 104">
+              <a:extLst>
+                <a:ext uri="{FF2B5EF4-FFF2-40B4-BE49-F238E27FC236}">
+                  <a16:creationId xmlns:a16="http://schemas.microsoft.com/office/drawing/2014/main" id="{B80547EC-0900-5927-D2A2-E22A9D2A7081}"/>
+                </a:ext>
+              </a:extLst>
+            </p:cNvPr>
+            <p:cNvGrpSpPr/>
+            <p:nvPr/>
+          </p:nvGrpSpPr>
+          <p:grpSpPr>
+            <a:xfrm>
+              <a:off x="786470" y="3928256"/>
+              <a:ext cx="3598087" cy="2768379"/>
+              <a:chOff x="963285" y="3828973"/>
+              <a:chExt cx="3598087" cy="2768379"/>
+            </a:xfrm>
+          </p:grpSpPr>
+          <p:sp>
+            <p:nvSpPr>
+              <p:cNvPr id="71" name="四角形: 角を丸くする 70">
+                <a:extLst>
+                  <a:ext uri="{FF2B5EF4-FFF2-40B4-BE49-F238E27FC236}">
+                    <a16:creationId xmlns:a16="http://schemas.microsoft.com/office/drawing/2014/main" id="{FC503A3B-6CF2-DED2-32DC-AADDEA55FF66}"/>
+                  </a:ext>
+                </a:extLst>
+              </p:cNvPr>
+              <p:cNvSpPr/>
+              <p:nvPr/>
+            </p:nvSpPr>
+            <p:spPr>
+              <a:xfrm>
+                <a:off x="1056739" y="4078655"/>
+                <a:ext cx="3504633" cy="2518697"/>
+              </a:xfrm>
+              <a:prstGeom prst="roundRect">
+                <a:avLst>
+                  <a:gd name="adj" fmla="val 19858"/>
+                </a:avLst>
+              </a:prstGeom>
+              <a:solidFill>
+                <a:schemeClr val="bg1"/>
+              </a:solidFill>
+              <a:ln>
+                <a:solidFill>
+                  <a:schemeClr val="tx1"/>
+                </a:solidFill>
+              </a:ln>
+              <a:effectLst>
+                <a:outerShdw blurRad="50800" dist="38100" dir="2700000" algn="tl" rotWithShape="0">
+                  <a:prstClr val="black">
+                    <a:alpha val="40000"/>
+                  </a:prstClr>
+                </a:outerShdw>
+              </a:effectLst>
+            </p:spPr>
+            <p:style>
+              <a:lnRef idx="2">
+                <a:schemeClr val="accent3"/>
+              </a:lnRef>
+              <a:fillRef idx="1">
+                <a:schemeClr val="lt1"/>
+              </a:fillRef>
+              <a:effectRef idx="0">
+                <a:schemeClr val="accent3"/>
+              </a:effectRef>
+              <a:fontRef idx="minor">
+                <a:schemeClr val="dk1"/>
+              </a:fontRef>
+            </p:style>
+            <p:txBody>
+              <a:bodyPr rtlCol="0" anchor="ctr"/>
+              <a:lstStyle/>
+              <a:p>
+                <a:pPr algn="ctr">
+                  <a:lnSpc>
+                    <a:spcPct val="130000"/>
+                  </a:lnSpc>
+                  <a:spcAft>
+                    <a:spcPts val="600"/>
+                  </a:spcAft>
+                </a:pPr>
+                <a:endParaRPr kumimoji="1" lang="en-US" altLang="ja-JP" sz="1600" dirty="0">
+                  <a:solidFill>
+                    <a:schemeClr val="tx1"/>
+                  </a:solidFill>
+                  <a:latin typeface="+mn-ea"/>
+                </a:endParaRPr>
+              </a:p>
+              <a:p>
+                <a:pPr algn="ctr">
+                  <a:lnSpc>
+                    <a:spcPct val="130000"/>
+                  </a:lnSpc>
+                  <a:spcAft>
+                    <a:spcPts val="600"/>
+                  </a:spcAft>
+                </a:pPr>
+                <a:endParaRPr kumimoji="1" lang="en-US" altLang="ja-JP" sz="1600" dirty="0">
+                  <a:solidFill>
+                    <a:schemeClr val="tx1"/>
+                  </a:solidFill>
+                  <a:latin typeface="+mn-ea"/>
+                </a:endParaRPr>
+              </a:p>
+              <a:p>
+                <a:pPr algn="ctr">
+                  <a:lnSpc>
+                    <a:spcPct val="130000"/>
+                  </a:lnSpc>
+                  <a:spcAft>
+                    <a:spcPts val="600"/>
+                  </a:spcAft>
+                </a:pPr>
+                <a:endParaRPr kumimoji="1" lang="en-US" altLang="ja-JP" sz="1600" dirty="0">
+                  <a:solidFill>
+                    <a:schemeClr val="tx1"/>
+                  </a:solidFill>
+                  <a:latin typeface="+mn-ea"/>
+                </a:endParaRPr>
+              </a:p>
+              <a:p>
+                <a:pPr algn="ctr">
+                  <a:lnSpc>
+                    <a:spcPct val="130000"/>
+                  </a:lnSpc>
+                  <a:spcAft>
+                    <a:spcPts val="600"/>
+                  </a:spcAft>
+                </a:pPr>
+                <a:endParaRPr kumimoji="1" lang="en-US" altLang="ja-JP" sz="1600" dirty="0">
+                  <a:solidFill>
+                    <a:schemeClr val="tx1"/>
+                  </a:solidFill>
+                  <a:latin typeface="+mn-ea"/>
+                </a:endParaRPr>
+              </a:p>
+              <a:p>
+                <a:pPr algn="ctr">
+                  <a:lnSpc>
+                    <a:spcPct val="130000"/>
+                  </a:lnSpc>
+                  <a:spcAft>
+                    <a:spcPts val="600"/>
+                  </a:spcAft>
+                </a:pPr>
+                <a:endParaRPr kumimoji="1" lang="en-US" altLang="ja-JP" sz="1600" dirty="0">
+                  <a:solidFill>
+                    <a:schemeClr val="tx1"/>
+                  </a:solidFill>
+                  <a:latin typeface="+mn-ea"/>
+                </a:endParaRPr>
+              </a:p>
+              <a:p>
+                <a:pPr algn="ctr">
+                  <a:lnSpc>
+                    <a:spcPct val="130000"/>
+                  </a:lnSpc>
+                  <a:spcAft>
+                    <a:spcPts val="600"/>
+                  </a:spcAft>
+                </a:pPr>
+                <a:endParaRPr kumimoji="1" lang="en-US" altLang="ja-JP" sz="1600" dirty="0">
+                  <a:solidFill>
+                    <a:schemeClr val="tx1"/>
+                  </a:solidFill>
+                  <a:latin typeface="+mn-ea"/>
+                </a:endParaRPr>
+              </a:p>
+              <a:p>
+                <a:pPr algn="ctr">
+                  <a:lnSpc>
+                    <a:spcPct val="130000"/>
+                  </a:lnSpc>
+                  <a:spcAft>
+                    <a:spcPts val="600"/>
+                  </a:spcAft>
+                </a:pPr>
+                <a:endParaRPr kumimoji="1" lang="en-US" altLang="ja-JP" sz="1600" dirty="0">
+                  <a:solidFill>
+                    <a:schemeClr val="tx1"/>
+                  </a:solidFill>
+                  <a:latin typeface="+mn-ea"/>
+                </a:endParaRPr>
+              </a:p>
+              <a:p>
+                <a:pPr algn="ctr">
+                  <a:lnSpc>
+                    <a:spcPct val="130000"/>
+                  </a:lnSpc>
+                  <a:spcAft>
+                    <a:spcPts val="600"/>
+                  </a:spcAft>
+                </a:pPr>
+                <a:endParaRPr kumimoji="1" lang="en-US" altLang="ja-JP" sz="2000" dirty="0">
+                  <a:solidFill>
+                    <a:srgbClr val="FF0000"/>
+                  </a:solidFill>
+                  <a:latin typeface="+mn-ea"/>
+                </a:endParaRPr>
+              </a:p>
+              <a:p>
+                <a:pPr algn="ctr">
+                  <a:lnSpc>
+                    <a:spcPct val="130000"/>
+                  </a:lnSpc>
+                  <a:spcAft>
+                    <a:spcPts val="600"/>
+                  </a:spcAft>
+                </a:pPr>
+                <a:endParaRPr kumimoji="1" lang="en-US" altLang="ja-JP" sz="2000" dirty="0">
+                  <a:solidFill>
+                    <a:srgbClr val="FF0000"/>
+                  </a:solidFill>
+                  <a:latin typeface="+mn-ea"/>
+                </a:endParaRPr>
+              </a:p>
+              <a:p>
+                <a:pPr algn="ctr">
+                  <a:lnSpc>
+                    <a:spcPct val="130000"/>
+                  </a:lnSpc>
+                  <a:spcAft>
+                    <a:spcPts val="600"/>
+                  </a:spcAft>
+                </a:pPr>
+                <a:endParaRPr kumimoji="1" lang="ja-JP" altLang="en-US" sz="2000" dirty="0">
+                  <a:solidFill>
+                    <a:srgbClr val="FF0000"/>
+                  </a:solidFill>
+                  <a:latin typeface="+mn-ea"/>
+                </a:endParaRPr>
+              </a:p>
+            </p:txBody>
+          </p:sp>
+          <p:pic>
+            <p:nvPicPr>
+              <p:cNvPr id="110" name="グラフィックス 109">
+                <a:extLst>
+                  <a:ext uri="{FF2B5EF4-FFF2-40B4-BE49-F238E27FC236}">
+                    <a16:creationId xmlns:a16="http://schemas.microsoft.com/office/drawing/2014/main" id="{98C1F346-A57C-6625-6419-42F0119382AF}"/>
+                  </a:ext>
+                </a:extLst>
+              </p:cNvPr>
+              <p:cNvPicPr>
+                <a:picLocks noChangeAspect="1"/>
+              </p:cNvPicPr>
+              <p:nvPr/>
+            </p:nvPicPr>
+            <p:blipFill>
+              <a:blip r:embed="rId8">
+                <a:extLst>
+                  <a:ext uri="{96DAC541-7B7A-43D3-8B79-37D633B846F1}">
+                    <asvg:svgBlip xmlns:asvg="http://schemas.microsoft.com/office/drawing/2016/SVG/main" r:embed="rId9"/>
+                  </a:ext>
+                </a:extLst>
+              </a:blip>
+              <a:stretch>
+                <a:fillRect/>
+              </a:stretch>
+            </p:blipFill>
+            <p:spPr>
+              <a:xfrm>
+                <a:off x="1721687" y="4033171"/>
+                <a:ext cx="2029381" cy="971184"/>
+              </a:xfrm>
+              <a:prstGeom prst="rect">
+                <a:avLst/>
+              </a:prstGeom>
+            </p:spPr>
+          </p:pic>
+          <p:sp>
+            <p:nvSpPr>
+              <p:cNvPr id="111" name="四角形: 角を丸くする 110">
+                <a:extLst>
+                  <a:ext uri="{FF2B5EF4-FFF2-40B4-BE49-F238E27FC236}">
+                    <a16:creationId xmlns:a16="http://schemas.microsoft.com/office/drawing/2014/main" id="{3F7500C3-3DD8-E061-7E5A-D62AECDF3C02}"/>
+                  </a:ext>
+                </a:extLst>
+              </p:cNvPr>
+              <p:cNvSpPr/>
+              <p:nvPr/>
+            </p:nvSpPr>
+            <p:spPr>
+              <a:xfrm>
+                <a:off x="963285" y="3828973"/>
+                <a:ext cx="1516804" cy="408057"/>
+              </a:xfrm>
+              <a:prstGeom prst="roundRect">
+                <a:avLst>
+                  <a:gd name="adj" fmla="val 50000"/>
+                </a:avLst>
+              </a:prstGeom>
+              <a:solidFill>
+                <a:schemeClr val="bg1"/>
+              </a:solidFill>
+              <a:ln>
+                <a:solidFill>
+                  <a:srgbClr val="FF0000"/>
+                </a:solidFill>
+              </a:ln>
+              <a:effectLst>
+                <a:outerShdw blurRad="50800" dist="38100" dir="2700000" algn="tl" rotWithShape="0">
+                  <a:prstClr val="black">
+                    <a:alpha val="40000"/>
+                  </a:prstClr>
+                </a:outerShdw>
+              </a:effectLst>
+            </p:spPr>
+            <p:style>
+              <a:lnRef idx="2">
+                <a:schemeClr val="accent3"/>
+              </a:lnRef>
+              <a:fillRef idx="1">
+                <a:schemeClr val="lt1"/>
+              </a:fillRef>
+              <a:effectRef idx="0">
+                <a:schemeClr val="accent3"/>
+              </a:effectRef>
+              <a:fontRef idx="minor">
+                <a:schemeClr val="dk1"/>
+              </a:fontRef>
+            </p:style>
+            <p:txBody>
+              <a:bodyPr rtlCol="0" anchor="ctr"/>
+              <a:lstStyle/>
+              <a:p>
+                <a:pPr algn="ctr">
+                  <a:lnSpc>
+                    <a:spcPct val="130000"/>
+                  </a:lnSpc>
+                  <a:spcAft>
+                    <a:spcPts val="600"/>
+                  </a:spcAft>
+                </a:pPr>
+                <a:r>
+                  <a:rPr kumimoji="1" lang="ja-JP" altLang="en-US" sz="1200" dirty="0">
+                    <a:solidFill>
+                      <a:schemeClr val="tx1"/>
+                    </a:solidFill>
+                    <a:latin typeface="+mn-ea"/>
+                  </a:rPr>
+                  <a:t>誰でも利用可能</a:t>
+                </a:r>
+              </a:p>
+            </p:txBody>
+          </p:sp>
+          <p:cxnSp>
+            <p:nvCxnSpPr>
+              <p:cNvPr id="62" name="直線コネクタ 61">
+                <a:extLst>
+                  <a:ext uri="{FF2B5EF4-FFF2-40B4-BE49-F238E27FC236}">
+                    <a16:creationId xmlns:a16="http://schemas.microsoft.com/office/drawing/2014/main" id="{2C5B01F9-BF32-45BE-D9BC-47AEDF48A08B}"/>
+                  </a:ext>
+                </a:extLst>
+              </p:cNvPr>
+              <p:cNvCxnSpPr>
+                <a:cxnSpLocks/>
+              </p:cNvCxnSpPr>
+              <p:nvPr/>
+            </p:nvCxnSpPr>
+            <p:spPr>
+              <a:xfrm>
+                <a:off x="1056739" y="4860679"/>
+                <a:ext cx="3494366" cy="13585"/>
+              </a:xfrm>
+              <a:prstGeom prst="line">
+                <a:avLst/>
+              </a:prstGeom>
+              <a:solidFill>
+                <a:schemeClr val="bg1"/>
+              </a:solidFill>
+              <a:ln>
+                <a:solidFill>
+                  <a:schemeClr val="tx1"/>
+                </a:solidFill>
+              </a:ln>
+              <a:effectLst>
+                <a:outerShdw blurRad="50800" dist="38100" dir="2700000" algn="tl" rotWithShape="0">
+                  <a:prstClr val="black">
+                    <a:alpha val="40000"/>
+                  </a:prstClr>
+                </a:outerShdw>
+              </a:effectLst>
+            </p:spPr>
+            <p:style>
+              <a:lnRef idx="2">
+                <a:schemeClr val="accent3"/>
+              </a:lnRef>
+              <a:fillRef idx="1">
+                <a:schemeClr val="lt1"/>
+              </a:fillRef>
+              <a:effectRef idx="0">
+                <a:schemeClr val="accent3"/>
+              </a:effectRef>
+              <a:fontRef idx="minor">
+                <a:schemeClr val="dk1"/>
+              </a:fontRef>
+            </p:style>
+          </p:cxnSp>
+          <p:sp>
+            <p:nvSpPr>
+              <p:cNvPr id="66" name="テキスト ボックス 65">
+                <a:extLst>
+                  <a:ext uri="{FF2B5EF4-FFF2-40B4-BE49-F238E27FC236}">
+                    <a16:creationId xmlns:a16="http://schemas.microsoft.com/office/drawing/2014/main" id="{1F62C47F-8143-3211-29C8-FC8DD026283E}"/>
+                  </a:ext>
+                </a:extLst>
+              </p:cNvPr>
+              <p:cNvSpPr txBox="1"/>
+              <p:nvPr/>
+            </p:nvSpPr>
+            <p:spPr>
+              <a:xfrm>
+                <a:off x="1102197" y="4973416"/>
+                <a:ext cx="3448908" cy="1477328"/>
+              </a:xfrm>
+              <a:prstGeom prst="rect">
+                <a:avLst/>
+              </a:prstGeom>
+              <a:noFill/>
+            </p:spPr>
+            <p:txBody>
+              <a:bodyPr wrap="square">
+                <a:spAutoFit/>
+              </a:bodyPr>
+              <a:lstStyle/>
+              <a:p>
+                <a:r>
+                  <a:rPr kumimoji="1" lang="ja-JP" altLang="en-US" dirty="0"/>
+                  <a:t>・複雑な情報を整理</a:t>
+                </a:r>
+                <a:endParaRPr kumimoji="1" lang="en-US" altLang="ja-JP" dirty="0"/>
+              </a:p>
+              <a:p>
+                <a:r>
+                  <a:rPr kumimoji="1" lang="ja-JP" altLang="en-US" dirty="0"/>
+                  <a:t>・位置情報による見える化</a:t>
+                </a:r>
+                <a:endParaRPr kumimoji="1" lang="en-US" altLang="ja-JP" dirty="0"/>
+              </a:p>
+              <a:p>
+                <a:r>
+                  <a:rPr kumimoji="1" lang="ja-JP" altLang="en-US" dirty="0"/>
+                  <a:t>・高品質な報告書作成効率化</a:t>
+                </a:r>
+                <a:endParaRPr kumimoji="1" lang="en-US" altLang="ja-JP" dirty="0"/>
+              </a:p>
+              <a:p>
+                <a:r>
+                  <a:rPr kumimoji="1" lang="ja-JP" altLang="en-US" dirty="0"/>
+                  <a:t>・多彩なデータ変換機能</a:t>
+                </a:r>
+                <a:endParaRPr kumimoji="1" lang="en-US" altLang="ja-JP" dirty="0"/>
+              </a:p>
+              <a:p>
+                <a:r>
+                  <a:rPr kumimoji="1" lang="ja-JP" altLang="en-US" dirty="0"/>
+                  <a:t>・他システムとの連携</a:t>
+                </a:r>
+              </a:p>
+            </p:txBody>
+          </p:sp>
+        </p:grpSp>
+        <p:pic>
+          <p:nvPicPr>
+            <p:cNvPr id="117" name="図 116">
+              <a:extLst>
+                <a:ext uri="{FF2B5EF4-FFF2-40B4-BE49-F238E27FC236}">
+                  <a16:creationId xmlns:a16="http://schemas.microsoft.com/office/drawing/2014/main" id="{DEA461B6-E608-F327-6CE3-4ED1F03FDE2C}"/>
+                </a:ext>
+              </a:extLst>
+            </p:cNvPr>
+            <p:cNvPicPr>
+              <a:picLocks noChangeAspect="1"/>
+            </p:cNvPicPr>
+            <p:nvPr/>
+          </p:nvPicPr>
+          <p:blipFill>
+            <a:blip r:embed="rId10"/>
+            <a:stretch>
+              <a:fillRect/>
+            </a:stretch>
+          </p:blipFill>
+          <p:spPr>
+            <a:xfrm>
+              <a:off x="3795950" y="6204655"/>
+              <a:ext cx="1120912" cy="381849"/>
+            </a:xfrm>
+            <a:prstGeom prst="rect">
+              <a:avLst/>
+            </a:prstGeom>
+          </p:spPr>
+        </p:pic>
+        <p:pic>
+          <p:nvPicPr>
+            <p:cNvPr id="118" name="Picture 2">
+              <a:extLst>
+                <a:ext uri="{FF2B5EF4-FFF2-40B4-BE49-F238E27FC236}">
+                  <a16:creationId xmlns:a16="http://schemas.microsoft.com/office/drawing/2014/main" id="{CA067CEC-EE2E-8DD0-B29E-8E42242655B4}"/>
+                </a:ext>
+              </a:extLst>
+            </p:cNvPr>
+            <p:cNvPicPr>
+              <a:picLocks noChangeAspect="1" noChangeArrowheads="1"/>
+            </p:cNvPicPr>
+            <p:nvPr/>
+          </p:nvPicPr>
+          <p:blipFill>
+            <a:blip r:embed="rId11">
+              <a:extLst>
+                <a:ext uri="{28A0092B-C50C-407E-A947-70E740481C1C}">
+                  <a14:useLocalDpi xmlns:a14="http://schemas.microsoft.com/office/drawing/2010/main" val="0"/>
+                </a:ext>
+              </a:extLst>
+            </a:blip>
+            <a:srcRect/>
+            <a:stretch>
+              <a:fillRect/>
+            </a:stretch>
+          </p:blipFill>
+          <p:spPr bwMode="auto">
+            <a:xfrm>
+              <a:off x="3873077" y="4061864"/>
+              <a:ext cx="735288" cy="735288"/>
+            </a:xfrm>
+            <a:prstGeom prst="rect">
+              <a:avLst/>
+            </a:prstGeom>
+            <a:noFill/>
+            <a:extLst>
+              <a:ext uri="{909E8E84-426E-40DD-AFC4-6F175D3DCCD1}">
+                <a14:hiddenFill xmlns:a14="http://schemas.microsoft.com/office/drawing/2010/main">
+                  <a:solidFill>
+                    <a:srgbClr val="FFFFFF"/>
+                  </a:solidFill>
+                </a14:hiddenFill>
+              </a:ext>
+            </a:extLst>
+          </p:spPr>
+        </p:pic>
+      </p:grpSp>
+      <p:grpSp>
+        <p:nvGrpSpPr>
+          <p:cNvPr id="126" name="グループ化 125">
+            <a:extLst>
+              <a:ext uri="{FF2B5EF4-FFF2-40B4-BE49-F238E27FC236}">
+                <a16:creationId xmlns:a16="http://schemas.microsoft.com/office/drawing/2014/main" id="{B4C0DB08-DE37-829C-EFA8-62B48AFA70E9}"/>
+              </a:ext>
+            </a:extLst>
+          </p:cNvPr>
+          <p:cNvGrpSpPr/>
+          <p:nvPr/>
+        </p:nvGrpSpPr>
+        <p:grpSpPr>
+          <a:xfrm>
+            <a:off x="6708360" y="3121392"/>
+            <a:ext cx="1878011" cy="600755"/>
+            <a:chOff x="4662156" y="4181974"/>
+            <a:chExt cx="2440857" cy="600755"/>
+          </a:xfrm>
+        </p:grpSpPr>
+        <p:sp>
+          <p:nvSpPr>
+            <p:cNvPr id="125" name="四角形: 角を丸くする 124">
+              <a:extLst>
+                <a:ext uri="{FF2B5EF4-FFF2-40B4-BE49-F238E27FC236}">
+                  <a16:creationId xmlns:a16="http://schemas.microsoft.com/office/drawing/2014/main" id="{4F97201E-A085-E2DC-8911-6DD44070CE7D}"/>
+                </a:ext>
+              </a:extLst>
+            </p:cNvPr>
+            <p:cNvSpPr/>
+            <p:nvPr/>
+          </p:nvSpPr>
+          <p:spPr>
+            <a:xfrm>
+              <a:off x="4662156" y="4181974"/>
+              <a:ext cx="2440857" cy="600755"/>
+            </a:xfrm>
+            <a:prstGeom prst="roundRect">
+              <a:avLst>
+                <a:gd name="adj" fmla="val 19858"/>
+              </a:avLst>
+            </a:prstGeom>
+            <a:solidFill>
+              <a:schemeClr val="bg1"/>
+            </a:solidFill>
+            <a:ln>
+              <a:solidFill>
+                <a:schemeClr val="tx1"/>
+              </a:solidFill>
+            </a:ln>
+            <a:effectLst>
+              <a:outerShdw blurRad="50800" dist="38100" dir="2700000" algn="tl" rotWithShape="0">
+                <a:prstClr val="black">
+                  <a:alpha val="40000"/>
+                </a:prstClr>
+              </a:outerShdw>
+            </a:effectLst>
+          </p:spPr>
+          <p:style>
+            <a:lnRef idx="2">
+              <a:schemeClr val="accent3"/>
+            </a:lnRef>
+            <a:fillRef idx="1">
+              <a:schemeClr val="lt1"/>
+            </a:fillRef>
+            <a:effectRef idx="0">
+              <a:schemeClr val="accent3"/>
+            </a:effectRef>
+            <a:fontRef idx="minor">
+              <a:schemeClr val="dk1"/>
+            </a:fontRef>
+          </p:style>
+          <p:txBody>
+            <a:bodyPr rtlCol="0" anchor="ctr"/>
+            <a:lstStyle/>
+            <a:p>
+              <a:pPr algn="ctr">
+                <a:lnSpc>
+                  <a:spcPct val="130000"/>
+                </a:lnSpc>
+                <a:spcAft>
+                  <a:spcPts val="600"/>
+                </a:spcAft>
+              </a:pPr>
+              <a:endParaRPr kumimoji="1" lang="en-US" altLang="ja-JP" sz="1600" dirty="0">
+                <a:solidFill>
+                  <a:schemeClr val="tx1"/>
+                </a:solidFill>
+                <a:latin typeface="+mn-ea"/>
+              </a:endParaRPr>
+            </a:p>
+            <a:p>
+              <a:pPr algn="ctr">
+                <a:lnSpc>
+                  <a:spcPct val="130000"/>
+                </a:lnSpc>
+                <a:spcAft>
+                  <a:spcPts val="600"/>
+                </a:spcAft>
+              </a:pPr>
+              <a:endParaRPr kumimoji="1" lang="en-US" altLang="ja-JP" sz="1600" dirty="0">
+                <a:solidFill>
+                  <a:schemeClr val="tx1"/>
+                </a:solidFill>
+                <a:latin typeface="+mn-ea"/>
+              </a:endParaRPr>
+            </a:p>
+            <a:p>
+              <a:pPr algn="ctr">
+                <a:lnSpc>
+                  <a:spcPct val="130000"/>
+                </a:lnSpc>
+                <a:spcAft>
+                  <a:spcPts val="600"/>
+                </a:spcAft>
+              </a:pPr>
+              <a:endParaRPr kumimoji="1" lang="en-US" altLang="ja-JP" sz="1600" dirty="0">
+                <a:solidFill>
+                  <a:schemeClr val="tx1"/>
+                </a:solidFill>
+                <a:latin typeface="+mn-ea"/>
+              </a:endParaRPr>
+            </a:p>
+            <a:p>
+              <a:pPr algn="ctr">
+                <a:lnSpc>
+                  <a:spcPct val="130000"/>
+                </a:lnSpc>
+                <a:spcAft>
+                  <a:spcPts val="600"/>
+                </a:spcAft>
+              </a:pPr>
+              <a:endParaRPr kumimoji="1" lang="en-US" altLang="ja-JP" sz="1600" dirty="0">
+                <a:solidFill>
+                  <a:schemeClr val="tx1"/>
+                </a:solidFill>
+                <a:latin typeface="+mn-ea"/>
+              </a:endParaRPr>
+            </a:p>
+            <a:p>
+              <a:pPr algn="ctr">
+                <a:lnSpc>
+                  <a:spcPct val="130000"/>
+                </a:lnSpc>
+                <a:spcAft>
+                  <a:spcPts val="600"/>
+                </a:spcAft>
+              </a:pPr>
+              <a:endParaRPr kumimoji="1" lang="en-US" altLang="ja-JP" sz="1600" dirty="0">
+                <a:solidFill>
+                  <a:schemeClr val="tx1"/>
+                </a:solidFill>
+                <a:latin typeface="+mn-ea"/>
+              </a:endParaRPr>
+            </a:p>
+            <a:p>
+              <a:pPr algn="ctr">
+                <a:lnSpc>
+                  <a:spcPct val="130000"/>
+                </a:lnSpc>
+                <a:spcAft>
+                  <a:spcPts val="600"/>
+                </a:spcAft>
+              </a:pPr>
+              <a:endParaRPr kumimoji="1" lang="en-US" altLang="ja-JP" sz="1600" dirty="0">
+                <a:solidFill>
+                  <a:schemeClr val="tx1"/>
+                </a:solidFill>
+                <a:latin typeface="+mn-ea"/>
+              </a:endParaRPr>
+            </a:p>
+            <a:p>
+              <a:pPr algn="ctr">
+                <a:lnSpc>
+                  <a:spcPct val="130000"/>
+                </a:lnSpc>
+                <a:spcAft>
+                  <a:spcPts val="600"/>
+                </a:spcAft>
+              </a:pPr>
+              <a:endParaRPr kumimoji="1" lang="en-US" altLang="ja-JP" sz="1600" dirty="0">
+                <a:solidFill>
+                  <a:schemeClr val="tx1"/>
+                </a:solidFill>
+                <a:latin typeface="+mn-ea"/>
+              </a:endParaRPr>
+            </a:p>
+            <a:p>
+              <a:pPr algn="ctr">
+                <a:lnSpc>
+                  <a:spcPct val="130000"/>
+                </a:lnSpc>
+                <a:spcAft>
+                  <a:spcPts val="600"/>
+                </a:spcAft>
+              </a:pPr>
+              <a:endParaRPr kumimoji="1" lang="en-US" altLang="ja-JP" sz="2000" dirty="0">
+                <a:solidFill>
+                  <a:srgbClr val="FF0000"/>
+                </a:solidFill>
+                <a:latin typeface="+mn-ea"/>
+              </a:endParaRPr>
+            </a:p>
+            <a:p>
+              <a:pPr algn="ctr">
+                <a:lnSpc>
+                  <a:spcPct val="130000"/>
+                </a:lnSpc>
+                <a:spcAft>
+                  <a:spcPts val="600"/>
+                </a:spcAft>
+              </a:pPr>
+              <a:endParaRPr kumimoji="1" lang="en-US" altLang="ja-JP" sz="2000" dirty="0">
+                <a:solidFill>
+                  <a:srgbClr val="FF0000"/>
+                </a:solidFill>
+                <a:latin typeface="+mn-ea"/>
+              </a:endParaRPr>
+            </a:p>
+            <a:p>
+              <a:pPr algn="ctr">
+                <a:lnSpc>
+                  <a:spcPct val="130000"/>
+                </a:lnSpc>
+                <a:spcAft>
+                  <a:spcPts val="600"/>
+                </a:spcAft>
+              </a:pPr>
+              <a:endParaRPr kumimoji="1" lang="ja-JP" altLang="en-US" sz="2000" dirty="0">
+                <a:solidFill>
+                  <a:srgbClr val="FF0000"/>
+                </a:solidFill>
+                <a:latin typeface="+mn-ea"/>
+              </a:endParaRPr>
+            </a:p>
+          </p:txBody>
+        </p:sp>
+        <p:sp>
+          <p:nvSpPr>
+            <p:cNvPr id="124" name="テキスト ボックス 123">
+              <a:extLst>
+                <a:ext uri="{FF2B5EF4-FFF2-40B4-BE49-F238E27FC236}">
+                  <a16:creationId xmlns:a16="http://schemas.microsoft.com/office/drawing/2014/main" id="{8931E2B4-B2E0-DEED-CCBE-7186DCA4526F}"/>
+                </a:ext>
+              </a:extLst>
+            </p:cNvPr>
+            <p:cNvSpPr txBox="1"/>
+            <p:nvPr/>
+          </p:nvSpPr>
+          <p:spPr>
+            <a:xfrm>
+              <a:off x="4950051" y="4294195"/>
+              <a:ext cx="1751719" cy="369332"/>
+            </a:xfrm>
+            <a:prstGeom prst="rect">
+              <a:avLst/>
+            </a:prstGeom>
+            <a:solidFill>
+              <a:schemeClr val="bg1"/>
+            </a:solidFill>
+          </p:spPr>
+          <p:txBody>
+            <a:bodyPr wrap="square" rtlCol="0" anchor="ctr">
+              <a:spAutoFit/>
+            </a:bodyPr>
+            <a:lstStyle/>
+            <a:p>
+              <a:pPr algn="ctr"/>
+              <a:r>
+                <a:rPr kumimoji="1" lang="ja-JP" altLang="en-US" dirty="0"/>
+                <a:t>点群データ</a:t>
+              </a:r>
+            </a:p>
+          </p:txBody>
+        </p:sp>
+      </p:grpSp>
+      <p:cxnSp>
+        <p:nvCxnSpPr>
+          <p:cNvPr id="127" name="コネクタ: カギ線 126">
+            <a:extLst>
+              <a:ext uri="{FF2B5EF4-FFF2-40B4-BE49-F238E27FC236}">
+                <a16:creationId xmlns:a16="http://schemas.microsoft.com/office/drawing/2014/main" id="{58DF3F3F-298C-53FB-E916-C7F4B22F8C69}"/>
+              </a:ext>
+            </a:extLst>
+          </p:cNvPr>
+          <p:cNvCxnSpPr>
+            <a:cxnSpLocks/>
+            <a:stCxn id="125" idx="2"/>
+            <a:endCxn id="1028" idx="1"/>
+          </p:cNvCxnSpPr>
+          <p:nvPr/>
+        </p:nvCxnSpPr>
+        <p:spPr>
+          <a:xfrm rot="16200000" flipH="1">
+            <a:off x="7902877" y="3466636"/>
+            <a:ext cx="702190" cy="1213212"/>
+          </a:xfrm>
+          <a:prstGeom prst="bentConnector2">
+            <a:avLst/>
+          </a:prstGeom>
+          <a:ln w="63500">
+            <a:solidFill>
+              <a:srgbClr val="FF0000"/>
+            </a:solidFill>
+            <a:headEnd type="none"/>
+            <a:tailEnd type="triangle"/>
+          </a:ln>
+        </p:spPr>
+        <p:style>
+          <a:lnRef idx="1">
+            <a:schemeClr val="accent1"/>
+          </a:lnRef>
+          <a:fillRef idx="0">
+            <a:schemeClr val="accent1"/>
+          </a:fillRef>
+          <a:effectRef idx="0">
+            <a:schemeClr val="accent1"/>
+          </a:effectRef>
+          <a:fontRef idx="minor">
+            <a:schemeClr val="tx1"/>
+          </a:fontRef>
+        </p:style>
+      </p:cxnSp>
+      <p:cxnSp>
+        <p:nvCxnSpPr>
+          <p:cNvPr id="1027" name="コネクタ: カギ線 1026">
+            <a:extLst>
+              <a:ext uri="{FF2B5EF4-FFF2-40B4-BE49-F238E27FC236}">
+                <a16:creationId xmlns:a16="http://schemas.microsoft.com/office/drawing/2014/main" id="{33DBF6CB-A7DA-F327-CFFD-0231504CA766}"/>
+              </a:ext>
+            </a:extLst>
+          </p:cNvPr>
+          <p:cNvCxnSpPr>
+            <a:cxnSpLocks/>
+            <a:stCxn id="125" idx="2"/>
+            <a:endCxn id="118" idx="3"/>
+          </p:cNvCxnSpPr>
+          <p:nvPr/>
+        </p:nvCxnSpPr>
+        <p:spPr>
+          <a:xfrm rot="5400000">
+            <a:off x="5774186" y="2556327"/>
+            <a:ext cx="707361" cy="3039001"/>
+          </a:xfrm>
+          <a:prstGeom prst="bentConnector2">
+            <a:avLst/>
+          </a:prstGeom>
+          <a:ln w="63500">
+            <a:solidFill>
+              <a:srgbClr val="FF0000"/>
+            </a:solidFill>
+            <a:headEnd type="none"/>
+            <a:tailEnd type="triangle"/>
+          </a:ln>
+        </p:spPr>
+        <p:style>
+          <a:lnRef idx="1">
+            <a:schemeClr val="accent1"/>
+          </a:lnRef>
+          <a:fillRef idx="0">
+            <a:schemeClr val="accent1"/>
+          </a:fillRef>
+          <a:effectRef idx="0">
+            <a:schemeClr val="accent1"/>
+          </a:effectRef>
+          <a:fontRef idx="minor">
+            <a:schemeClr val="tx1"/>
+          </a:fontRef>
+        </p:style>
+      </p:cxnSp>
+      <p:cxnSp>
+        <p:nvCxnSpPr>
+          <p:cNvPr id="1031" name="コネクタ: カギ線 1030">
+            <a:extLst>
+              <a:ext uri="{FF2B5EF4-FFF2-40B4-BE49-F238E27FC236}">
+                <a16:creationId xmlns:a16="http://schemas.microsoft.com/office/drawing/2014/main" id="{0C307B0B-0111-7686-4426-65FB3E3BE7BE}"/>
+              </a:ext>
+            </a:extLst>
+          </p:cNvPr>
+          <p:cNvCxnSpPr>
+            <a:cxnSpLocks/>
+            <a:stCxn id="125" idx="0"/>
+          </p:cNvCxnSpPr>
+          <p:nvPr/>
+        </p:nvCxnSpPr>
+        <p:spPr>
+          <a:xfrm rot="5400000" flipH="1" flipV="1">
+            <a:off x="8130022" y="2391270"/>
+            <a:ext cx="247466" cy="1212779"/>
+          </a:xfrm>
+          <a:prstGeom prst="bentConnector2">
+            <a:avLst/>
+          </a:prstGeom>
+          <a:ln w="63500">
+            <a:solidFill>
+              <a:srgbClr val="FF0000"/>
+            </a:solidFill>
+            <a:headEnd type="none"/>
+            <a:tailEnd type="triangle"/>
+          </a:ln>
+        </p:spPr>
+        <p:style>
+          <a:lnRef idx="1">
+            <a:schemeClr val="accent1"/>
+          </a:lnRef>
+          <a:fillRef idx="0">
+            <a:schemeClr val="accent1"/>
+          </a:fillRef>
+          <a:effectRef idx="0">
+            <a:schemeClr val="accent1"/>
+          </a:effectRef>
+          <a:fontRef idx="minor">
+            <a:schemeClr val="tx1"/>
+          </a:fontRef>
+        </p:style>
+      </p:cxnSp>
+      <p:sp>
+        <p:nvSpPr>
+          <p:cNvPr id="1041" name="テキスト ボックス 1040">
+            <a:extLst>
+              <a:ext uri="{FF2B5EF4-FFF2-40B4-BE49-F238E27FC236}">
+                <a16:creationId xmlns:a16="http://schemas.microsoft.com/office/drawing/2014/main" id="{AAFD753B-E32A-4D4F-4862-CA2361DEB09E}"/>
+              </a:ext>
+            </a:extLst>
+          </p:cNvPr>
+          <p:cNvSpPr txBox="1"/>
+          <p:nvPr/>
+        </p:nvSpPr>
+        <p:spPr>
+          <a:xfrm>
+            <a:off x="2327080" y="1449134"/>
+            <a:ext cx="1818323" cy="369332"/>
+          </a:xfrm>
+          <a:prstGeom prst="rect">
+            <a:avLst/>
+          </a:prstGeom>
+          <a:solidFill>
+            <a:schemeClr val="bg1"/>
+          </a:solidFill>
+        </p:spPr>
+        <p:txBody>
+          <a:bodyPr wrap="square" rtlCol="0" anchor="ctr">
+            <a:spAutoFit/>
+          </a:bodyPr>
+          <a:lstStyle/>
+          <a:p>
+            <a:pPr algn="ctr"/>
+            <a:r>
+              <a:rPr kumimoji="1" lang="ja-JP" altLang="en-US" dirty="0"/>
+              <a:t>データ共有基盤</a:t>
+            </a:r>
+            <a:endParaRPr kumimoji="1" lang="en-US" altLang="ja-JP" dirty="0"/>
+          </a:p>
+        </p:txBody>
+      </p:sp>
+      <p:pic>
+        <p:nvPicPr>
+          <p:cNvPr id="1053" name="Picture 5">
+            <a:extLst>
+              <a:ext uri="{FF2B5EF4-FFF2-40B4-BE49-F238E27FC236}">
+                <a16:creationId xmlns:a16="http://schemas.microsoft.com/office/drawing/2014/main" id="{AF695F4C-4302-96C7-120D-8DC215631B1A}"/>
+              </a:ext>
+            </a:extLst>
+          </p:cNvPr>
+          <p:cNvPicPr>
+            <a:picLocks noChangeAspect="1" noChangeArrowheads="1"/>
+          </p:cNvPicPr>
+          <p:nvPr/>
+        </p:nvPicPr>
+        <p:blipFill rotWithShape="1">
+          <a:blip r:embed="rId12" cstate="print">
+            <a:extLst>
+              <a:ext uri="{28A0092B-C50C-407E-A947-70E740481C1C}">
+                <a14:useLocalDpi xmlns:a14="http://schemas.microsoft.com/office/drawing/2010/main" val="0"/>
+              </a:ext>
+            </a:extLst>
+          </a:blip>
+          <a:srcRect t="32120" r="60486" b="35596"/>
+          <a:stretch/>
+        </p:blipFill>
+        <p:spPr bwMode="auto">
+          <a:xfrm>
+            <a:off x="372825" y="771136"/>
+            <a:ext cx="1954255" cy="838252"/>
+          </a:xfrm>
+          <a:prstGeom prst="rect">
+            <a:avLst/>
+          </a:prstGeom>
+          <a:noFill/>
+          <a:extLst>
+            <a:ext uri="{909E8E84-426E-40DD-AFC4-6F175D3DCCD1}">
+              <a14:hiddenFill xmlns:a14="http://schemas.microsoft.com/office/drawing/2010/main">
+                <a:solidFill>
+                  <a:srgbClr val="FFFFFF"/>
+                </a:solidFill>
+              </a14:hiddenFill>
+            </a:ext>
+          </a:extLst>
+        </p:spPr>
+      </p:pic>
+      <p:sp>
+        <p:nvSpPr>
+          <p:cNvPr id="1054" name="四角形: 角を丸くする 1053">
+            <a:extLst>
+              <a:ext uri="{FF2B5EF4-FFF2-40B4-BE49-F238E27FC236}">
+                <a16:creationId xmlns:a16="http://schemas.microsoft.com/office/drawing/2014/main" id="{70093055-6531-15EB-E490-E78FA291CCFC}"/>
+              </a:ext>
+            </a:extLst>
+          </p:cNvPr>
+          <p:cNvSpPr/>
+          <p:nvPr/>
+        </p:nvSpPr>
+        <p:spPr>
+          <a:xfrm>
+            <a:off x="10868882" y="3721075"/>
+            <a:ext cx="954279" cy="408057"/>
+          </a:xfrm>
+          <a:prstGeom prst="roundRect">
+            <a:avLst>
+              <a:gd name="adj" fmla="val 50000"/>
+            </a:avLst>
+          </a:prstGeom>
+          <a:solidFill>
+            <a:schemeClr val="bg1"/>
+          </a:solidFill>
+          <a:ln>
+            <a:solidFill>
+              <a:schemeClr val="tx1"/>
+            </a:solidFill>
+          </a:ln>
+          <a:effectLst>
+            <a:outerShdw blurRad="50800" dist="38100" dir="2700000" algn="tl" rotWithShape="0">
+              <a:prstClr val="black">
+                <a:alpha val="40000"/>
+              </a:prstClr>
+            </a:outerShdw>
+          </a:effectLst>
+        </p:spPr>
+        <p:style>
+          <a:lnRef idx="2">
+            <a:schemeClr val="accent3"/>
+          </a:lnRef>
+          <a:fillRef idx="1">
+            <a:schemeClr val="lt1"/>
+          </a:fillRef>
+          <a:effectRef idx="0">
+            <a:schemeClr val="accent3"/>
+          </a:effectRef>
+          <a:fontRef idx="minor">
+            <a:schemeClr val="dk1"/>
+          </a:fontRef>
+        </p:style>
+        <p:txBody>
+          <a:bodyPr rtlCol="0" anchor="ctr"/>
+          <a:lstStyle/>
+          <a:p>
+            <a:pPr algn="ctr">
+              <a:lnSpc>
+                <a:spcPct val="130000"/>
+              </a:lnSpc>
+              <a:spcAft>
+                <a:spcPts val="600"/>
+              </a:spcAft>
+            </a:pPr>
+            <a:r>
+              <a:rPr kumimoji="1" lang="en-US" altLang="ja-JP" sz="1200" dirty="0">
+                <a:solidFill>
+                  <a:schemeClr val="tx1"/>
+                </a:solidFill>
+                <a:latin typeface="+mn-ea"/>
+              </a:rPr>
+              <a:t>VR</a:t>
+            </a:r>
+            <a:endParaRPr kumimoji="1" lang="ja-JP" altLang="en-US" sz="1200" dirty="0">
+              <a:solidFill>
+                <a:schemeClr val="tx1"/>
+              </a:solidFill>
+              <a:latin typeface="+mn-ea"/>
+            </a:endParaRPr>
+          </a:p>
+        </p:txBody>
+      </p:sp>
+      <p:grpSp>
+        <p:nvGrpSpPr>
+          <p:cNvPr id="4" name="グループ化 3">
+            <a:extLst>
+              <a:ext uri="{FF2B5EF4-FFF2-40B4-BE49-F238E27FC236}">
+                <a16:creationId xmlns:a16="http://schemas.microsoft.com/office/drawing/2014/main" id="{291264DF-4CE5-AAE2-EE69-17483D5BC474}"/>
+              </a:ext>
+            </a:extLst>
+          </p:cNvPr>
+          <p:cNvGrpSpPr/>
+          <p:nvPr/>
+        </p:nvGrpSpPr>
+        <p:grpSpPr>
+          <a:xfrm>
+            <a:off x="8860142" y="110519"/>
+            <a:ext cx="2522310" cy="1068218"/>
+            <a:chOff x="8549695" y="228005"/>
+            <a:chExt cx="2522310" cy="1068218"/>
+          </a:xfrm>
+        </p:grpSpPr>
+        <p:sp>
+          <p:nvSpPr>
+            <p:cNvPr id="9" name="四角形: 角を丸くする 8">
+              <a:extLst>
+                <a:ext uri="{FF2B5EF4-FFF2-40B4-BE49-F238E27FC236}">
+                  <a16:creationId xmlns:a16="http://schemas.microsoft.com/office/drawing/2014/main" id="{CB622BC1-4CC3-3538-5621-168593F95F5B}"/>
+                </a:ext>
+              </a:extLst>
+            </p:cNvPr>
+            <p:cNvSpPr/>
+            <p:nvPr/>
+          </p:nvSpPr>
+          <p:spPr>
+            <a:xfrm>
+              <a:off x="8549695" y="262318"/>
+              <a:ext cx="2522310" cy="1033905"/>
+            </a:xfrm>
+            <a:prstGeom prst="roundRect">
+              <a:avLst>
+                <a:gd name="adj" fmla="val 19858"/>
+              </a:avLst>
+            </a:prstGeom>
+            <a:solidFill>
+              <a:schemeClr val="bg1"/>
+            </a:solidFill>
+            <a:ln>
+              <a:solidFill>
+                <a:schemeClr val="tx1"/>
+              </a:solidFill>
+            </a:ln>
+            <a:effectLst>
+              <a:outerShdw blurRad="50800" dist="38100" dir="2700000" algn="tl" rotWithShape="0">
+                <a:prstClr val="black">
+                  <a:alpha val="40000"/>
+                </a:prstClr>
+              </a:outerShdw>
+            </a:effectLst>
+          </p:spPr>
+          <p:style>
+            <a:lnRef idx="2">
+              <a:schemeClr val="accent3"/>
+            </a:lnRef>
+            <a:fillRef idx="1">
+              <a:schemeClr val="lt1"/>
+            </a:fillRef>
+            <a:effectRef idx="0">
+              <a:schemeClr val="accent3"/>
+            </a:effectRef>
+            <a:fontRef idx="minor">
+              <a:schemeClr val="dk1"/>
+            </a:fontRef>
+          </p:style>
+          <p:txBody>
+            <a:bodyPr rtlCol="0" anchor="ctr"/>
+            <a:lstStyle>
+              <a:defPPr>
+                <a:defRPr lang="en-US"/>
+              </a:defPPr>
+              <a:lvl1pPr marL="0" algn="l" defTabSz="457200" rtl="0" eaLnBrk="1" latinLnBrk="0" hangingPunct="1">
+                <a:defRPr sz="1800" kern="1200">
+                  <a:solidFill>
+                    <a:schemeClr val="dk1"/>
+                  </a:solidFill>
+                  <a:latin typeface="+mn-lt"/>
+                  <a:ea typeface="+mn-ea"/>
+                  <a:cs typeface="+mn-cs"/>
+                </a:defRPr>
+              </a:lvl1pPr>
+              <a:lvl2pPr marL="457200" algn="l" defTabSz="457200" rtl="0" eaLnBrk="1" latinLnBrk="0" hangingPunct="1">
+                <a:defRPr sz="1800" kern="1200">
+                  <a:solidFill>
+                    <a:schemeClr val="dk1"/>
+                  </a:solidFill>
+                  <a:latin typeface="+mn-lt"/>
+                  <a:ea typeface="+mn-ea"/>
+                  <a:cs typeface="+mn-cs"/>
+                </a:defRPr>
+              </a:lvl2pPr>
+              <a:lvl3pPr marL="914400" algn="l" defTabSz="457200" rtl="0" eaLnBrk="1" latinLnBrk="0" hangingPunct="1">
+                <a:defRPr sz="1800" kern="1200">
+                  <a:solidFill>
+                    <a:schemeClr val="dk1"/>
+                  </a:solidFill>
+                  <a:latin typeface="+mn-lt"/>
+                  <a:ea typeface="+mn-ea"/>
+                  <a:cs typeface="+mn-cs"/>
+                </a:defRPr>
+              </a:lvl3pPr>
+              <a:lvl4pPr marL="1371600" algn="l" defTabSz="457200" rtl="0" eaLnBrk="1" latinLnBrk="0" hangingPunct="1">
+                <a:defRPr sz="1800" kern="1200">
+                  <a:solidFill>
+                    <a:schemeClr val="dk1"/>
+                  </a:solidFill>
+                  <a:latin typeface="+mn-lt"/>
+                  <a:ea typeface="+mn-ea"/>
+                  <a:cs typeface="+mn-cs"/>
+                </a:defRPr>
+              </a:lvl4pPr>
+              <a:lvl5pPr marL="1828800" algn="l" defTabSz="457200" rtl="0" eaLnBrk="1" latinLnBrk="0" hangingPunct="1">
+                <a:defRPr sz="1800" kern="1200">
+                  <a:solidFill>
+                    <a:schemeClr val="dk1"/>
+                  </a:solidFill>
+                  <a:latin typeface="+mn-lt"/>
+                  <a:ea typeface="+mn-ea"/>
+                  <a:cs typeface="+mn-cs"/>
+                </a:defRPr>
+              </a:lvl5pPr>
+              <a:lvl6pPr marL="2286000" algn="l" defTabSz="457200" rtl="0" eaLnBrk="1" latinLnBrk="0" hangingPunct="1">
+                <a:defRPr sz="1800" kern="1200">
+                  <a:solidFill>
+                    <a:schemeClr val="dk1"/>
+                  </a:solidFill>
+                  <a:latin typeface="+mn-lt"/>
+                  <a:ea typeface="+mn-ea"/>
+                  <a:cs typeface="+mn-cs"/>
+                </a:defRPr>
+              </a:lvl6pPr>
+              <a:lvl7pPr marL="2743200" algn="l" defTabSz="457200" rtl="0" eaLnBrk="1" latinLnBrk="0" hangingPunct="1">
+                <a:defRPr sz="1800" kern="1200">
+                  <a:solidFill>
+                    <a:schemeClr val="dk1"/>
+                  </a:solidFill>
+                  <a:latin typeface="+mn-lt"/>
+                  <a:ea typeface="+mn-ea"/>
+                  <a:cs typeface="+mn-cs"/>
+                </a:defRPr>
+              </a:lvl7pPr>
+              <a:lvl8pPr marL="3200400" algn="l" defTabSz="457200" rtl="0" eaLnBrk="1" latinLnBrk="0" hangingPunct="1">
+                <a:defRPr sz="1800" kern="1200">
+                  <a:solidFill>
+                    <a:schemeClr val="dk1"/>
+                  </a:solidFill>
+                  <a:latin typeface="+mn-lt"/>
+                  <a:ea typeface="+mn-ea"/>
+                  <a:cs typeface="+mn-cs"/>
+                </a:defRPr>
+              </a:lvl8pPr>
+              <a:lvl9pPr marL="3657600" algn="l" defTabSz="457200" rtl="0" eaLnBrk="1" latinLnBrk="0" hangingPunct="1">
+                <a:defRPr sz="1800" kern="1200">
+                  <a:solidFill>
+                    <a:schemeClr val="dk1"/>
+                  </a:solidFill>
+                  <a:latin typeface="+mn-lt"/>
+                  <a:ea typeface="+mn-ea"/>
+                  <a:cs typeface="+mn-cs"/>
+                </a:defRPr>
+              </a:lvl9pPr>
+            </a:lstStyle>
+            <a:p>
+              <a:pPr algn="ctr">
+                <a:lnSpc>
+                  <a:spcPct val="130000"/>
+                </a:lnSpc>
+                <a:spcAft>
+                  <a:spcPts val="600"/>
+                </a:spcAft>
+              </a:pPr>
+              <a:endParaRPr kumimoji="1" lang="en-US" altLang="ja-JP" sz="1600" dirty="0">
+                <a:solidFill>
+                  <a:schemeClr val="tx1"/>
+                </a:solidFill>
+                <a:latin typeface="+mn-ea"/>
+              </a:endParaRPr>
+            </a:p>
+            <a:p>
+              <a:pPr algn="ctr">
+                <a:lnSpc>
+                  <a:spcPct val="130000"/>
+                </a:lnSpc>
+                <a:spcAft>
+                  <a:spcPts val="600"/>
+                </a:spcAft>
+              </a:pPr>
+              <a:endParaRPr kumimoji="1" lang="en-US" altLang="ja-JP" sz="1600" dirty="0">
+                <a:solidFill>
+                  <a:schemeClr val="tx1"/>
+                </a:solidFill>
+                <a:latin typeface="+mn-ea"/>
+              </a:endParaRPr>
+            </a:p>
+            <a:p>
+              <a:pPr algn="ctr">
+                <a:lnSpc>
+                  <a:spcPct val="130000"/>
+                </a:lnSpc>
+                <a:spcAft>
+                  <a:spcPts val="600"/>
+                </a:spcAft>
+              </a:pPr>
+              <a:endParaRPr kumimoji="1" lang="en-US" altLang="ja-JP" sz="1600" dirty="0">
+                <a:solidFill>
+                  <a:schemeClr val="tx1"/>
+                </a:solidFill>
+                <a:latin typeface="+mn-ea"/>
+              </a:endParaRPr>
+            </a:p>
+            <a:p>
+              <a:pPr algn="ctr">
+                <a:lnSpc>
+                  <a:spcPct val="130000"/>
+                </a:lnSpc>
+                <a:spcAft>
+                  <a:spcPts val="600"/>
+                </a:spcAft>
+              </a:pPr>
+              <a:endParaRPr kumimoji="1" lang="en-US" altLang="ja-JP" sz="1600" dirty="0">
+                <a:solidFill>
+                  <a:schemeClr val="tx1"/>
+                </a:solidFill>
+                <a:latin typeface="+mn-ea"/>
+              </a:endParaRPr>
+            </a:p>
+            <a:p>
+              <a:pPr algn="ctr">
+                <a:lnSpc>
+                  <a:spcPct val="130000"/>
+                </a:lnSpc>
+                <a:spcAft>
+                  <a:spcPts val="600"/>
+                </a:spcAft>
+              </a:pPr>
+              <a:endParaRPr kumimoji="1" lang="en-US" altLang="ja-JP" sz="1600" dirty="0">
+                <a:solidFill>
+                  <a:schemeClr val="tx1"/>
+                </a:solidFill>
+                <a:latin typeface="+mn-ea"/>
+              </a:endParaRPr>
+            </a:p>
+            <a:p>
+              <a:pPr algn="ctr">
+                <a:lnSpc>
+                  <a:spcPct val="130000"/>
+                </a:lnSpc>
+                <a:spcAft>
+                  <a:spcPts val="600"/>
+                </a:spcAft>
+              </a:pPr>
+              <a:endParaRPr kumimoji="1" lang="en-US" altLang="ja-JP" sz="1600" dirty="0">
+                <a:solidFill>
+                  <a:schemeClr val="tx1"/>
+                </a:solidFill>
+                <a:latin typeface="+mn-ea"/>
+              </a:endParaRPr>
+            </a:p>
+            <a:p>
+              <a:pPr algn="ctr">
+                <a:lnSpc>
+                  <a:spcPct val="130000"/>
+                </a:lnSpc>
+                <a:spcAft>
+                  <a:spcPts val="600"/>
+                </a:spcAft>
+              </a:pPr>
+              <a:endParaRPr kumimoji="1" lang="en-US" altLang="ja-JP" sz="2000" dirty="0">
+                <a:solidFill>
+                  <a:srgbClr val="FF0000"/>
+                </a:solidFill>
+                <a:latin typeface="+mn-ea"/>
+              </a:endParaRPr>
+            </a:p>
+            <a:p>
+              <a:pPr algn="ctr">
+                <a:lnSpc>
+                  <a:spcPct val="130000"/>
+                </a:lnSpc>
+                <a:spcAft>
+                  <a:spcPts val="600"/>
+                </a:spcAft>
+              </a:pPr>
+              <a:endParaRPr kumimoji="1" lang="en-US" altLang="ja-JP" sz="2000" dirty="0">
+                <a:solidFill>
+                  <a:srgbClr val="FF0000"/>
+                </a:solidFill>
+                <a:latin typeface="+mn-ea"/>
+              </a:endParaRPr>
+            </a:p>
+            <a:p>
+              <a:pPr algn="ctr">
+                <a:lnSpc>
+                  <a:spcPct val="130000"/>
+                </a:lnSpc>
+                <a:spcAft>
+                  <a:spcPts val="600"/>
+                </a:spcAft>
+              </a:pPr>
+              <a:endParaRPr kumimoji="1" lang="ja-JP" altLang="en-US" sz="2000" dirty="0">
+                <a:solidFill>
+                  <a:srgbClr val="FF0000"/>
+                </a:solidFill>
+                <a:latin typeface="+mn-ea"/>
+              </a:endParaRPr>
+            </a:p>
+          </p:txBody>
+        </p:sp>
+        <p:pic>
+          <p:nvPicPr>
+            <p:cNvPr id="10" name="図 9">
+              <a:extLst>
+                <a:ext uri="{FF2B5EF4-FFF2-40B4-BE49-F238E27FC236}">
+                  <a16:creationId xmlns:a16="http://schemas.microsoft.com/office/drawing/2014/main" id="{A6DD3187-6C51-2A95-EE24-EC8A8A7DD438}"/>
+                </a:ext>
+              </a:extLst>
+            </p:cNvPr>
+            <p:cNvPicPr>
+              <a:picLocks noChangeAspect="1"/>
+            </p:cNvPicPr>
+            <p:nvPr/>
+          </p:nvPicPr>
+          <p:blipFill>
+            <a:blip r:embed="rId13"/>
+            <a:srcRect l="43389" b="19791"/>
+            <a:stretch>
+              <a:fillRect/>
+            </a:stretch>
+          </p:blipFill>
+          <p:spPr>
+            <a:xfrm>
+              <a:off x="8737768" y="228005"/>
+              <a:ext cx="1996124" cy="949016"/>
+            </a:xfrm>
+            <a:prstGeom prst="rect">
+              <a:avLst/>
+            </a:prstGeom>
+          </p:spPr>
+        </p:pic>
+      </p:grpSp>
+      <p:cxnSp>
+        <p:nvCxnSpPr>
+          <p:cNvPr id="12" name="コネクタ: カギ線 11">
+            <a:extLst>
+              <a:ext uri="{FF2B5EF4-FFF2-40B4-BE49-F238E27FC236}">
+                <a16:creationId xmlns:a16="http://schemas.microsoft.com/office/drawing/2014/main" id="{29F97E0B-3337-0F76-204D-16F4EF5B73B3}"/>
+              </a:ext>
+            </a:extLst>
+          </p:cNvPr>
+          <p:cNvCxnSpPr>
+            <a:cxnSpLocks/>
+            <a:stCxn id="26" idx="0"/>
+            <a:endCxn id="9" idx="2"/>
+          </p:cNvCxnSpPr>
+          <p:nvPr/>
+        </p:nvCxnSpPr>
+        <p:spPr>
+          <a:xfrm rot="5400000" flipH="1" flipV="1">
+            <a:off x="9636132" y="1663903"/>
+            <a:ext cx="970331" cy="12700"/>
+          </a:xfrm>
+          <a:prstGeom prst="bentConnector3">
+            <a:avLst>
+              <a:gd name="adj1" fmla="val 50000"/>
+            </a:avLst>
+          </a:prstGeom>
+          <a:ln w="63500">
+            <a:solidFill>
+              <a:srgbClr val="FF0000"/>
+            </a:solidFill>
+            <a:headEnd type="none"/>
+            <a:tailEnd type="triangle"/>
+          </a:ln>
+        </p:spPr>
+        <p:style>
+          <a:lnRef idx="1">
+            <a:schemeClr val="accent1"/>
+          </a:lnRef>
+          <a:fillRef idx="0">
+            <a:schemeClr val="accent1"/>
+          </a:fillRef>
+          <a:effectRef idx="0">
+            <a:schemeClr val="accent1"/>
+          </a:effectRef>
+          <a:fontRef idx="minor">
+            <a:schemeClr val="tx1"/>
+          </a:fontRef>
+        </p:style>
+      </p:cxnSp>
       <p:grpSp>
         <p:nvGrpSpPr>
           <p:cNvPr id="79" name="グループ化 78">
@@ -2606,7 +4752,7 @@
         </p:nvGrpSpPr>
         <p:grpSpPr>
           <a:xfrm>
-            <a:off x="8184231" y="1772816"/>
+            <a:off x="8428529" y="1772816"/>
             <a:ext cx="2953923" cy="1559515"/>
             <a:chOff x="8773833" y="1750641"/>
             <a:chExt cx="2820139" cy="1559515"/>
@@ -2901,7 +5047,7 @@
                   <a:pPr algn="ctr"/>
                   <a:r>
                     <a:rPr lang="ja-JP" altLang="en-US" sz="2400" dirty="0">
-                      <a:hlinkClick r:id="rId4"/>
+                      <a:hlinkClick r:id="rId14"/>
                     </a:rPr>
                     <a:t>BIM/CIM</a:t>
                   </a:r>
@@ -3008,7 +5154,7 @@
             <p:nvPr/>
           </p:nvPicPr>
           <p:blipFill>
-            <a:blip r:embed="rId5"/>
+            <a:blip r:embed="rId15"/>
             <a:stretch>
               <a:fillRect/>
             </a:stretch>
@@ -3038,7 +5184,7 @@
             <p:nvPr/>
           </p:nvPicPr>
           <p:blipFill>
-            <a:blip r:embed="rId6"/>
+            <a:blip r:embed="rId16"/>
             <a:stretch>
               <a:fillRect/>
             </a:stretch>
@@ -3068,7 +5214,7 @@
             <p:nvPr/>
           </p:nvPicPr>
           <p:blipFill>
-            <a:blip r:embed="rId7"/>
+            <a:blip r:embed="rId17"/>
             <a:stretch>
               <a:fillRect/>
             </a:stretch>
@@ -3098,7 +5244,7 @@
         </p:nvGrpSpPr>
         <p:grpSpPr>
           <a:xfrm>
-            <a:off x="839416" y="1894886"/>
+            <a:off x="1083714" y="1894886"/>
             <a:ext cx="3022883" cy="1462106"/>
             <a:chOff x="5685257" y="2168640"/>
             <a:chExt cx="2848912" cy="1462106"/>
@@ -3561,7 +5707,7 @@
               <p:nvPr/>
             </p:nvPicPr>
             <p:blipFill>
-              <a:blip r:embed="rId8"/>
+              <a:blip r:embed="rId18"/>
               <a:stretch>
                 <a:fillRect/>
               </a:stretch>
@@ -3578,110 +5724,454 @@
           </p:pic>
         </p:grpSp>
       </p:grpSp>
-      <p:cxnSp>
-        <p:nvCxnSpPr>
-          <p:cNvPr id="8" name="コネクタ: カギ線 7">
+    </p:spTree>
+    <p:extLst>
+      <p:ext uri="{BB962C8B-B14F-4D97-AF65-F5344CB8AC3E}">
+        <p14:creationId xmlns:p14="http://schemas.microsoft.com/office/powerpoint/2010/main" val="3134659741"/>
+      </p:ext>
+    </p:extLst>
+  </p:cSld>
+  <p:clrMapOvr>
+    <a:masterClrMapping/>
+  </p:clrMapOvr>
+  <mc:AlternateContent xmlns:mc="http://schemas.openxmlformats.org/markup-compatibility/2006" xmlns:p14="http://schemas.microsoft.com/office/powerpoint/2010/main">
+    <mc:Choice Requires="p14">
+      <p:transition spd="slow" p14:dur="15000"/>
+    </mc:Choice>
+    <mc:Fallback xmlns="">
+      <p:transition spd="slow"/>
+    </mc:Fallback>
+  </mc:AlternateContent>
+</p:sld>
+</file>
+
+<file path=ppt/slides/slide2.xml><?xml version="1.0" encoding="utf-8"?>
+<p:sld xmlns:a="http://schemas.openxmlformats.org/drawingml/2006/main" xmlns:r="http://schemas.openxmlformats.org/officeDocument/2006/relationships" xmlns:p="http://schemas.openxmlformats.org/presentationml/2006/main">
+  <p:cSld>
+    <p:spTree>
+      <p:nvGrpSpPr>
+        <p:cNvPr id="1" name="">
+          <a:extLst>
+            <a:ext uri="{FF2B5EF4-FFF2-40B4-BE49-F238E27FC236}">
+              <a16:creationId xmlns:a16="http://schemas.microsoft.com/office/drawing/2014/main" id="{0783E8C3-153D-4A16-5388-C14F1D5026F0}"/>
+            </a:ext>
+          </a:extLst>
+        </p:cNvPr>
+        <p:cNvGrpSpPr/>
+        <p:nvPr/>
+      </p:nvGrpSpPr>
+      <p:grpSpPr>
+        <a:xfrm>
+          <a:off x="0" y="0"/>
+          <a:ext cx="0" cy="0"/>
+          <a:chOff x="0" y="0"/>
+          <a:chExt cx="0" cy="0"/>
+        </a:xfrm>
+      </p:grpSpPr>
+      <p:sp>
+        <p:nvSpPr>
+          <p:cNvPr id="2" name="雲 1">
             <a:extLst>
               <a:ext uri="{FF2B5EF4-FFF2-40B4-BE49-F238E27FC236}">
-                <a16:creationId xmlns:a16="http://schemas.microsoft.com/office/drawing/2014/main" id="{2BFAA1CB-4B5E-1EE9-6D41-56CB5180175C}"/>
+                <a16:creationId xmlns:a16="http://schemas.microsoft.com/office/drawing/2014/main" id="{76306DDB-56BC-656D-D127-3BCBB5E63DC7}"/>
               </a:ext>
             </a:extLst>
           </p:cNvPr>
-          <p:cNvCxnSpPr>
-            <a:cxnSpLocks/>
-            <a:stCxn id="1037" idx="2"/>
-            <a:endCxn id="71" idx="0"/>
-          </p:cNvCxnSpPr>
+          <p:cNvSpPr/>
           <p:nvPr/>
-        </p:nvCxnSpPr>
+        </p:nvSpPr>
         <p:spPr>
-          <a:xfrm rot="16200000" flipH="1">
-            <a:off x="1958927" y="3748922"/>
-            <a:ext cx="820946" cy="37086"/>
+          <a:xfrm>
+            <a:off x="3759732" y="362739"/>
+            <a:ext cx="8152342" cy="6470070"/>
           </a:xfrm>
-          <a:prstGeom prst="bentConnector3">
-            <a:avLst>
-              <a:gd name="adj1" fmla="val 50000"/>
-            </a:avLst>
+          <a:prstGeom prst="cloud">
+            <a:avLst/>
           </a:prstGeom>
-          <a:ln w="63500">
+          <a:ln>
             <a:solidFill>
-              <a:srgbClr val="FF0000"/>
+              <a:srgbClr val="0000FF"/>
             </a:solidFill>
-            <a:headEnd type="none"/>
-            <a:tailEnd type="triangle"/>
           </a:ln>
+          <a:effectLst>
+            <a:outerShdw blurRad="50800" dist="38100" dir="2700000" algn="tl" rotWithShape="0">
+              <a:prstClr val="black">
+                <a:alpha val="40000"/>
+              </a:prstClr>
+            </a:outerShdw>
+          </a:effectLst>
         </p:spPr>
         <p:style>
-          <a:lnRef idx="1">
-            <a:schemeClr val="accent1"/>
+          <a:lnRef idx="2">
+            <a:schemeClr val="accent3"/>
           </a:lnRef>
-          <a:fillRef idx="0">
+          <a:fillRef idx="1">
+            <a:schemeClr val="lt1"/>
+          </a:fillRef>
+          <a:effectRef idx="0">
+            <a:schemeClr val="accent3"/>
+          </a:effectRef>
+          <a:fontRef idx="minor">
+            <a:schemeClr val="dk1"/>
+          </a:fontRef>
+        </p:style>
+        <p:txBody>
+          <a:bodyPr rtlCol="0" anchor="ctr"/>
+          <a:lstStyle/>
+          <a:p>
+            <a:pPr algn="ctr"/>
+            <a:endParaRPr kumimoji="1" lang="ja-JP" altLang="en-US" sz="2000" dirty="0">
+              <a:solidFill>
+                <a:schemeClr val="dk1"/>
+              </a:solidFill>
+            </a:endParaRPr>
+          </a:p>
+        </p:txBody>
+      </p:sp>
+      <p:sp>
+        <p:nvSpPr>
+          <p:cNvPr id="13" name="矢印: 右 12">
+            <a:extLst>
+              <a:ext uri="{FF2B5EF4-FFF2-40B4-BE49-F238E27FC236}">
+                <a16:creationId xmlns:a16="http://schemas.microsoft.com/office/drawing/2014/main" id="{2E8EBEA9-1980-F56E-49F7-EDF27A476A75}"/>
+              </a:ext>
+            </a:extLst>
+          </p:cNvPr>
+          <p:cNvSpPr/>
+          <p:nvPr/>
+        </p:nvSpPr>
+        <p:spPr>
+          <a:xfrm>
+            <a:off x="1200660" y="5968713"/>
+            <a:ext cx="10558866" cy="792088"/>
+          </a:xfrm>
+          <a:prstGeom prst="rightArrow">
+            <a:avLst/>
+          </a:prstGeom>
+        </p:spPr>
+        <p:style>
+          <a:lnRef idx="2">
+            <a:schemeClr val="accent1">
+              <a:shade val="15000"/>
+            </a:schemeClr>
+          </a:lnRef>
+          <a:fillRef idx="1">
             <a:schemeClr val="accent1"/>
           </a:fillRef>
           <a:effectRef idx="0">
             <a:schemeClr val="accent1"/>
           </a:effectRef>
           <a:fontRef idx="minor">
-            <a:schemeClr val="tx1"/>
+            <a:schemeClr val="lt1"/>
           </a:fontRef>
         </p:style>
-      </p:cxnSp>
-      <p:cxnSp>
-        <p:nvCxnSpPr>
-          <p:cNvPr id="11" name="コネクタ: カギ線 10">
+        <p:txBody>
+          <a:bodyPr rtlCol="0" anchor="ctr"/>
+          <a:lstStyle/>
+          <a:p>
+            <a:pPr algn="ctr"/>
+            <a:r>
+              <a:rPr kumimoji="1" lang="ja-JP" altLang="en-US" dirty="0">
+                <a:solidFill>
+                  <a:schemeClr val="tx1"/>
+                </a:solidFill>
+              </a:rPr>
+              <a:t>状況把握レベル</a:t>
+            </a:r>
+          </a:p>
+        </p:txBody>
+      </p:sp>
+      <p:sp>
+        <p:nvSpPr>
+          <p:cNvPr id="14" name="テキスト ボックス 13">
             <a:extLst>
               <a:ext uri="{FF2B5EF4-FFF2-40B4-BE49-F238E27FC236}">
-                <a16:creationId xmlns:a16="http://schemas.microsoft.com/office/drawing/2014/main" id="{0CEF2AA8-DCE5-D068-419E-25A49490006B}"/>
+                <a16:creationId xmlns:a16="http://schemas.microsoft.com/office/drawing/2014/main" id="{67716F0F-6972-D2B1-6F4E-8D4C718B94E7}"/>
               </a:ext>
             </a:extLst>
           </p:cNvPr>
-          <p:cNvCxnSpPr>
-            <a:cxnSpLocks/>
-            <a:stCxn id="1028" idx="0"/>
-            <a:endCxn id="26" idx="2"/>
-          </p:cNvCxnSpPr>
+          <p:cNvSpPr txBox="1"/>
           <p:nvPr/>
-        </p:nvCxnSpPr>
+        </p:nvSpPr>
         <p:spPr>
-          <a:xfrm rot="16200000" flipV="1">
-            <a:off x="9446596" y="3550655"/>
-            <a:ext cx="862788" cy="1979"/>
+          <a:xfrm>
+            <a:off x="9593387" y="6191212"/>
+            <a:ext cx="1976260" cy="369332"/>
           </a:xfrm>
-          <a:prstGeom prst="bentConnector3">
-            <a:avLst>
-              <a:gd name="adj1" fmla="val 50000"/>
-            </a:avLst>
+          <a:prstGeom prst="rect">
+            <a:avLst/>
           </a:prstGeom>
-          <a:ln w="63500">
-            <a:solidFill>
-              <a:schemeClr val="accent4"/>
-            </a:solidFill>
-            <a:headEnd type="triangle"/>
-            <a:tailEnd type="triangle"/>
-          </a:ln>
+          <a:noFill/>
+        </p:spPr>
+        <p:txBody>
+          <a:bodyPr wrap="square" rtlCol="0" anchor="ctr">
+            <a:spAutoFit/>
+          </a:bodyPr>
+          <a:lstStyle/>
+          <a:p>
+            <a:pPr algn="ctr"/>
+            <a:r>
+              <a:rPr kumimoji="1" lang="ja-JP" altLang="en-US" dirty="0"/>
+              <a:t>詳細</a:t>
+            </a:r>
+            <a:endParaRPr kumimoji="1" lang="en-US" altLang="ja-JP" dirty="0"/>
+          </a:p>
+        </p:txBody>
+      </p:sp>
+      <p:sp>
+        <p:nvSpPr>
+          <p:cNvPr id="16" name="テキスト ボックス 15">
+            <a:extLst>
+              <a:ext uri="{FF2B5EF4-FFF2-40B4-BE49-F238E27FC236}">
+                <a16:creationId xmlns:a16="http://schemas.microsoft.com/office/drawing/2014/main" id="{B4A95A99-8F7D-FBA7-83EC-F2850E16A69D}"/>
+              </a:ext>
+            </a:extLst>
+          </p:cNvPr>
+          <p:cNvSpPr txBox="1"/>
+          <p:nvPr/>
+        </p:nvSpPr>
+        <p:spPr>
+          <a:xfrm>
+            <a:off x="1070298" y="6180091"/>
+            <a:ext cx="1976260" cy="369332"/>
+          </a:xfrm>
+          <a:prstGeom prst="rect">
+            <a:avLst/>
+          </a:prstGeom>
+          <a:noFill/>
+        </p:spPr>
+        <p:txBody>
+          <a:bodyPr wrap="square" rtlCol="0" anchor="ctr">
+            <a:spAutoFit/>
+          </a:bodyPr>
+          <a:lstStyle/>
+          <a:p>
+            <a:pPr algn="ctr"/>
+            <a:r>
+              <a:rPr kumimoji="1" lang="ja-JP" altLang="en-US" dirty="0"/>
+              <a:t>概略</a:t>
+            </a:r>
+            <a:endParaRPr kumimoji="1" lang="en-US" altLang="ja-JP" dirty="0"/>
+          </a:p>
+        </p:txBody>
+      </p:sp>
+      <p:sp>
+        <p:nvSpPr>
+          <p:cNvPr id="17" name="矢印: 右 16">
+            <a:extLst>
+              <a:ext uri="{FF2B5EF4-FFF2-40B4-BE49-F238E27FC236}">
+                <a16:creationId xmlns:a16="http://schemas.microsoft.com/office/drawing/2014/main" id="{2A39D86A-479C-8342-A959-2532C706DD05}"/>
+              </a:ext>
+            </a:extLst>
+          </p:cNvPr>
+          <p:cNvSpPr/>
+          <p:nvPr/>
+        </p:nvSpPr>
+        <p:spPr>
+          <a:xfrm rot="16200000">
+            <a:off x="-1781938" y="3124397"/>
+            <a:ext cx="4896544" cy="792088"/>
+          </a:xfrm>
+          <a:prstGeom prst="rightArrow">
+            <a:avLst/>
+          </a:prstGeom>
         </p:spPr>
         <p:style>
-          <a:lnRef idx="1">
-            <a:schemeClr val="accent1"/>
+          <a:lnRef idx="2">
+            <a:schemeClr val="accent1">
+              <a:shade val="15000"/>
+            </a:schemeClr>
           </a:lnRef>
-          <a:fillRef idx="0">
+          <a:fillRef idx="1">
             <a:schemeClr val="accent1"/>
           </a:fillRef>
           <a:effectRef idx="0">
             <a:schemeClr val="accent1"/>
           </a:effectRef>
           <a:fontRef idx="minor">
-            <a:schemeClr val="tx1"/>
+            <a:schemeClr val="lt1"/>
           </a:fontRef>
         </p:style>
-      </p:cxnSp>
+        <p:txBody>
+          <a:bodyPr rtlCol="0" anchor="ctr"/>
+          <a:lstStyle/>
+          <a:p>
+            <a:pPr algn="ctr"/>
+            <a:r>
+              <a:rPr kumimoji="1" lang="ja-JP" altLang="en-US" dirty="0">
+                <a:solidFill>
+                  <a:schemeClr val="tx1"/>
+                </a:solidFill>
+              </a:rPr>
+              <a:t>管理範囲</a:t>
+            </a:r>
+          </a:p>
+        </p:txBody>
+      </p:sp>
+      <p:sp>
+        <p:nvSpPr>
+          <p:cNvPr id="19" name="テキスト ボックス 18">
+            <a:extLst>
+              <a:ext uri="{FF2B5EF4-FFF2-40B4-BE49-F238E27FC236}">
+                <a16:creationId xmlns:a16="http://schemas.microsoft.com/office/drawing/2014/main" id="{6BB9B6D5-A4B5-FDC4-31CB-F478F27E3EEA}"/>
+              </a:ext>
+            </a:extLst>
+          </p:cNvPr>
+          <p:cNvSpPr txBox="1"/>
+          <p:nvPr/>
+        </p:nvSpPr>
+        <p:spPr>
+          <a:xfrm rot="16200000">
+            <a:off x="54814" y="5149398"/>
+            <a:ext cx="1299368" cy="369332"/>
+          </a:xfrm>
+          <a:prstGeom prst="rect">
+            <a:avLst/>
+          </a:prstGeom>
+          <a:noFill/>
+        </p:spPr>
+        <p:txBody>
+          <a:bodyPr wrap="square" rtlCol="0" anchor="ctr">
+            <a:spAutoFit/>
+          </a:bodyPr>
+          <a:lstStyle/>
+          <a:p>
+            <a:pPr algn="ctr"/>
+            <a:r>
+              <a:rPr kumimoji="1" lang="ja-JP" altLang="en-US" dirty="0"/>
+              <a:t>工事単位</a:t>
+            </a:r>
+            <a:endParaRPr kumimoji="1" lang="en-US" altLang="ja-JP" dirty="0"/>
+          </a:p>
+        </p:txBody>
+      </p:sp>
+      <p:sp>
+        <p:nvSpPr>
+          <p:cNvPr id="21" name="テキスト ボックス 20">
+            <a:extLst>
+              <a:ext uri="{FF2B5EF4-FFF2-40B4-BE49-F238E27FC236}">
+                <a16:creationId xmlns:a16="http://schemas.microsoft.com/office/drawing/2014/main" id="{E4EC5A13-E40E-451C-0E36-84E6658BF3F6}"/>
+              </a:ext>
+            </a:extLst>
+          </p:cNvPr>
+          <p:cNvSpPr txBox="1"/>
+          <p:nvPr/>
+        </p:nvSpPr>
+        <p:spPr>
+          <a:xfrm rot="16200000">
+            <a:off x="16650" y="1681203"/>
+            <a:ext cx="1299368" cy="369332"/>
+          </a:xfrm>
+          <a:prstGeom prst="rect">
+            <a:avLst/>
+          </a:prstGeom>
+          <a:noFill/>
+        </p:spPr>
+        <p:txBody>
+          <a:bodyPr wrap="square" rtlCol="0" anchor="ctr">
+            <a:spAutoFit/>
+          </a:bodyPr>
+          <a:lstStyle/>
+          <a:p>
+            <a:pPr algn="ctr"/>
+            <a:r>
+              <a:rPr kumimoji="1" lang="ja-JP" altLang="en-US" dirty="0"/>
+              <a:t>事業全体</a:t>
+            </a:r>
+            <a:endParaRPr kumimoji="1" lang="en-US" altLang="ja-JP" dirty="0"/>
+          </a:p>
+        </p:txBody>
+      </p:sp>
+      <p:sp>
+        <p:nvSpPr>
+          <p:cNvPr id="22" name="テキスト ボックス 21">
+            <a:extLst>
+              <a:ext uri="{FF2B5EF4-FFF2-40B4-BE49-F238E27FC236}">
+                <a16:creationId xmlns:a16="http://schemas.microsoft.com/office/drawing/2014/main" id="{C0F92AFE-4E14-4031-8A80-6C2ABE0E9B08}"/>
+              </a:ext>
+            </a:extLst>
+          </p:cNvPr>
+          <p:cNvSpPr txBox="1"/>
+          <p:nvPr/>
+        </p:nvSpPr>
+        <p:spPr>
+          <a:xfrm>
+            <a:off x="279926" y="127282"/>
+            <a:ext cx="5379536" cy="584775"/>
+          </a:xfrm>
+          <a:prstGeom prst="rect">
+            <a:avLst/>
+          </a:prstGeom>
+          <a:noFill/>
+        </p:spPr>
+        <p:txBody>
+          <a:bodyPr wrap="square" rtlCol="0">
+            <a:spAutoFit/>
+          </a:bodyPr>
+          <a:lstStyle/>
+          <a:p>
+            <a:r>
+              <a:rPr lang="en-US" altLang="ja-JP" sz="3200" b="1" i="0" u="sng" strike="noStrike" dirty="0">
+                <a:solidFill>
+                  <a:srgbClr val="00B0F0"/>
+                </a:solidFill>
+                <a:effectLst/>
+                <a:highlight>
+                  <a:srgbClr val="FFFFFF"/>
+                </a:highlight>
+                <a:latin typeface="ＭＳ ゴシック" panose="020B0609070205080204" pitchFamily="49" charset="-128"/>
+                <a:ea typeface="ＭＳ ゴシック" panose="020B0609070205080204" pitchFamily="49" charset="-128"/>
+              </a:rPr>
+              <a:t>【</a:t>
+            </a:r>
+            <a:r>
+              <a:rPr lang="ja-JP" altLang="en-US" sz="3200" b="1" i="0" u="sng" strike="noStrike" dirty="0">
+                <a:solidFill>
+                  <a:srgbClr val="00B0F0"/>
+                </a:solidFill>
+                <a:effectLst/>
+                <a:highlight>
+                  <a:srgbClr val="FFFFFF"/>
+                </a:highlight>
+                <a:latin typeface="ＭＳ ゴシック" panose="020B0609070205080204" pitchFamily="49" charset="-128"/>
+                <a:ea typeface="ＭＳ ゴシック" panose="020B0609070205080204" pitchFamily="49" charset="-128"/>
+              </a:rPr>
+              <a:t>事業管理利用シーン</a:t>
+            </a:r>
+            <a:r>
+              <a:rPr lang="en-US" altLang="ja-JP" sz="3200" b="1" i="0" u="sng" strike="noStrike" dirty="0">
+                <a:solidFill>
+                  <a:srgbClr val="00B0F0"/>
+                </a:solidFill>
+                <a:effectLst/>
+                <a:highlight>
+                  <a:srgbClr val="FFFFFF"/>
+                </a:highlight>
+                <a:latin typeface="ＭＳ ゴシック" panose="020B0609070205080204" pitchFamily="49" charset="-128"/>
+                <a:ea typeface="ＭＳ ゴシック" panose="020B0609070205080204" pitchFamily="49" charset="-128"/>
+              </a:rPr>
+              <a:t>】</a:t>
+            </a:r>
+            <a:endParaRPr lang="ja-JP" altLang="en-US" sz="3200" b="1" i="0" u="sng" dirty="0">
+              <a:solidFill>
+                <a:srgbClr val="00B0F0"/>
+              </a:solidFill>
+              <a:effectLst/>
+              <a:highlight>
+                <a:srgbClr val="FFFFFF"/>
+              </a:highlight>
+              <a:latin typeface="ＭＳ ゴシック" panose="020B0609070205080204" pitchFamily="49" charset="-128"/>
+              <a:ea typeface="ＭＳ ゴシック" panose="020B0609070205080204" pitchFamily="49" charset="-128"/>
+            </a:endParaRPr>
+          </a:p>
+        </p:txBody>
+      </p:sp>
       <p:grpSp>
         <p:nvGrpSpPr>
-          <p:cNvPr id="33" name="グループ化 32">
+          <p:cNvPr id="29" name="グループ化 28">
             <a:extLst>
               <a:ext uri="{FF2B5EF4-FFF2-40B4-BE49-F238E27FC236}">
-                <a16:creationId xmlns:a16="http://schemas.microsoft.com/office/drawing/2014/main" id="{4EABFFD1-34AF-1478-0383-4BE935FA5516}"/>
+                <a16:creationId xmlns:a16="http://schemas.microsoft.com/office/drawing/2014/main" id="{1AF19F00-FD39-3FCA-05E5-E169CFE709E1}"/>
               </a:ext>
             </a:extLst>
           </p:cNvPr>
@@ -3690,18 +6180,918 @@
         </p:nvGrpSpPr>
         <p:grpSpPr>
           <a:xfrm>
-            <a:off x="8616280" y="3983039"/>
-            <a:ext cx="2525398" cy="2646956"/>
+            <a:off x="4367809" y="3938693"/>
+            <a:ext cx="7319710" cy="1912648"/>
+            <a:chOff x="8354926" y="2168640"/>
+            <a:chExt cx="6898452" cy="1912648"/>
+          </a:xfrm>
+        </p:grpSpPr>
+        <p:grpSp>
+          <p:nvGrpSpPr>
+            <p:cNvPr id="31" name="グループ化 30">
+              <a:extLst>
+                <a:ext uri="{FF2B5EF4-FFF2-40B4-BE49-F238E27FC236}">
+                  <a16:creationId xmlns:a16="http://schemas.microsoft.com/office/drawing/2014/main" id="{AA5C9983-9B3F-4461-0948-D871D46F6A68}"/>
+                </a:ext>
+              </a:extLst>
+            </p:cNvPr>
+            <p:cNvGrpSpPr/>
+            <p:nvPr/>
+          </p:nvGrpSpPr>
+          <p:grpSpPr>
+            <a:xfrm>
+              <a:off x="8354926" y="2168640"/>
+              <a:ext cx="6898452" cy="1912648"/>
+              <a:chOff x="7480030" y="1280212"/>
+              <a:chExt cx="8486838" cy="2184682"/>
+            </a:xfrm>
+            <a:solidFill>
+              <a:schemeClr val="bg1"/>
+            </a:solidFill>
+          </p:grpSpPr>
+          <p:grpSp>
+            <p:nvGrpSpPr>
+              <p:cNvPr id="38" name="グループ化 37">
+                <a:extLst>
+                  <a:ext uri="{FF2B5EF4-FFF2-40B4-BE49-F238E27FC236}">
+                    <a16:creationId xmlns:a16="http://schemas.microsoft.com/office/drawing/2014/main" id="{C21F6208-2E8A-DCD8-8BE6-B8B52E8B7FF4}"/>
+                  </a:ext>
+                </a:extLst>
+              </p:cNvPr>
+              <p:cNvGrpSpPr/>
+              <p:nvPr/>
+            </p:nvGrpSpPr>
+            <p:grpSpPr>
+              <a:xfrm>
+                <a:off x="7480030" y="1280212"/>
+                <a:ext cx="8486838" cy="2184682"/>
+                <a:chOff x="3936160" y="1161673"/>
+                <a:chExt cx="7610441" cy="2184682"/>
+              </a:xfrm>
+              <a:grpFill/>
+            </p:grpSpPr>
+            <p:sp>
+              <p:nvSpPr>
+                <p:cNvPr id="40" name="四角形: 角を丸くする 39">
+                  <a:extLst>
+                    <a:ext uri="{FF2B5EF4-FFF2-40B4-BE49-F238E27FC236}">
+                      <a16:creationId xmlns:a16="http://schemas.microsoft.com/office/drawing/2014/main" id="{670B22CE-514B-DCE5-B9E7-330900056D48}"/>
+                    </a:ext>
+                  </a:extLst>
+                </p:cNvPr>
+                <p:cNvSpPr/>
+                <p:nvPr/>
+              </p:nvSpPr>
+              <p:spPr>
+                <a:xfrm>
+                  <a:off x="3936160" y="1161673"/>
+                  <a:ext cx="7610441" cy="2184682"/>
+                </a:xfrm>
+                <a:prstGeom prst="roundRect">
+                  <a:avLst>
+                    <a:gd name="adj" fmla="val 19858"/>
+                  </a:avLst>
+                </a:prstGeom>
+                <a:grpFill/>
+                <a:ln>
+                  <a:solidFill>
+                    <a:schemeClr val="tx1"/>
+                  </a:solidFill>
+                </a:ln>
+                <a:effectLst>
+                  <a:outerShdw blurRad="50800" dist="38100" dir="2700000" algn="tl" rotWithShape="0">
+                    <a:prstClr val="black">
+                      <a:alpha val="40000"/>
+                    </a:prstClr>
+                  </a:outerShdw>
+                </a:effectLst>
+              </p:spPr>
+              <p:style>
+                <a:lnRef idx="2">
+                  <a:schemeClr val="accent3"/>
+                </a:lnRef>
+                <a:fillRef idx="1">
+                  <a:schemeClr val="lt1"/>
+                </a:fillRef>
+                <a:effectRef idx="0">
+                  <a:schemeClr val="accent3"/>
+                </a:effectRef>
+                <a:fontRef idx="minor">
+                  <a:schemeClr val="dk1"/>
+                </a:fontRef>
+              </p:style>
+              <p:txBody>
+                <a:bodyPr rtlCol="0" anchor="ctr"/>
+                <a:lstStyle/>
+                <a:p>
+                  <a:pPr algn="ctr">
+                    <a:lnSpc>
+                      <a:spcPct val="130000"/>
+                    </a:lnSpc>
+                    <a:spcAft>
+                      <a:spcPts val="600"/>
+                    </a:spcAft>
+                  </a:pPr>
+                  <a:endParaRPr kumimoji="1" lang="en-US" altLang="ja-JP" sz="1600" dirty="0">
+                    <a:solidFill>
+                      <a:schemeClr val="tx1"/>
+                    </a:solidFill>
+                    <a:latin typeface="+mn-ea"/>
+                  </a:endParaRPr>
+                </a:p>
+                <a:p>
+                  <a:pPr algn="ctr">
+                    <a:lnSpc>
+                      <a:spcPct val="130000"/>
+                    </a:lnSpc>
+                    <a:spcAft>
+                      <a:spcPts val="600"/>
+                    </a:spcAft>
+                  </a:pPr>
+                  <a:endParaRPr kumimoji="1" lang="en-US" altLang="ja-JP" sz="1600" dirty="0">
+                    <a:solidFill>
+                      <a:schemeClr val="tx1"/>
+                    </a:solidFill>
+                    <a:latin typeface="+mn-ea"/>
+                  </a:endParaRPr>
+                </a:p>
+                <a:p>
+                  <a:pPr algn="ctr">
+                    <a:lnSpc>
+                      <a:spcPct val="130000"/>
+                    </a:lnSpc>
+                    <a:spcAft>
+                      <a:spcPts val="600"/>
+                    </a:spcAft>
+                  </a:pPr>
+                  <a:endParaRPr kumimoji="1" lang="en-US" altLang="ja-JP" sz="1600" dirty="0">
+                    <a:solidFill>
+                      <a:schemeClr val="tx1"/>
+                    </a:solidFill>
+                    <a:latin typeface="+mn-ea"/>
+                  </a:endParaRPr>
+                </a:p>
+                <a:p>
+                  <a:pPr algn="ctr">
+                    <a:lnSpc>
+                      <a:spcPct val="130000"/>
+                    </a:lnSpc>
+                    <a:spcAft>
+                      <a:spcPts val="600"/>
+                    </a:spcAft>
+                  </a:pPr>
+                  <a:endParaRPr kumimoji="1" lang="en-US" altLang="ja-JP" sz="1600" dirty="0">
+                    <a:solidFill>
+                      <a:schemeClr val="tx1"/>
+                    </a:solidFill>
+                    <a:latin typeface="+mn-ea"/>
+                  </a:endParaRPr>
+                </a:p>
+                <a:p>
+                  <a:pPr algn="ctr">
+                    <a:lnSpc>
+                      <a:spcPct val="130000"/>
+                    </a:lnSpc>
+                    <a:spcAft>
+                      <a:spcPts val="600"/>
+                    </a:spcAft>
+                  </a:pPr>
+                  <a:endParaRPr kumimoji="1" lang="en-US" altLang="ja-JP" sz="1600" dirty="0">
+                    <a:solidFill>
+                      <a:schemeClr val="tx1"/>
+                    </a:solidFill>
+                    <a:latin typeface="+mn-ea"/>
+                  </a:endParaRPr>
+                </a:p>
+                <a:p>
+                  <a:pPr algn="ctr">
+                    <a:lnSpc>
+                      <a:spcPct val="130000"/>
+                    </a:lnSpc>
+                    <a:spcAft>
+                      <a:spcPts val="600"/>
+                    </a:spcAft>
+                  </a:pPr>
+                  <a:endParaRPr kumimoji="1" lang="en-US" altLang="ja-JP" sz="1600" dirty="0">
+                    <a:solidFill>
+                      <a:schemeClr val="tx1"/>
+                    </a:solidFill>
+                    <a:latin typeface="+mn-ea"/>
+                  </a:endParaRPr>
+                </a:p>
+                <a:p>
+                  <a:pPr algn="ctr">
+                    <a:lnSpc>
+                      <a:spcPct val="130000"/>
+                    </a:lnSpc>
+                    <a:spcAft>
+                      <a:spcPts val="600"/>
+                    </a:spcAft>
+                  </a:pPr>
+                  <a:endParaRPr kumimoji="1" lang="en-US" altLang="ja-JP" sz="1600" dirty="0">
+                    <a:solidFill>
+                      <a:schemeClr val="tx1"/>
+                    </a:solidFill>
+                    <a:latin typeface="+mn-ea"/>
+                  </a:endParaRPr>
+                </a:p>
+                <a:p>
+                  <a:pPr algn="ctr">
+                    <a:lnSpc>
+                      <a:spcPct val="130000"/>
+                    </a:lnSpc>
+                    <a:spcAft>
+                      <a:spcPts val="600"/>
+                    </a:spcAft>
+                  </a:pPr>
+                  <a:endParaRPr kumimoji="1" lang="en-US" altLang="ja-JP" sz="2000" dirty="0">
+                    <a:solidFill>
+                      <a:srgbClr val="FF0000"/>
+                    </a:solidFill>
+                    <a:latin typeface="+mn-ea"/>
+                  </a:endParaRPr>
+                </a:p>
+                <a:p>
+                  <a:pPr algn="ctr">
+                    <a:lnSpc>
+                      <a:spcPct val="130000"/>
+                    </a:lnSpc>
+                    <a:spcAft>
+                      <a:spcPts val="600"/>
+                    </a:spcAft>
+                  </a:pPr>
+                  <a:endParaRPr kumimoji="1" lang="en-US" altLang="ja-JP" sz="2000" dirty="0">
+                    <a:solidFill>
+                      <a:srgbClr val="FF0000"/>
+                    </a:solidFill>
+                    <a:latin typeface="+mn-ea"/>
+                  </a:endParaRPr>
+                </a:p>
+                <a:p>
+                  <a:pPr algn="ctr">
+                    <a:lnSpc>
+                      <a:spcPct val="130000"/>
+                    </a:lnSpc>
+                    <a:spcAft>
+                      <a:spcPts val="600"/>
+                    </a:spcAft>
+                  </a:pPr>
+                  <a:endParaRPr kumimoji="1" lang="ja-JP" altLang="en-US" sz="2000" dirty="0">
+                    <a:solidFill>
+                      <a:srgbClr val="FF0000"/>
+                    </a:solidFill>
+                    <a:latin typeface="+mn-ea"/>
+                  </a:endParaRPr>
+                </a:p>
+              </p:txBody>
+            </p:sp>
+            <p:sp>
+              <p:nvSpPr>
+                <p:cNvPr id="41" name="テキスト ボックス 40">
+                  <a:extLst>
+                    <a:ext uri="{FF2B5EF4-FFF2-40B4-BE49-F238E27FC236}">
+                      <a16:creationId xmlns:a16="http://schemas.microsoft.com/office/drawing/2014/main" id="{7AD0DC5A-00D4-AEAF-2E47-096B8F699EF6}"/>
+                    </a:ext>
+                  </a:extLst>
+                </p:cNvPr>
+                <p:cNvSpPr txBox="1"/>
+                <p:nvPr/>
+              </p:nvSpPr>
+              <p:spPr>
+                <a:xfrm>
+                  <a:off x="4283570" y="1214783"/>
+                  <a:ext cx="1728192" cy="421862"/>
+                </a:xfrm>
+                <a:prstGeom prst="rect">
+                  <a:avLst/>
+                </a:prstGeom>
+                <a:grpFill/>
+              </p:spPr>
+              <p:txBody>
+                <a:bodyPr wrap="square" rtlCol="0" anchor="ctr">
+                  <a:spAutoFit/>
+                </a:bodyPr>
+                <a:lstStyle/>
+                <a:p>
+                  <a:pPr algn="ctr"/>
+                  <a:r>
+                    <a:rPr kumimoji="1" lang="en-US" altLang="ja-JP" dirty="0"/>
+                    <a:t>【</a:t>
+                  </a:r>
+                  <a:r>
+                    <a:rPr kumimoji="1" lang="ja-JP" altLang="en-US" dirty="0"/>
+                    <a:t>設計</a:t>
+                  </a:r>
+                  <a:r>
+                    <a:rPr kumimoji="1" lang="en-US" altLang="ja-JP" dirty="0"/>
+                    <a:t>】</a:t>
+                  </a:r>
+                  <a:endParaRPr kumimoji="1" lang="ja-JP" altLang="en-US" dirty="0"/>
+                </a:p>
+              </p:txBody>
+            </p:sp>
+          </p:grpSp>
+          <p:cxnSp>
+            <p:nvCxnSpPr>
+              <p:cNvPr id="39" name="直線コネクタ 38">
+                <a:extLst>
+                  <a:ext uri="{FF2B5EF4-FFF2-40B4-BE49-F238E27FC236}">
+                    <a16:creationId xmlns:a16="http://schemas.microsoft.com/office/drawing/2014/main" id="{70F1AD76-B68E-F2C8-8B37-664CC30AB1CA}"/>
+                  </a:ext>
+                </a:extLst>
+              </p:cNvPr>
+              <p:cNvCxnSpPr>
+                <a:cxnSpLocks/>
+              </p:cNvCxnSpPr>
+              <p:nvPr/>
+            </p:nvCxnSpPr>
+            <p:spPr>
+              <a:xfrm>
+                <a:off x="7480030" y="1732740"/>
+                <a:ext cx="8486838" cy="0"/>
+              </a:xfrm>
+              <a:prstGeom prst="line">
+                <a:avLst/>
+              </a:prstGeom>
+              <a:grpFill/>
+              <a:ln>
+                <a:solidFill>
+                  <a:schemeClr val="tx1"/>
+                </a:solidFill>
+              </a:ln>
+              <a:effectLst>
+                <a:outerShdw blurRad="50800" dist="38100" dir="2700000" algn="tl" rotWithShape="0">
+                  <a:prstClr val="black">
+                    <a:alpha val="40000"/>
+                  </a:prstClr>
+                </a:outerShdw>
+              </a:effectLst>
+            </p:spPr>
+            <p:style>
+              <a:lnRef idx="2">
+                <a:schemeClr val="accent3"/>
+              </a:lnRef>
+              <a:fillRef idx="1">
+                <a:schemeClr val="lt1"/>
+              </a:fillRef>
+              <a:effectRef idx="0">
+                <a:schemeClr val="accent3"/>
+              </a:effectRef>
+              <a:fontRef idx="minor">
+                <a:schemeClr val="dk1"/>
+              </a:fontRef>
+            </p:style>
+          </p:cxnSp>
+        </p:grpSp>
+        <p:pic>
+          <p:nvPicPr>
+            <p:cNvPr id="37" name="図 36">
+              <a:extLst>
+                <a:ext uri="{FF2B5EF4-FFF2-40B4-BE49-F238E27FC236}">
+                  <a16:creationId xmlns:a16="http://schemas.microsoft.com/office/drawing/2014/main" id="{C0903AD0-B2CF-3F0E-EFD1-2F613EAA06C2}"/>
+                </a:ext>
+              </a:extLst>
+            </p:cNvPr>
+            <p:cNvPicPr>
+              <a:picLocks noChangeAspect="1"/>
+            </p:cNvPicPr>
+            <p:nvPr/>
+          </p:nvPicPr>
+          <p:blipFill>
+            <a:blip r:embed="rId3"/>
+            <a:stretch>
+              <a:fillRect/>
+            </a:stretch>
+          </p:blipFill>
+          <p:spPr>
+            <a:xfrm>
+              <a:off x="11437828" y="2996002"/>
+              <a:ext cx="660996" cy="629519"/>
+            </a:xfrm>
+            <a:prstGeom prst="rect">
+              <a:avLst/>
+            </a:prstGeom>
+          </p:spPr>
+        </p:pic>
+      </p:grpSp>
+      <p:grpSp>
+        <p:nvGrpSpPr>
+          <p:cNvPr id="43" name="グループ化 42">
+            <a:extLst>
+              <a:ext uri="{FF2B5EF4-FFF2-40B4-BE49-F238E27FC236}">
+                <a16:creationId xmlns:a16="http://schemas.microsoft.com/office/drawing/2014/main" id="{65A03C95-F8A0-582C-3F24-8BFCE388F847}"/>
+              </a:ext>
+            </a:extLst>
+          </p:cNvPr>
+          <p:cNvGrpSpPr/>
+          <p:nvPr/>
+        </p:nvGrpSpPr>
+        <p:grpSpPr>
+          <a:xfrm>
+            <a:off x="8615723" y="4110245"/>
+            <a:ext cx="2953924" cy="1559515"/>
+            <a:chOff x="8773833" y="1750641"/>
+            <a:chExt cx="2820140" cy="1559515"/>
+          </a:xfrm>
+        </p:grpSpPr>
+        <p:grpSp>
+          <p:nvGrpSpPr>
+            <p:cNvPr id="46" name="グループ化 45">
+              <a:extLst>
+                <a:ext uri="{FF2B5EF4-FFF2-40B4-BE49-F238E27FC236}">
+                  <a16:creationId xmlns:a16="http://schemas.microsoft.com/office/drawing/2014/main" id="{892755B0-E278-CE20-6C79-83A21592A23A}"/>
+                </a:ext>
+              </a:extLst>
+            </p:cNvPr>
+            <p:cNvGrpSpPr/>
+            <p:nvPr/>
+          </p:nvGrpSpPr>
+          <p:grpSpPr>
+            <a:xfrm>
+              <a:off x="8773833" y="1936837"/>
+              <a:ext cx="2820140" cy="1161239"/>
+              <a:chOff x="8604453" y="1232496"/>
+              <a:chExt cx="2820140" cy="1161239"/>
+            </a:xfrm>
+          </p:grpSpPr>
+          <p:grpSp>
+            <p:nvGrpSpPr>
+              <p:cNvPr id="52" name="グループ化 51">
+                <a:extLst>
+                  <a:ext uri="{FF2B5EF4-FFF2-40B4-BE49-F238E27FC236}">
+                    <a16:creationId xmlns:a16="http://schemas.microsoft.com/office/drawing/2014/main" id="{99EB693B-7265-EE40-9679-32C700D8F3CF}"/>
+                  </a:ext>
+                </a:extLst>
+              </p:cNvPr>
+              <p:cNvGrpSpPr/>
+              <p:nvPr/>
+            </p:nvGrpSpPr>
+            <p:grpSpPr>
+              <a:xfrm>
+                <a:off x="9016519" y="1422552"/>
+                <a:ext cx="2408074" cy="971183"/>
+                <a:chOff x="2423594" y="3429000"/>
+                <a:chExt cx="2232248" cy="971183"/>
+              </a:xfrm>
+              <a:solidFill>
+                <a:schemeClr val="bg1"/>
+              </a:solidFill>
+            </p:grpSpPr>
+            <p:sp>
+              <p:nvSpPr>
+                <p:cNvPr id="54" name="四角形: 角を丸くする 53">
+                  <a:extLst>
+                    <a:ext uri="{FF2B5EF4-FFF2-40B4-BE49-F238E27FC236}">
+                      <a16:creationId xmlns:a16="http://schemas.microsoft.com/office/drawing/2014/main" id="{CFD7761C-B11A-B638-416A-659945E45974}"/>
+                    </a:ext>
+                  </a:extLst>
+                </p:cNvPr>
+                <p:cNvSpPr/>
+                <p:nvPr/>
+              </p:nvSpPr>
+              <p:spPr>
+                <a:xfrm>
+                  <a:off x="2423594" y="3429000"/>
+                  <a:ext cx="2232248" cy="971183"/>
+                </a:xfrm>
+                <a:prstGeom prst="roundRect">
+                  <a:avLst>
+                    <a:gd name="adj" fmla="val 19858"/>
+                  </a:avLst>
+                </a:prstGeom>
+                <a:grpFill/>
+                <a:ln>
+                  <a:solidFill>
+                    <a:schemeClr val="tx1"/>
+                  </a:solidFill>
+                </a:ln>
+                <a:effectLst>
+                  <a:outerShdw blurRad="50800" dist="38100" dir="2700000" algn="tl" rotWithShape="0">
+                    <a:prstClr val="black">
+                      <a:alpha val="40000"/>
+                    </a:prstClr>
+                  </a:outerShdw>
+                </a:effectLst>
+              </p:spPr>
+              <p:style>
+                <a:lnRef idx="2">
+                  <a:schemeClr val="accent3"/>
+                </a:lnRef>
+                <a:fillRef idx="1">
+                  <a:schemeClr val="lt1"/>
+                </a:fillRef>
+                <a:effectRef idx="0">
+                  <a:schemeClr val="accent3"/>
+                </a:effectRef>
+                <a:fontRef idx="minor">
+                  <a:schemeClr val="dk1"/>
+                </a:fontRef>
+              </p:style>
+              <p:txBody>
+                <a:bodyPr rtlCol="0" anchor="ctr"/>
+                <a:lstStyle/>
+                <a:p>
+                  <a:pPr algn="ctr">
+                    <a:lnSpc>
+                      <a:spcPct val="130000"/>
+                    </a:lnSpc>
+                    <a:spcAft>
+                      <a:spcPts val="600"/>
+                    </a:spcAft>
+                  </a:pPr>
+                  <a:endParaRPr kumimoji="1" lang="en-US" altLang="ja-JP" sz="1600" dirty="0">
+                    <a:solidFill>
+                      <a:schemeClr val="tx1"/>
+                    </a:solidFill>
+                    <a:latin typeface="+mn-ea"/>
+                  </a:endParaRPr>
+                </a:p>
+                <a:p>
+                  <a:pPr algn="ctr">
+                    <a:lnSpc>
+                      <a:spcPct val="130000"/>
+                    </a:lnSpc>
+                    <a:spcAft>
+                      <a:spcPts val="600"/>
+                    </a:spcAft>
+                  </a:pPr>
+                  <a:endParaRPr kumimoji="1" lang="en-US" altLang="ja-JP" sz="1600" dirty="0">
+                    <a:solidFill>
+                      <a:schemeClr val="tx1"/>
+                    </a:solidFill>
+                    <a:latin typeface="+mn-ea"/>
+                  </a:endParaRPr>
+                </a:p>
+                <a:p>
+                  <a:pPr algn="ctr">
+                    <a:lnSpc>
+                      <a:spcPct val="130000"/>
+                    </a:lnSpc>
+                    <a:spcAft>
+                      <a:spcPts val="600"/>
+                    </a:spcAft>
+                  </a:pPr>
+                  <a:endParaRPr kumimoji="1" lang="en-US" altLang="ja-JP" sz="1600" dirty="0">
+                    <a:solidFill>
+                      <a:schemeClr val="tx1"/>
+                    </a:solidFill>
+                    <a:latin typeface="+mn-ea"/>
+                  </a:endParaRPr>
+                </a:p>
+                <a:p>
+                  <a:pPr algn="ctr">
+                    <a:lnSpc>
+                      <a:spcPct val="130000"/>
+                    </a:lnSpc>
+                    <a:spcAft>
+                      <a:spcPts val="600"/>
+                    </a:spcAft>
+                  </a:pPr>
+                  <a:endParaRPr kumimoji="1" lang="en-US" altLang="ja-JP" sz="1600" dirty="0">
+                    <a:solidFill>
+                      <a:schemeClr val="tx1"/>
+                    </a:solidFill>
+                    <a:latin typeface="+mn-ea"/>
+                  </a:endParaRPr>
+                </a:p>
+                <a:p>
+                  <a:pPr algn="ctr">
+                    <a:lnSpc>
+                      <a:spcPct val="130000"/>
+                    </a:lnSpc>
+                    <a:spcAft>
+                      <a:spcPts val="600"/>
+                    </a:spcAft>
+                  </a:pPr>
+                  <a:endParaRPr kumimoji="1" lang="en-US" altLang="ja-JP" sz="1600" dirty="0">
+                    <a:solidFill>
+                      <a:schemeClr val="tx1"/>
+                    </a:solidFill>
+                    <a:latin typeface="+mn-ea"/>
+                  </a:endParaRPr>
+                </a:p>
+                <a:p>
+                  <a:pPr algn="ctr">
+                    <a:lnSpc>
+                      <a:spcPct val="130000"/>
+                    </a:lnSpc>
+                    <a:spcAft>
+                      <a:spcPts val="600"/>
+                    </a:spcAft>
+                  </a:pPr>
+                  <a:endParaRPr kumimoji="1" lang="en-US" altLang="ja-JP" sz="1600" dirty="0">
+                    <a:solidFill>
+                      <a:schemeClr val="tx1"/>
+                    </a:solidFill>
+                    <a:latin typeface="+mn-ea"/>
+                  </a:endParaRPr>
+                </a:p>
+                <a:p>
+                  <a:pPr algn="ctr">
+                    <a:lnSpc>
+                      <a:spcPct val="130000"/>
+                    </a:lnSpc>
+                    <a:spcAft>
+                      <a:spcPts val="600"/>
+                    </a:spcAft>
+                  </a:pPr>
+                  <a:endParaRPr kumimoji="1" lang="en-US" altLang="ja-JP" sz="1600" dirty="0">
+                    <a:solidFill>
+                      <a:schemeClr val="tx1"/>
+                    </a:solidFill>
+                    <a:latin typeface="+mn-ea"/>
+                  </a:endParaRPr>
+                </a:p>
+                <a:p>
+                  <a:pPr algn="ctr">
+                    <a:lnSpc>
+                      <a:spcPct val="130000"/>
+                    </a:lnSpc>
+                    <a:spcAft>
+                      <a:spcPts val="600"/>
+                    </a:spcAft>
+                  </a:pPr>
+                  <a:endParaRPr kumimoji="1" lang="en-US" altLang="ja-JP" sz="2000" dirty="0">
+                    <a:solidFill>
+                      <a:srgbClr val="FF0000"/>
+                    </a:solidFill>
+                    <a:latin typeface="+mn-ea"/>
+                  </a:endParaRPr>
+                </a:p>
+                <a:p>
+                  <a:pPr algn="ctr">
+                    <a:lnSpc>
+                      <a:spcPct val="130000"/>
+                    </a:lnSpc>
+                    <a:spcAft>
+                      <a:spcPts val="600"/>
+                    </a:spcAft>
+                  </a:pPr>
+                  <a:endParaRPr kumimoji="1" lang="en-US" altLang="ja-JP" sz="2000" dirty="0">
+                    <a:solidFill>
+                      <a:srgbClr val="FF0000"/>
+                    </a:solidFill>
+                    <a:latin typeface="+mn-ea"/>
+                  </a:endParaRPr>
+                </a:p>
+                <a:p>
+                  <a:pPr algn="ctr">
+                    <a:lnSpc>
+                      <a:spcPct val="130000"/>
+                    </a:lnSpc>
+                    <a:spcAft>
+                      <a:spcPts val="600"/>
+                    </a:spcAft>
+                  </a:pPr>
+                  <a:endParaRPr kumimoji="1" lang="ja-JP" altLang="en-US" sz="2000" dirty="0">
+                    <a:solidFill>
+                      <a:srgbClr val="FF0000"/>
+                    </a:solidFill>
+                    <a:latin typeface="+mn-ea"/>
+                  </a:endParaRPr>
+                </a:p>
+              </p:txBody>
+            </p:sp>
+            <p:sp>
+              <p:nvSpPr>
+                <p:cNvPr id="56" name="テキスト ボックス 55">
+                  <a:extLst>
+                    <a:ext uri="{FF2B5EF4-FFF2-40B4-BE49-F238E27FC236}">
+                      <a16:creationId xmlns:a16="http://schemas.microsoft.com/office/drawing/2014/main" id="{D52C35AF-491C-FCB5-227B-08AE4D4E7C8F}"/>
+                    </a:ext>
+                  </a:extLst>
+                </p:cNvPr>
+                <p:cNvSpPr txBox="1"/>
+                <p:nvPr/>
+              </p:nvSpPr>
+              <p:spPr>
+                <a:xfrm>
+                  <a:off x="2439682" y="3700820"/>
+                  <a:ext cx="1483699" cy="553830"/>
+                </a:xfrm>
+                <a:prstGeom prst="rect">
+                  <a:avLst/>
+                </a:prstGeom>
+                <a:grpFill/>
+              </p:spPr>
+              <p:txBody>
+                <a:bodyPr wrap="square">
+                  <a:noAutofit/>
+                </a:bodyPr>
+                <a:lstStyle/>
+                <a:p>
+                  <a:pPr algn="ctr"/>
+                  <a:r>
+                    <a:rPr lang="ja-JP" altLang="en-US" sz="2400" dirty="0">
+                      <a:hlinkClick r:id="rId4"/>
+                    </a:rPr>
+                    <a:t>BIM/CIM</a:t>
+                  </a:r>
+                  <a:endParaRPr lang="ja-JP" altLang="en-US" sz="2400" dirty="0"/>
+                </a:p>
+              </p:txBody>
+            </p:sp>
+          </p:grpSp>
+          <p:sp>
+            <p:nvSpPr>
+              <p:cNvPr id="53" name="四角形: 角を丸くする 52">
+                <a:extLst>
+                  <a:ext uri="{FF2B5EF4-FFF2-40B4-BE49-F238E27FC236}">
+                    <a16:creationId xmlns:a16="http://schemas.microsoft.com/office/drawing/2014/main" id="{2406C6B3-DE07-6245-5B74-CE726AAFBA99}"/>
+                  </a:ext>
+                </a:extLst>
+              </p:cNvPr>
+              <p:cNvSpPr/>
+              <p:nvPr/>
+            </p:nvSpPr>
+            <p:spPr>
+              <a:xfrm>
+                <a:off x="8604453" y="1232496"/>
+                <a:ext cx="1116166" cy="408057"/>
+              </a:xfrm>
+              <a:prstGeom prst="roundRect">
+                <a:avLst>
+                  <a:gd name="adj" fmla="val 50000"/>
+                </a:avLst>
+              </a:prstGeom>
+              <a:solidFill>
+                <a:schemeClr val="bg1"/>
+              </a:solidFill>
+              <a:ln>
+                <a:solidFill>
+                  <a:schemeClr val="tx1"/>
+                </a:solidFill>
+              </a:ln>
+              <a:effectLst>
+                <a:outerShdw blurRad="50800" dist="38100" dir="2700000" algn="tl" rotWithShape="0">
+                  <a:prstClr val="black">
+                    <a:alpha val="40000"/>
+                  </a:prstClr>
+                </a:outerShdw>
+              </a:effectLst>
+            </p:spPr>
+            <p:style>
+              <a:lnRef idx="2">
+                <a:schemeClr val="accent3"/>
+              </a:lnRef>
+              <a:fillRef idx="1">
+                <a:schemeClr val="lt1"/>
+              </a:fillRef>
+              <a:effectRef idx="0">
+                <a:schemeClr val="accent3"/>
+              </a:effectRef>
+              <a:fontRef idx="minor">
+                <a:schemeClr val="dk1"/>
+              </a:fontRef>
+            </p:style>
+            <p:txBody>
+              <a:bodyPr rtlCol="0" anchor="ctr"/>
+              <a:lstStyle/>
+              <a:p>
+                <a:pPr algn="ctr">
+                  <a:lnSpc>
+                    <a:spcPct val="130000"/>
+                  </a:lnSpc>
+                  <a:spcAft>
+                    <a:spcPts val="600"/>
+                  </a:spcAft>
+                </a:pPr>
+                <a:r>
+                  <a:rPr kumimoji="1" lang="en-US" altLang="ja-JP" sz="1200" dirty="0">
+                    <a:solidFill>
+                      <a:schemeClr val="tx1"/>
+                    </a:solidFill>
+                    <a:latin typeface="+mn-ea"/>
+                  </a:rPr>
+                  <a:t>IFC</a:t>
+                </a:r>
+                <a:endParaRPr kumimoji="1" lang="ja-JP" altLang="en-US" sz="1200" dirty="0">
+                  <a:solidFill>
+                    <a:schemeClr val="tx1"/>
+                  </a:solidFill>
+                  <a:latin typeface="+mn-ea"/>
+                </a:endParaRPr>
+              </a:p>
+            </p:txBody>
+          </p:sp>
+        </p:grpSp>
+        <p:pic>
+          <p:nvPicPr>
+            <p:cNvPr id="49" name="図 48">
+              <a:extLst>
+                <a:ext uri="{FF2B5EF4-FFF2-40B4-BE49-F238E27FC236}">
+                  <a16:creationId xmlns:a16="http://schemas.microsoft.com/office/drawing/2014/main" id="{15D4B446-A9E5-E625-61D2-A8F079FB1D11}"/>
+                </a:ext>
+              </a:extLst>
+            </p:cNvPr>
+            <p:cNvPicPr>
+              <a:picLocks noChangeAspect="1"/>
+            </p:cNvPicPr>
+            <p:nvPr/>
+          </p:nvPicPr>
+          <p:blipFill>
+            <a:blip r:embed="rId5"/>
+            <a:stretch>
+              <a:fillRect/>
+            </a:stretch>
+          </p:blipFill>
+          <p:spPr>
+            <a:xfrm>
+              <a:off x="10904984" y="2217481"/>
+              <a:ext cx="625835" cy="625835"/>
+            </a:xfrm>
+            <a:prstGeom prst="rect">
+              <a:avLst/>
+            </a:prstGeom>
+          </p:spPr>
+        </p:pic>
+        <p:pic>
+          <p:nvPicPr>
+            <p:cNvPr id="50" name="図 49">
+              <a:extLst>
+                <a:ext uri="{FF2B5EF4-FFF2-40B4-BE49-F238E27FC236}">
+                  <a16:creationId xmlns:a16="http://schemas.microsoft.com/office/drawing/2014/main" id="{18ECC4A8-4271-8D63-F78D-BAF8580C6A5B}"/>
+                </a:ext>
+              </a:extLst>
+            </p:cNvPr>
+            <p:cNvPicPr>
+              <a:picLocks noChangeAspect="1"/>
+            </p:cNvPicPr>
+            <p:nvPr/>
+          </p:nvPicPr>
+          <p:blipFill>
+            <a:blip r:embed="rId6"/>
+            <a:stretch>
+              <a:fillRect/>
+            </a:stretch>
+          </p:blipFill>
+          <p:spPr>
+            <a:xfrm>
+              <a:off x="10941098" y="2770395"/>
+              <a:ext cx="553600" cy="539761"/>
+            </a:xfrm>
+            <a:prstGeom prst="rect">
+              <a:avLst/>
+            </a:prstGeom>
+          </p:spPr>
+        </p:pic>
+        <p:pic>
+          <p:nvPicPr>
+            <p:cNvPr id="51" name="図 50">
+              <a:extLst>
+                <a:ext uri="{FF2B5EF4-FFF2-40B4-BE49-F238E27FC236}">
+                  <a16:creationId xmlns:a16="http://schemas.microsoft.com/office/drawing/2014/main" id="{F58296B9-EB12-67BC-5D90-4BC50EF1B302}"/>
+                </a:ext>
+              </a:extLst>
+            </p:cNvPr>
+            <p:cNvPicPr>
+              <a:picLocks noChangeAspect="1"/>
+            </p:cNvPicPr>
+            <p:nvPr/>
+          </p:nvPicPr>
+          <p:blipFill>
+            <a:blip r:embed="rId7"/>
+            <a:stretch>
+              <a:fillRect/>
+            </a:stretch>
+          </p:blipFill>
+          <p:spPr>
+            <a:xfrm>
+              <a:off x="10964230" y="1750641"/>
+              <a:ext cx="507343" cy="565325"/>
+            </a:xfrm>
+            <a:prstGeom prst="rect">
+              <a:avLst/>
+            </a:prstGeom>
+          </p:spPr>
+        </p:pic>
+      </p:grpSp>
+      <p:grpSp>
+        <p:nvGrpSpPr>
+          <p:cNvPr id="64" name="グループ化 63">
+            <a:extLst>
+              <a:ext uri="{FF2B5EF4-FFF2-40B4-BE49-F238E27FC236}">
+                <a16:creationId xmlns:a16="http://schemas.microsoft.com/office/drawing/2014/main" id="{6F5180CE-D75D-F3DE-3AF2-5791E19122B1}"/>
+              </a:ext>
+            </a:extLst>
+          </p:cNvPr>
+          <p:cNvGrpSpPr/>
+          <p:nvPr/>
+        </p:nvGrpSpPr>
+        <p:grpSpPr>
+          <a:xfrm>
+            <a:off x="1317685" y="1917600"/>
+            <a:ext cx="2549314" cy="3416464"/>
             <a:chOff x="9127236" y="3718951"/>
-            <a:chExt cx="2525398" cy="2646956"/>
+            <a:chExt cx="2549314" cy="3416464"/>
           </a:xfrm>
         </p:grpSpPr>
         <p:pic>
           <p:nvPicPr>
-            <p:cNvPr id="1028" name="Picture 4" descr="見出し画像">
+            <p:cNvPr id="65" name="Picture 4" descr="見出し画像">
               <a:extLst>
                 <a:ext uri="{FF2B5EF4-FFF2-40B4-BE49-F238E27FC236}">
-                  <a16:creationId xmlns:a16="http://schemas.microsoft.com/office/drawing/2014/main" id="{153DCA27-C9E4-74BD-45FC-7B2FDA83B358}"/>
+                  <a16:creationId xmlns:a16="http://schemas.microsoft.com/office/drawing/2014/main" id="{EAD5582C-2C10-B6DA-208D-44713FB8D146}"/>
                 </a:ext>
               </a:extLst>
             </p:cNvPr>
@@ -3711,7 +7101,7 @@
             <p:nvPr/>
           </p:nvPicPr>
           <p:blipFill rotWithShape="1">
-            <a:blip r:embed="rId9" cstate="print">
+            <a:blip r:embed="rId8" cstate="print">
               <a:extLst>
                 <a:ext uri="{28A0092B-C50C-407E-A947-70E740481C1C}">
                   <a14:useLocalDpi xmlns:a14="http://schemas.microsoft.com/office/drawing/2010/main" val="0"/>
@@ -3745,10 +7135,10 @@
         </p:pic>
         <p:sp>
           <p:nvSpPr>
-            <p:cNvPr id="15" name="テキスト ボックス 14">
+            <p:cNvPr id="67" name="テキスト ボックス 66">
               <a:extLst>
                 <a:ext uri="{FF2B5EF4-FFF2-40B4-BE49-F238E27FC236}">
-                  <a16:creationId xmlns:a16="http://schemas.microsoft.com/office/drawing/2014/main" id="{0A54FFC3-DC37-31B8-6764-36A6515003A8}"/>
+                  <a16:creationId xmlns:a16="http://schemas.microsoft.com/office/drawing/2014/main" id="{5BBE88B6-EF95-3933-28AE-3E8BAD3E9BAA}"/>
                 </a:ext>
               </a:extLst>
             </p:cNvPr>
@@ -3757,8 +7147,8 @@
           </p:nvSpPr>
           <p:spPr>
             <a:xfrm>
-              <a:off x="9127236" y="5719576"/>
-              <a:ext cx="2525397" cy="646331"/>
+              <a:off x="9151153" y="5935086"/>
+              <a:ext cx="2525397" cy="1200329"/>
             </a:xfrm>
             <a:prstGeom prst="rect">
               <a:avLst/>
@@ -3792,14 +7182,33 @@
               </a:r>
               <a:endParaRPr kumimoji="1" lang="en-US" altLang="ja-JP" dirty="0"/>
             </a:p>
+            <a:p>
+              <a:pPr algn="ctr"/>
+              <a:endParaRPr kumimoji="1" lang="en-US" altLang="ja-JP" dirty="0"/>
+            </a:p>
+            <a:p>
+              <a:pPr algn="ctr"/>
+              <a:r>
+                <a:rPr kumimoji="1" lang="en-US" altLang="ja-JP" dirty="0"/>
+                <a:t>【</a:t>
+              </a:r>
+              <a:r>
+                <a:rPr kumimoji="1" lang="ja-JP" altLang="en-US" dirty="0"/>
+                <a:t>一般公開も可能</a:t>
+              </a:r>
+              <a:r>
+                <a:rPr kumimoji="1" lang="en-US" altLang="ja-JP" dirty="0"/>
+                <a:t>】</a:t>
+              </a:r>
+            </a:p>
           </p:txBody>
         </p:sp>
         <p:pic>
           <p:nvPicPr>
-            <p:cNvPr id="18" name="図 17">
+            <p:cNvPr id="69" name="図 68">
               <a:extLst>
                 <a:ext uri="{FF2B5EF4-FFF2-40B4-BE49-F238E27FC236}">
-                  <a16:creationId xmlns:a16="http://schemas.microsoft.com/office/drawing/2014/main" id="{D13E0A89-4CFF-25C6-CB01-E739D8A8EC90}"/>
+                  <a16:creationId xmlns:a16="http://schemas.microsoft.com/office/drawing/2014/main" id="{0C6F5963-DDF9-4B5A-781B-A4874A881706}"/>
                 </a:ext>
               </a:extLst>
             </p:cNvPr>
@@ -3809,7 +7218,7 @@
             <p:nvPr/>
           </p:nvPicPr>
           <p:blipFill>
-            <a:blip r:embed="rId10"/>
+            <a:blip r:embed="rId9"/>
             <a:stretch>
               <a:fillRect/>
             </a:stretch>
@@ -3826,10 +7235,10 @@
         </p:pic>
         <p:pic>
           <p:nvPicPr>
-            <p:cNvPr id="32" name="図 31">
+            <p:cNvPr id="70" name="図 69">
               <a:extLst>
                 <a:ext uri="{FF2B5EF4-FFF2-40B4-BE49-F238E27FC236}">
-                  <a16:creationId xmlns:a16="http://schemas.microsoft.com/office/drawing/2014/main" id="{A9157FB9-D7D9-08C6-8031-F06F56ECD85A}"/>
+                  <a16:creationId xmlns:a16="http://schemas.microsoft.com/office/drawing/2014/main" id="{0B420811-BA32-94F7-B047-BC8C19D9D3E5}"/>
                 </a:ext>
               </a:extLst>
             </p:cNvPr>
@@ -3839,7 +7248,7 @@
             <p:nvPr/>
           </p:nvPicPr>
           <p:blipFill>
-            <a:blip r:embed="rId11"/>
+            <a:blip r:embed="rId10"/>
             <a:stretch>
               <a:fillRect/>
             </a:stretch>
@@ -3860,111 +7269,12 @@
           </p:spPr>
         </p:pic>
       </p:grpSp>
-      <p:cxnSp>
-        <p:nvCxnSpPr>
-          <p:cNvPr id="48" name="コネクタ: カギ線 47">
+      <p:grpSp>
+        <p:nvGrpSpPr>
+          <p:cNvPr id="72" name="グループ化 71">
             <a:extLst>
               <a:ext uri="{FF2B5EF4-FFF2-40B4-BE49-F238E27FC236}">
-                <a16:creationId xmlns:a16="http://schemas.microsoft.com/office/drawing/2014/main" id="{BE0F942D-48D5-176A-3D69-CD9DCD0DFFFB}"/>
-              </a:ext>
-            </a:extLst>
-          </p:cNvPr>
-          <p:cNvCxnSpPr>
-            <a:cxnSpLocks/>
-            <a:stCxn id="66" idx="3"/>
-            <a:endCxn id="32" idx="1"/>
-          </p:cNvCxnSpPr>
-          <p:nvPr/>
-        </p:nvCxnSpPr>
-        <p:spPr>
-          <a:xfrm flipV="1">
-            <a:off x="4129992" y="5437286"/>
-            <a:ext cx="4486289" cy="374077"/>
-          </a:xfrm>
-          <a:prstGeom prst="bentConnector3">
-            <a:avLst>
-              <a:gd name="adj1" fmla="val 50000"/>
-            </a:avLst>
-          </a:prstGeom>
-          <a:ln w="63500">
-            <a:solidFill>
-              <a:srgbClr val="00B0F0"/>
-            </a:solidFill>
-            <a:headEnd type="triangle"/>
-            <a:tailEnd type="triangle"/>
-          </a:ln>
-        </p:spPr>
-        <p:style>
-          <a:lnRef idx="1">
-            <a:schemeClr val="accent1"/>
-          </a:lnRef>
-          <a:fillRef idx="0">
-            <a:schemeClr val="accent1"/>
-          </a:fillRef>
-          <a:effectRef idx="0">
-            <a:schemeClr val="accent1"/>
-          </a:effectRef>
-          <a:fontRef idx="minor">
-            <a:schemeClr val="tx1"/>
-          </a:fontRef>
-        </p:style>
-      </p:cxnSp>
-      <p:sp>
-        <p:nvSpPr>
-          <p:cNvPr id="20" name="テキスト ボックス 19">
-            <a:extLst>
-              <a:ext uri="{FF2B5EF4-FFF2-40B4-BE49-F238E27FC236}">
-                <a16:creationId xmlns:a16="http://schemas.microsoft.com/office/drawing/2014/main" id="{0A6D9428-6AEF-C338-402D-F30CB4A45F04}"/>
-              </a:ext>
-            </a:extLst>
-          </p:cNvPr>
-          <p:cNvSpPr txBox="1"/>
-          <p:nvPr/>
-        </p:nvSpPr>
-        <p:spPr>
-          <a:xfrm>
-            <a:off x="2503847" y="3430741"/>
-            <a:ext cx="2743709" cy="646331"/>
-          </a:xfrm>
-          <a:prstGeom prst="rect">
-            <a:avLst/>
-          </a:prstGeom>
-          <a:solidFill>
-            <a:schemeClr val="bg1"/>
-          </a:solidFill>
-        </p:spPr>
-        <p:txBody>
-          <a:bodyPr wrap="square" rtlCol="0" anchor="ctr">
-            <a:spAutoFit/>
-          </a:bodyPr>
-          <a:lstStyle/>
-          <a:p>
-            <a:pPr algn="ctr"/>
-            <a:r>
-              <a:rPr kumimoji="1" lang="ja-JP" altLang="en-US" dirty="0"/>
-              <a:t>図形（寸法等文字情報）</a:t>
-            </a:r>
-            <a:endParaRPr kumimoji="1" lang="en-US" altLang="ja-JP" dirty="0"/>
-          </a:p>
-          <a:p>
-            <a:r>
-              <a:rPr kumimoji="1" lang="en-US" altLang="ja-JP" dirty="0"/>
-              <a:t>※DWG</a:t>
-            </a:r>
-            <a:r>
-              <a:rPr kumimoji="1" lang="ja-JP" altLang="en-US" dirty="0"/>
-              <a:t>のｲﾝﾎﾟｰﾄ機能</a:t>
-            </a:r>
-            <a:endParaRPr kumimoji="1" lang="en-US" altLang="ja-JP" dirty="0"/>
-          </a:p>
-        </p:txBody>
-      </p:sp>
-      <p:grpSp>
-        <p:nvGrpSpPr>
-          <p:cNvPr id="105" name="グループ化 104">
-            <a:extLst>
-              <a:ext uri="{FF2B5EF4-FFF2-40B4-BE49-F238E27FC236}">
-                <a16:creationId xmlns:a16="http://schemas.microsoft.com/office/drawing/2014/main" id="{B80547EC-0900-5927-D2A2-E22A9D2A7081}"/>
+                <a16:creationId xmlns:a16="http://schemas.microsoft.com/office/drawing/2014/main" id="{F9D9978E-7468-FE89-2AD2-63A2F08EE1B2}"/>
               </a:ext>
             </a:extLst>
           </p:cNvPr>
@@ -3973,18 +7283,504 @@
         </p:nvGrpSpPr>
         <p:grpSpPr>
           <a:xfrm>
-            <a:off x="542172" y="3928256"/>
-            <a:ext cx="3598087" cy="2768379"/>
-            <a:chOff x="963285" y="3828973"/>
-            <a:chExt cx="3598087" cy="2768379"/>
+            <a:off x="3939016" y="1327109"/>
+            <a:ext cx="3808678" cy="1589580"/>
+            <a:chOff x="4077798" y="1184900"/>
+            <a:chExt cx="3808678" cy="1589580"/>
+          </a:xfrm>
+        </p:grpSpPr>
+        <p:cxnSp>
+          <p:nvCxnSpPr>
+            <p:cNvPr id="73" name="直線コネクタ 72">
+              <a:extLst>
+                <a:ext uri="{FF2B5EF4-FFF2-40B4-BE49-F238E27FC236}">
+                  <a16:creationId xmlns:a16="http://schemas.microsoft.com/office/drawing/2014/main" id="{3C0EC2C4-2C9B-3E28-6993-787B671C0262}"/>
+                </a:ext>
+              </a:extLst>
+            </p:cNvPr>
+            <p:cNvCxnSpPr>
+              <a:cxnSpLocks/>
+              <a:stCxn id="82" idx="1"/>
+              <a:endCxn id="82" idx="3"/>
+            </p:cNvCxnSpPr>
+            <p:nvPr/>
+          </p:nvCxnSpPr>
+          <p:spPr>
+            <a:xfrm>
+              <a:off x="4249281" y="2157520"/>
+              <a:ext cx="3543741" cy="0"/>
+            </a:xfrm>
+            <a:prstGeom prst="line">
+              <a:avLst/>
+            </a:prstGeom>
+            <a:ln>
+              <a:solidFill>
+                <a:srgbClr val="FF0000"/>
+              </a:solidFill>
+            </a:ln>
+            <a:effectLst>
+              <a:outerShdw blurRad="50800" dist="38100" dir="2700000" algn="tl" rotWithShape="0">
+                <a:prstClr val="black">
+                  <a:alpha val="40000"/>
+                </a:prstClr>
+              </a:outerShdw>
+            </a:effectLst>
+          </p:spPr>
+          <p:style>
+            <a:lnRef idx="2">
+              <a:schemeClr val="accent3"/>
+            </a:lnRef>
+            <a:fillRef idx="1">
+              <a:schemeClr val="lt1"/>
+            </a:fillRef>
+            <a:effectRef idx="0">
+              <a:schemeClr val="accent3"/>
+            </a:effectRef>
+            <a:fontRef idx="minor">
+              <a:schemeClr val="dk1"/>
+            </a:fontRef>
+          </p:style>
+        </p:cxnSp>
+        <p:cxnSp>
+          <p:nvCxnSpPr>
+            <p:cNvPr id="74" name="直線コネクタ 73">
+              <a:extLst>
+                <a:ext uri="{FF2B5EF4-FFF2-40B4-BE49-F238E27FC236}">
+                  <a16:creationId xmlns:a16="http://schemas.microsoft.com/office/drawing/2014/main" id="{823CB5C9-A80B-D708-5ADE-7C1EF383C325}"/>
+                </a:ext>
+              </a:extLst>
+            </p:cNvPr>
+            <p:cNvCxnSpPr>
+              <a:cxnSpLocks/>
+              <a:stCxn id="82" idx="2"/>
+            </p:cNvCxnSpPr>
+            <p:nvPr/>
+          </p:nvCxnSpPr>
+          <p:spPr>
+            <a:xfrm flipV="1">
+              <a:off x="6021152" y="2157520"/>
+              <a:ext cx="296262" cy="616960"/>
+            </a:xfrm>
+            <a:prstGeom prst="line">
+              <a:avLst/>
+            </a:prstGeom>
+            <a:ln>
+              <a:solidFill>
+                <a:srgbClr val="FF0000"/>
+              </a:solidFill>
+            </a:ln>
+            <a:effectLst>
+              <a:outerShdw blurRad="50800" dist="38100" dir="2700000" algn="tl" rotWithShape="0">
+                <a:prstClr val="black">
+                  <a:alpha val="40000"/>
+                </a:prstClr>
+              </a:outerShdw>
+            </a:effectLst>
+          </p:spPr>
+          <p:style>
+            <a:lnRef idx="2">
+              <a:schemeClr val="accent3"/>
+            </a:lnRef>
+            <a:fillRef idx="1">
+              <a:schemeClr val="lt1"/>
+            </a:fillRef>
+            <a:effectRef idx="0">
+              <a:schemeClr val="accent3"/>
+            </a:effectRef>
+            <a:fontRef idx="minor">
+              <a:schemeClr val="dk1"/>
+            </a:fontRef>
+          </p:style>
+        </p:cxnSp>
+        <p:grpSp>
+          <p:nvGrpSpPr>
+            <p:cNvPr id="77" name="グループ化 76">
+              <a:extLst>
+                <a:ext uri="{FF2B5EF4-FFF2-40B4-BE49-F238E27FC236}">
+                  <a16:creationId xmlns:a16="http://schemas.microsoft.com/office/drawing/2014/main" id="{59E57040-D1F6-2465-D4C7-82834CAABA46}"/>
+                </a:ext>
+              </a:extLst>
+            </p:cNvPr>
+            <p:cNvGrpSpPr/>
+            <p:nvPr/>
+          </p:nvGrpSpPr>
+          <p:grpSpPr>
+            <a:xfrm>
+              <a:off x="4077798" y="1540560"/>
+              <a:ext cx="3808678" cy="1233920"/>
+              <a:chOff x="3764277" y="2996952"/>
+              <a:chExt cx="3808678" cy="1233920"/>
+            </a:xfrm>
+          </p:grpSpPr>
+          <p:sp>
+            <p:nvSpPr>
+              <p:cNvPr id="82" name="四角形: 角を丸くする 81">
+                <a:extLst>
+                  <a:ext uri="{FF2B5EF4-FFF2-40B4-BE49-F238E27FC236}">
+                    <a16:creationId xmlns:a16="http://schemas.microsoft.com/office/drawing/2014/main" id="{7104A574-4C62-8D4C-E1EB-F860569EB588}"/>
+                  </a:ext>
+                </a:extLst>
+              </p:cNvPr>
+              <p:cNvSpPr/>
+              <p:nvPr/>
+            </p:nvSpPr>
+            <p:spPr>
+              <a:xfrm>
+                <a:off x="3935760" y="2996952"/>
+                <a:ext cx="3543741" cy="1233920"/>
+              </a:xfrm>
+              <a:prstGeom prst="roundRect">
+                <a:avLst>
+                  <a:gd name="adj" fmla="val 24007"/>
+                </a:avLst>
+              </a:prstGeom>
+              <a:solidFill>
+                <a:schemeClr val="lt1"/>
+              </a:solidFill>
+              <a:ln>
+                <a:solidFill>
+                  <a:srgbClr val="FF0000"/>
+                </a:solidFill>
+              </a:ln>
+              <a:effectLst>
+                <a:outerShdw blurRad="50800" dist="38100" dir="2700000" algn="tl" rotWithShape="0">
+                  <a:prstClr val="black">
+                    <a:alpha val="40000"/>
+                  </a:prstClr>
+                </a:outerShdw>
+              </a:effectLst>
+            </p:spPr>
+            <p:style>
+              <a:lnRef idx="2">
+                <a:schemeClr val="accent3"/>
+              </a:lnRef>
+              <a:fillRef idx="1">
+                <a:schemeClr val="lt1"/>
+              </a:fillRef>
+              <a:effectRef idx="0">
+                <a:schemeClr val="accent3"/>
+              </a:effectRef>
+              <a:fontRef idx="minor">
+                <a:schemeClr val="dk1"/>
+              </a:fontRef>
+            </p:style>
+            <p:txBody>
+              <a:bodyPr rtlCol="0" anchor="ctr"/>
+              <a:lstStyle/>
+              <a:p>
+                <a:pPr algn="ctr">
+                  <a:lnSpc>
+                    <a:spcPct val="130000"/>
+                  </a:lnSpc>
+                  <a:spcAft>
+                    <a:spcPts val="600"/>
+                  </a:spcAft>
+                </a:pPr>
+                <a:endParaRPr kumimoji="1" lang="ja-JP" altLang="en-US" sz="1200" dirty="0">
+                  <a:solidFill>
+                    <a:schemeClr val="tx1"/>
+                  </a:solidFill>
+                  <a:latin typeface="+mn-ea"/>
+                </a:endParaRPr>
+              </a:p>
+            </p:txBody>
+          </p:sp>
+          <p:sp>
+            <p:nvSpPr>
+              <p:cNvPr id="83" name="テキスト ボックス 82">
+                <a:extLst>
+                  <a:ext uri="{FF2B5EF4-FFF2-40B4-BE49-F238E27FC236}">
+                    <a16:creationId xmlns:a16="http://schemas.microsoft.com/office/drawing/2014/main" id="{0B72F28C-4508-43E1-C654-8056AF9064AB}"/>
+                  </a:ext>
+                </a:extLst>
+              </p:cNvPr>
+              <p:cNvSpPr txBox="1"/>
+              <p:nvPr/>
+            </p:nvSpPr>
+            <p:spPr>
+              <a:xfrm>
+                <a:off x="4506420" y="3179373"/>
+                <a:ext cx="2376547" cy="369332"/>
+              </a:xfrm>
+              <a:prstGeom prst="rect">
+                <a:avLst/>
+              </a:prstGeom>
+              <a:noFill/>
+            </p:spPr>
+            <p:txBody>
+              <a:bodyPr wrap="square" rtlCol="0">
+                <a:spAutoFit/>
+              </a:bodyPr>
+              <a:lstStyle/>
+              <a:p>
+                <a:pPr algn="ctr"/>
+                <a:r>
+                  <a:rPr kumimoji="1" lang="ja-JP" altLang="en-US" dirty="0"/>
+                  <a:t>属性情報：</a:t>
+                </a:r>
+                <a:r>
+                  <a:rPr kumimoji="1" lang="en-US" altLang="ja-JP" dirty="0"/>
+                  <a:t>CSV</a:t>
+                </a:r>
+                <a:r>
+                  <a:rPr kumimoji="1" lang="ja-JP" altLang="en-US" dirty="0"/>
+                  <a:t>連携</a:t>
+                </a:r>
+              </a:p>
+            </p:txBody>
+          </p:sp>
+          <p:sp>
+            <p:nvSpPr>
+              <p:cNvPr id="84" name="テキスト ボックス 83">
+                <a:extLst>
+                  <a:ext uri="{FF2B5EF4-FFF2-40B4-BE49-F238E27FC236}">
+                    <a16:creationId xmlns:a16="http://schemas.microsoft.com/office/drawing/2014/main" id="{E088D9B0-E002-4D72-EE29-3565F0FD740A}"/>
+                  </a:ext>
+                </a:extLst>
+              </p:cNvPr>
+              <p:cNvSpPr txBox="1"/>
+              <p:nvPr/>
+            </p:nvSpPr>
+            <p:spPr>
+              <a:xfrm>
+                <a:off x="3764277" y="3728512"/>
+                <a:ext cx="1728192" cy="369332"/>
+              </a:xfrm>
+              <a:prstGeom prst="rect">
+                <a:avLst/>
+              </a:prstGeom>
+              <a:noFill/>
+            </p:spPr>
+            <p:txBody>
+              <a:bodyPr wrap="square" rtlCol="0">
+                <a:spAutoFit/>
+              </a:bodyPr>
+              <a:lstStyle/>
+              <a:p>
+                <a:pPr algn="ctr"/>
+                <a:r>
+                  <a:rPr kumimoji="1" lang="ja-JP" altLang="en-US" dirty="0"/>
+                  <a:t>施工計画</a:t>
+                </a:r>
+              </a:p>
+            </p:txBody>
+          </p:sp>
+          <p:sp>
+            <p:nvSpPr>
+              <p:cNvPr id="85" name="テキスト ボックス 84">
+                <a:extLst>
+                  <a:ext uri="{FF2B5EF4-FFF2-40B4-BE49-F238E27FC236}">
+                    <a16:creationId xmlns:a16="http://schemas.microsoft.com/office/drawing/2014/main" id="{5716F7CF-7733-1AA5-B85D-D6A9710546D6}"/>
+                  </a:ext>
+                </a:extLst>
+              </p:cNvPr>
+              <p:cNvSpPr txBox="1"/>
+              <p:nvPr/>
+            </p:nvSpPr>
+            <p:spPr>
+              <a:xfrm>
+                <a:off x="5484723" y="3747481"/>
+                <a:ext cx="2088232" cy="369332"/>
+              </a:xfrm>
+              <a:prstGeom prst="rect">
+                <a:avLst/>
+              </a:prstGeom>
+              <a:noFill/>
+            </p:spPr>
+            <p:txBody>
+              <a:bodyPr wrap="square" rtlCol="0">
+                <a:spAutoFit/>
+              </a:bodyPr>
+              <a:lstStyle/>
+              <a:p>
+                <a:pPr algn="ctr"/>
+                <a:r>
+                  <a:rPr kumimoji="1" lang="ja-JP" altLang="en-US" dirty="0"/>
+                  <a:t>積算（数量計算）</a:t>
+                </a:r>
+              </a:p>
+            </p:txBody>
+          </p:sp>
+        </p:grpSp>
+        <p:grpSp>
+          <p:nvGrpSpPr>
+            <p:cNvPr id="78" name="グループ化 77">
+              <a:extLst>
+                <a:ext uri="{FF2B5EF4-FFF2-40B4-BE49-F238E27FC236}">
+                  <a16:creationId xmlns:a16="http://schemas.microsoft.com/office/drawing/2014/main" id="{25F1AC9F-3C41-C32F-39AC-D77B1148CB96}"/>
+                </a:ext>
+              </a:extLst>
+            </p:cNvPr>
+            <p:cNvGrpSpPr/>
+            <p:nvPr/>
+          </p:nvGrpSpPr>
+          <p:grpSpPr>
+            <a:xfrm>
+              <a:off x="4769516" y="1184900"/>
+              <a:ext cx="2565597" cy="476806"/>
+              <a:chOff x="2293000" y="769479"/>
+              <a:chExt cx="2930320" cy="476806"/>
+            </a:xfrm>
+          </p:grpSpPr>
+          <p:sp>
+            <p:nvSpPr>
+              <p:cNvPr id="80" name="四角形: 角を丸くする 79">
+                <a:extLst>
+                  <a:ext uri="{FF2B5EF4-FFF2-40B4-BE49-F238E27FC236}">
+                    <a16:creationId xmlns:a16="http://schemas.microsoft.com/office/drawing/2014/main" id="{4710A861-6FF3-5E4D-3D16-88E333152386}"/>
+                  </a:ext>
+                </a:extLst>
+              </p:cNvPr>
+              <p:cNvSpPr/>
+              <p:nvPr/>
+            </p:nvSpPr>
+            <p:spPr>
+              <a:xfrm>
+                <a:off x="2293000" y="769479"/>
+                <a:ext cx="2930320" cy="476806"/>
+              </a:xfrm>
+              <a:prstGeom prst="roundRect">
+                <a:avLst>
+                  <a:gd name="adj" fmla="val 50000"/>
+                </a:avLst>
+              </a:prstGeom>
+              <a:solidFill>
+                <a:schemeClr val="bg1"/>
+              </a:solidFill>
+              <a:ln>
+                <a:solidFill>
+                  <a:schemeClr val="tx1"/>
+                </a:solidFill>
+              </a:ln>
+              <a:effectLst>
+                <a:outerShdw blurRad="50800" dist="38100" dir="2700000" algn="tl" rotWithShape="0">
+                  <a:prstClr val="black">
+                    <a:alpha val="40000"/>
+                  </a:prstClr>
+                </a:outerShdw>
+              </a:effectLst>
+            </p:spPr>
+            <p:style>
+              <a:lnRef idx="2">
+                <a:schemeClr val="accent3"/>
+              </a:lnRef>
+              <a:fillRef idx="1">
+                <a:schemeClr val="lt1"/>
+              </a:fillRef>
+              <a:effectRef idx="0">
+                <a:schemeClr val="accent3"/>
+              </a:effectRef>
+              <a:fontRef idx="minor">
+                <a:schemeClr val="dk1"/>
+              </a:fontRef>
+            </p:style>
+            <p:txBody>
+              <a:bodyPr rtlCol="0" anchor="ctr"/>
+              <a:lstStyle/>
+              <a:p>
+                <a:pPr marL="446088" indent="-182563" algn="ctr">
+                  <a:lnSpc>
+                    <a:spcPct val="130000"/>
+                  </a:lnSpc>
+                  <a:spcAft>
+                    <a:spcPts val="600"/>
+                  </a:spcAft>
+                </a:pPr>
+                <a:r>
+                  <a:rPr kumimoji="1" lang="ja-JP" altLang="en-US" sz="1200" dirty="0">
+                    <a:solidFill>
+                      <a:schemeClr val="tx1"/>
+                    </a:solidFill>
+                    <a:latin typeface="+mn-ea"/>
+                  </a:rPr>
+                  <a:t>型式変換による連携</a:t>
+                </a:r>
+                <a:endParaRPr kumimoji="1" lang="en-US" altLang="ja-JP" sz="1200" dirty="0">
+                  <a:solidFill>
+                    <a:schemeClr val="tx1"/>
+                  </a:solidFill>
+                  <a:latin typeface="+mn-ea"/>
+                </a:endParaRPr>
+              </a:p>
+              <a:p>
+                <a:pPr marL="446088" indent="-182563" algn="ctr">
+                  <a:lnSpc>
+                    <a:spcPts val="500"/>
+                  </a:lnSpc>
+                  <a:spcAft>
+                    <a:spcPts val="600"/>
+                  </a:spcAft>
+                </a:pPr>
+                <a:r>
+                  <a:rPr kumimoji="1" lang="ja-JP" altLang="en-US" sz="1200" dirty="0">
+                    <a:solidFill>
+                      <a:schemeClr val="tx1"/>
+                    </a:solidFill>
+                    <a:latin typeface="+mn-ea"/>
+                  </a:rPr>
+                  <a:t>様々な台帳と連携　</a:t>
+                </a:r>
+              </a:p>
+            </p:txBody>
+          </p:sp>
+          <p:pic>
+            <p:nvPicPr>
+              <p:cNvPr id="81" name="図 80">
+                <a:extLst>
+                  <a:ext uri="{FF2B5EF4-FFF2-40B4-BE49-F238E27FC236}">
+                    <a16:creationId xmlns:a16="http://schemas.microsoft.com/office/drawing/2014/main" id="{7BFF0E82-2CED-FF78-8473-6167B2E34011}"/>
+                  </a:ext>
+                </a:extLst>
+              </p:cNvPr>
+              <p:cNvPicPr>
+                <a:picLocks noChangeAspect="1"/>
+              </p:cNvPicPr>
+              <p:nvPr/>
+            </p:nvPicPr>
+            <p:blipFill>
+              <a:blip r:embed="rId11"/>
+              <a:stretch>
+                <a:fillRect/>
+              </a:stretch>
+            </p:blipFill>
+            <p:spPr>
+              <a:xfrm>
+                <a:off x="2539861" y="850093"/>
+                <a:ext cx="373266" cy="319038"/>
+              </a:xfrm>
+              <a:prstGeom prst="rect">
+                <a:avLst/>
+              </a:prstGeom>
+            </p:spPr>
+          </p:pic>
+        </p:grpSp>
+      </p:grpSp>
+      <p:grpSp>
+        <p:nvGrpSpPr>
+          <p:cNvPr id="23" name="グループ化 22">
+            <a:extLst>
+              <a:ext uri="{FF2B5EF4-FFF2-40B4-BE49-F238E27FC236}">
+                <a16:creationId xmlns:a16="http://schemas.microsoft.com/office/drawing/2014/main" id="{51D96975-50E6-7BED-AB51-40C351981868}"/>
+              </a:ext>
+            </a:extLst>
+          </p:cNvPr>
+          <p:cNvGrpSpPr/>
+          <p:nvPr/>
+        </p:nvGrpSpPr>
+        <p:grpSpPr>
+          <a:xfrm>
+            <a:off x="4782075" y="4546705"/>
+            <a:ext cx="2522310" cy="1068218"/>
+            <a:chOff x="8549695" y="228005"/>
+            <a:chExt cx="2522310" cy="1068218"/>
           </a:xfrm>
         </p:grpSpPr>
         <p:sp>
           <p:nvSpPr>
-            <p:cNvPr id="71" name="四角形: 角を丸くする 70">
+            <p:cNvPr id="25" name="四角形: 角を丸くする 24">
               <a:extLst>
                 <a:ext uri="{FF2B5EF4-FFF2-40B4-BE49-F238E27FC236}">
-                  <a16:creationId xmlns:a16="http://schemas.microsoft.com/office/drawing/2014/main" id="{FC503A3B-6CF2-DED2-32DC-AADDEA55FF66}"/>
+                  <a16:creationId xmlns:a16="http://schemas.microsoft.com/office/drawing/2014/main" id="{AD6F0182-348F-19CC-7860-2D2183A660ED}"/>
                 </a:ext>
               </a:extLst>
             </p:cNvPr>
@@ -3993,8 +7789,8 @@
           </p:nvSpPr>
           <p:spPr>
             <a:xfrm>
-              <a:off x="1056739" y="4078655"/>
-              <a:ext cx="3504633" cy="2518697"/>
+              <a:off x="8549695" y="262318"/>
+              <a:ext cx="2522310" cy="1033905"/>
             </a:xfrm>
             <a:prstGeom prst="roundRect">
               <a:avLst>
@@ -4033,23 +7829,101 @@
           </p:style>
           <p:txBody>
             <a:bodyPr rtlCol="0" anchor="ctr"/>
-            <a:lstStyle/>
-            <a:p>
-              <a:pPr algn="ctr">
-                <a:lnSpc>
-                  <a:spcPct val="130000"/>
-                </a:lnSpc>
-                <a:spcAft>
-                  <a:spcPts val="600"/>
-                </a:spcAft>
-              </a:pPr>
-              <a:endParaRPr kumimoji="1" lang="en-US" altLang="ja-JP" sz="1600" dirty="0">
-                <a:solidFill>
-                  <a:schemeClr val="tx1"/>
-                </a:solidFill>
-                <a:latin typeface="+mn-ea"/>
-              </a:endParaRPr>
-            </a:p>
+            <a:lstStyle>
+              <a:defPPr>
+                <a:defRPr lang="en-US"/>
+              </a:defPPr>
+              <a:lvl1pPr marL="0" algn="l" defTabSz="457200" rtl="0" eaLnBrk="1" latinLnBrk="0" hangingPunct="1">
+                <a:defRPr sz="1800" kern="1200">
+                  <a:solidFill>
+                    <a:schemeClr val="dk1"/>
+                  </a:solidFill>
+                  <a:latin typeface="+mn-lt"/>
+                  <a:ea typeface="+mn-ea"/>
+                  <a:cs typeface="+mn-cs"/>
+                </a:defRPr>
+              </a:lvl1pPr>
+              <a:lvl2pPr marL="457200" algn="l" defTabSz="457200" rtl="0" eaLnBrk="1" latinLnBrk="0" hangingPunct="1">
+                <a:defRPr sz="1800" kern="1200">
+                  <a:solidFill>
+                    <a:schemeClr val="dk1"/>
+                  </a:solidFill>
+                  <a:latin typeface="+mn-lt"/>
+                  <a:ea typeface="+mn-ea"/>
+                  <a:cs typeface="+mn-cs"/>
+                </a:defRPr>
+              </a:lvl2pPr>
+              <a:lvl3pPr marL="914400" algn="l" defTabSz="457200" rtl="0" eaLnBrk="1" latinLnBrk="0" hangingPunct="1">
+                <a:defRPr sz="1800" kern="1200">
+                  <a:solidFill>
+                    <a:schemeClr val="dk1"/>
+                  </a:solidFill>
+                  <a:latin typeface="+mn-lt"/>
+                  <a:ea typeface="+mn-ea"/>
+                  <a:cs typeface="+mn-cs"/>
+                </a:defRPr>
+              </a:lvl3pPr>
+              <a:lvl4pPr marL="1371600" algn="l" defTabSz="457200" rtl="0" eaLnBrk="1" latinLnBrk="0" hangingPunct="1">
+                <a:defRPr sz="1800" kern="1200">
+                  <a:solidFill>
+                    <a:schemeClr val="dk1"/>
+                  </a:solidFill>
+                  <a:latin typeface="+mn-lt"/>
+                  <a:ea typeface="+mn-ea"/>
+                  <a:cs typeface="+mn-cs"/>
+                </a:defRPr>
+              </a:lvl4pPr>
+              <a:lvl5pPr marL="1828800" algn="l" defTabSz="457200" rtl="0" eaLnBrk="1" latinLnBrk="0" hangingPunct="1">
+                <a:defRPr sz="1800" kern="1200">
+                  <a:solidFill>
+                    <a:schemeClr val="dk1"/>
+                  </a:solidFill>
+                  <a:latin typeface="+mn-lt"/>
+                  <a:ea typeface="+mn-ea"/>
+                  <a:cs typeface="+mn-cs"/>
+                </a:defRPr>
+              </a:lvl5pPr>
+              <a:lvl6pPr marL="2286000" algn="l" defTabSz="457200" rtl="0" eaLnBrk="1" latinLnBrk="0" hangingPunct="1">
+                <a:defRPr sz="1800" kern="1200">
+                  <a:solidFill>
+                    <a:schemeClr val="dk1"/>
+                  </a:solidFill>
+                  <a:latin typeface="+mn-lt"/>
+                  <a:ea typeface="+mn-ea"/>
+                  <a:cs typeface="+mn-cs"/>
+                </a:defRPr>
+              </a:lvl6pPr>
+              <a:lvl7pPr marL="2743200" algn="l" defTabSz="457200" rtl="0" eaLnBrk="1" latinLnBrk="0" hangingPunct="1">
+                <a:defRPr sz="1800" kern="1200">
+                  <a:solidFill>
+                    <a:schemeClr val="dk1"/>
+                  </a:solidFill>
+                  <a:latin typeface="+mn-lt"/>
+                  <a:ea typeface="+mn-ea"/>
+                  <a:cs typeface="+mn-cs"/>
+                </a:defRPr>
+              </a:lvl7pPr>
+              <a:lvl8pPr marL="3200400" algn="l" defTabSz="457200" rtl="0" eaLnBrk="1" latinLnBrk="0" hangingPunct="1">
+                <a:defRPr sz="1800" kern="1200">
+                  <a:solidFill>
+                    <a:schemeClr val="dk1"/>
+                  </a:solidFill>
+                  <a:latin typeface="+mn-lt"/>
+                  <a:ea typeface="+mn-ea"/>
+                  <a:cs typeface="+mn-cs"/>
+                </a:defRPr>
+              </a:lvl8pPr>
+              <a:lvl9pPr marL="3657600" algn="l" defTabSz="457200" rtl="0" eaLnBrk="1" latinLnBrk="0" hangingPunct="1">
+                <a:defRPr sz="1800" kern="1200">
+                  <a:solidFill>
+                    <a:schemeClr val="dk1"/>
+                  </a:solidFill>
+                  <a:latin typeface="+mn-lt"/>
+                  <a:ea typeface="+mn-ea"/>
+                  <a:cs typeface="+mn-cs"/>
+                </a:defRPr>
+              </a:lvl9pPr>
+            </a:lstStyle>
             <a:p>
               <a:pPr algn="ctr">
                 <a:lnSpc>
@@ -4198,10 +8072,10 @@
         </p:sp>
         <p:pic>
           <p:nvPicPr>
-            <p:cNvPr id="110" name="グラフィックス 109">
+            <p:cNvPr id="27" name="図 26">
               <a:extLst>
                 <a:ext uri="{FF2B5EF4-FFF2-40B4-BE49-F238E27FC236}">
-                  <a16:creationId xmlns:a16="http://schemas.microsoft.com/office/drawing/2014/main" id="{98C1F346-A57C-6625-6419-42F0119382AF}"/>
+                  <a16:creationId xmlns:a16="http://schemas.microsoft.com/office/drawing/2014/main" id="{987F72B5-0083-FABE-5994-3D5199B905BD}"/>
                 </a:ext>
               </a:extLst>
             </p:cNvPr>
@@ -4211,277 +8085,593 @@
             <p:nvPr/>
           </p:nvPicPr>
           <p:blipFill>
-            <a:blip r:embed="rId12">
-              <a:extLst>
-                <a:ext uri="{96DAC541-7B7A-43D3-8B79-37D633B846F1}">
-                  <asvg:svgBlip xmlns:asvg="http://schemas.microsoft.com/office/drawing/2016/SVG/main" r:embed="rId13"/>
-                </a:ext>
-              </a:extLst>
-            </a:blip>
+            <a:blip r:embed="rId12"/>
+            <a:srcRect l="43389" b="19791"/>
             <a:stretch>
               <a:fillRect/>
             </a:stretch>
           </p:blipFill>
           <p:spPr>
             <a:xfrm>
-              <a:off x="1721687" y="4033171"/>
-              <a:ext cx="2029381" cy="971184"/>
+              <a:off x="8737768" y="228005"/>
+              <a:ext cx="1996124" cy="949016"/>
             </a:xfrm>
             <a:prstGeom prst="rect">
               <a:avLst/>
             </a:prstGeom>
           </p:spPr>
         </p:pic>
-        <p:sp>
-          <p:nvSpPr>
-            <p:cNvPr id="111" name="四角形: 角を丸くする 110">
+      </p:grpSp>
+      <p:grpSp>
+        <p:nvGrpSpPr>
+          <p:cNvPr id="89" name="グループ化 88">
+            <a:extLst>
+              <a:ext uri="{FF2B5EF4-FFF2-40B4-BE49-F238E27FC236}">
+                <a16:creationId xmlns:a16="http://schemas.microsoft.com/office/drawing/2014/main" id="{54220BB8-C6AB-CC52-EF13-CB56548B413F}"/>
+              </a:ext>
+            </a:extLst>
+          </p:cNvPr>
+          <p:cNvGrpSpPr/>
+          <p:nvPr/>
+        </p:nvGrpSpPr>
+        <p:grpSpPr>
+          <a:xfrm>
+            <a:off x="7843276" y="896078"/>
+            <a:ext cx="4130392" cy="2768379"/>
+            <a:chOff x="786470" y="3928256"/>
+            <a:chExt cx="4130392" cy="2768379"/>
+          </a:xfrm>
+        </p:grpSpPr>
+        <p:grpSp>
+          <p:nvGrpSpPr>
+            <p:cNvPr id="90" name="グループ化 89">
               <a:extLst>
                 <a:ext uri="{FF2B5EF4-FFF2-40B4-BE49-F238E27FC236}">
-                  <a16:creationId xmlns:a16="http://schemas.microsoft.com/office/drawing/2014/main" id="{3F7500C3-3DD8-E061-7E5A-D62AECDF3C02}"/>
+                  <a16:creationId xmlns:a16="http://schemas.microsoft.com/office/drawing/2014/main" id="{F575B478-8A13-484C-1EDD-1249393E49FD}"/>
                 </a:ext>
               </a:extLst>
             </p:cNvPr>
-            <p:cNvSpPr/>
+            <p:cNvGrpSpPr/>
             <p:nvPr/>
-          </p:nvSpPr>
-          <p:spPr>
+          </p:nvGrpSpPr>
+          <p:grpSpPr>
             <a:xfrm>
-              <a:off x="963285" y="3828973"/>
-              <a:ext cx="1516804" cy="408057"/>
+              <a:off x="786470" y="3928256"/>
+              <a:ext cx="3598087" cy="2768379"/>
+              <a:chOff x="963285" y="3828973"/>
+              <a:chExt cx="3598087" cy="2768379"/>
             </a:xfrm>
-            <a:prstGeom prst="roundRect">
-              <a:avLst>
-                <a:gd name="adj" fmla="val 50000"/>
-              </a:avLst>
-            </a:prstGeom>
-            <a:solidFill>
-              <a:schemeClr val="bg1"/>
-            </a:solidFill>
-            <a:ln>
+          </p:grpSpPr>
+          <p:sp>
+            <p:nvSpPr>
+              <p:cNvPr id="93" name="四角形: 角を丸くする 92">
+                <a:extLst>
+                  <a:ext uri="{FF2B5EF4-FFF2-40B4-BE49-F238E27FC236}">
+                    <a16:creationId xmlns:a16="http://schemas.microsoft.com/office/drawing/2014/main" id="{B66502A7-A5C9-951A-F966-5EEA283C81C1}"/>
+                  </a:ext>
+                </a:extLst>
+              </p:cNvPr>
+              <p:cNvSpPr/>
+              <p:nvPr/>
+            </p:nvSpPr>
+            <p:spPr>
+              <a:xfrm>
+                <a:off x="1056739" y="4078655"/>
+                <a:ext cx="3504633" cy="2518697"/>
+              </a:xfrm>
+              <a:prstGeom prst="roundRect">
+                <a:avLst>
+                  <a:gd name="adj" fmla="val 19858"/>
+                </a:avLst>
+              </a:prstGeom>
               <a:solidFill>
-                <a:srgbClr val="FF0000"/>
+                <a:schemeClr val="bg1"/>
               </a:solidFill>
-            </a:ln>
-            <a:effectLst>
-              <a:outerShdw blurRad="50800" dist="38100" dir="2700000" algn="tl" rotWithShape="0">
-                <a:prstClr val="black">
-                  <a:alpha val="40000"/>
-                </a:prstClr>
-              </a:outerShdw>
-            </a:effectLst>
-          </p:spPr>
-          <p:style>
-            <a:lnRef idx="2">
-              <a:schemeClr val="accent3"/>
-            </a:lnRef>
-            <a:fillRef idx="1">
-              <a:schemeClr val="lt1"/>
-            </a:fillRef>
-            <a:effectRef idx="0">
-              <a:schemeClr val="accent3"/>
-            </a:effectRef>
-            <a:fontRef idx="minor">
-              <a:schemeClr val="dk1"/>
-            </a:fontRef>
-          </p:style>
-          <p:txBody>
-            <a:bodyPr rtlCol="0" anchor="ctr"/>
-            <a:lstStyle/>
-            <a:p>
-              <a:pPr algn="ctr">
-                <a:lnSpc>
-                  <a:spcPct val="130000"/>
-                </a:lnSpc>
-                <a:spcAft>
-                  <a:spcPts val="600"/>
-                </a:spcAft>
-              </a:pPr>
-              <a:r>
-                <a:rPr kumimoji="1" lang="ja-JP" altLang="en-US" sz="1200" dirty="0">
+              <a:ln>
+                <a:solidFill>
+                  <a:schemeClr val="tx1"/>
+                </a:solidFill>
+              </a:ln>
+              <a:effectLst>
+                <a:outerShdw blurRad="50800" dist="38100" dir="2700000" algn="tl" rotWithShape="0">
+                  <a:prstClr val="black">
+                    <a:alpha val="40000"/>
+                  </a:prstClr>
+                </a:outerShdw>
+              </a:effectLst>
+            </p:spPr>
+            <p:style>
+              <a:lnRef idx="2">
+                <a:schemeClr val="accent3"/>
+              </a:lnRef>
+              <a:fillRef idx="1">
+                <a:schemeClr val="lt1"/>
+              </a:fillRef>
+              <a:effectRef idx="0">
+                <a:schemeClr val="accent3"/>
+              </a:effectRef>
+              <a:fontRef idx="minor">
+                <a:schemeClr val="dk1"/>
+              </a:fontRef>
+            </p:style>
+            <p:txBody>
+              <a:bodyPr rtlCol="0" anchor="ctr"/>
+              <a:lstStyle/>
+              <a:p>
+                <a:pPr algn="ctr">
+                  <a:lnSpc>
+                    <a:spcPct val="130000"/>
+                  </a:lnSpc>
+                  <a:spcAft>
+                    <a:spcPts val="600"/>
+                  </a:spcAft>
+                </a:pPr>
+                <a:endParaRPr kumimoji="1" lang="en-US" altLang="ja-JP" sz="1600" dirty="0">
                   <a:solidFill>
                     <a:schemeClr val="tx1"/>
                   </a:solidFill>
                   <a:latin typeface="+mn-ea"/>
-                </a:rPr>
-                <a:t>誰でも利用可能</a:t>
-              </a:r>
-            </a:p>
-          </p:txBody>
-        </p:sp>
-        <p:cxnSp>
-          <p:nvCxnSpPr>
-            <p:cNvPr id="62" name="直線コネクタ 61">
+                </a:endParaRPr>
+              </a:p>
+              <a:p>
+                <a:pPr algn="ctr">
+                  <a:lnSpc>
+                    <a:spcPct val="130000"/>
+                  </a:lnSpc>
+                  <a:spcAft>
+                    <a:spcPts val="600"/>
+                  </a:spcAft>
+                </a:pPr>
+                <a:endParaRPr kumimoji="1" lang="en-US" altLang="ja-JP" sz="1600" dirty="0">
+                  <a:solidFill>
+                    <a:schemeClr val="tx1"/>
+                  </a:solidFill>
+                  <a:latin typeface="+mn-ea"/>
+                </a:endParaRPr>
+              </a:p>
+              <a:p>
+                <a:pPr algn="ctr">
+                  <a:lnSpc>
+                    <a:spcPct val="130000"/>
+                  </a:lnSpc>
+                  <a:spcAft>
+                    <a:spcPts val="600"/>
+                  </a:spcAft>
+                </a:pPr>
+                <a:endParaRPr kumimoji="1" lang="en-US" altLang="ja-JP" sz="1600" dirty="0">
+                  <a:solidFill>
+                    <a:schemeClr val="tx1"/>
+                  </a:solidFill>
+                  <a:latin typeface="+mn-ea"/>
+                </a:endParaRPr>
+              </a:p>
+              <a:p>
+                <a:pPr algn="ctr">
+                  <a:lnSpc>
+                    <a:spcPct val="130000"/>
+                  </a:lnSpc>
+                  <a:spcAft>
+                    <a:spcPts val="600"/>
+                  </a:spcAft>
+                </a:pPr>
+                <a:endParaRPr kumimoji="1" lang="en-US" altLang="ja-JP" sz="1600" dirty="0">
+                  <a:solidFill>
+                    <a:schemeClr val="tx1"/>
+                  </a:solidFill>
+                  <a:latin typeface="+mn-ea"/>
+                </a:endParaRPr>
+              </a:p>
+              <a:p>
+                <a:pPr algn="ctr">
+                  <a:lnSpc>
+                    <a:spcPct val="130000"/>
+                  </a:lnSpc>
+                  <a:spcAft>
+                    <a:spcPts val="600"/>
+                  </a:spcAft>
+                </a:pPr>
+                <a:endParaRPr kumimoji="1" lang="en-US" altLang="ja-JP" sz="1600" dirty="0">
+                  <a:solidFill>
+                    <a:schemeClr val="tx1"/>
+                  </a:solidFill>
+                  <a:latin typeface="+mn-ea"/>
+                </a:endParaRPr>
+              </a:p>
+              <a:p>
+                <a:pPr algn="ctr">
+                  <a:lnSpc>
+                    <a:spcPct val="130000"/>
+                  </a:lnSpc>
+                  <a:spcAft>
+                    <a:spcPts val="600"/>
+                  </a:spcAft>
+                </a:pPr>
+                <a:endParaRPr kumimoji="1" lang="en-US" altLang="ja-JP" sz="1600" dirty="0">
+                  <a:solidFill>
+                    <a:schemeClr val="tx1"/>
+                  </a:solidFill>
+                  <a:latin typeface="+mn-ea"/>
+                </a:endParaRPr>
+              </a:p>
+              <a:p>
+                <a:pPr algn="ctr">
+                  <a:lnSpc>
+                    <a:spcPct val="130000"/>
+                  </a:lnSpc>
+                  <a:spcAft>
+                    <a:spcPts val="600"/>
+                  </a:spcAft>
+                </a:pPr>
+                <a:endParaRPr kumimoji="1" lang="en-US" altLang="ja-JP" sz="1600" dirty="0">
+                  <a:solidFill>
+                    <a:schemeClr val="tx1"/>
+                  </a:solidFill>
+                  <a:latin typeface="+mn-ea"/>
+                </a:endParaRPr>
+              </a:p>
+              <a:p>
+                <a:pPr algn="ctr">
+                  <a:lnSpc>
+                    <a:spcPct val="130000"/>
+                  </a:lnSpc>
+                  <a:spcAft>
+                    <a:spcPts val="600"/>
+                  </a:spcAft>
+                </a:pPr>
+                <a:endParaRPr kumimoji="1" lang="en-US" altLang="ja-JP" sz="2000" dirty="0">
+                  <a:solidFill>
+                    <a:srgbClr val="FF0000"/>
+                  </a:solidFill>
+                  <a:latin typeface="+mn-ea"/>
+                </a:endParaRPr>
+              </a:p>
+              <a:p>
+                <a:pPr algn="ctr">
+                  <a:lnSpc>
+                    <a:spcPct val="130000"/>
+                  </a:lnSpc>
+                  <a:spcAft>
+                    <a:spcPts val="600"/>
+                  </a:spcAft>
+                </a:pPr>
+                <a:endParaRPr kumimoji="1" lang="en-US" altLang="ja-JP" sz="2000" dirty="0">
+                  <a:solidFill>
+                    <a:srgbClr val="FF0000"/>
+                  </a:solidFill>
+                  <a:latin typeface="+mn-ea"/>
+                </a:endParaRPr>
+              </a:p>
+              <a:p>
+                <a:pPr algn="ctr">
+                  <a:lnSpc>
+                    <a:spcPct val="130000"/>
+                  </a:lnSpc>
+                  <a:spcAft>
+                    <a:spcPts val="600"/>
+                  </a:spcAft>
+                </a:pPr>
+                <a:endParaRPr kumimoji="1" lang="ja-JP" altLang="en-US" sz="2000" dirty="0">
+                  <a:solidFill>
+                    <a:srgbClr val="FF0000"/>
+                  </a:solidFill>
+                  <a:latin typeface="+mn-ea"/>
+                </a:endParaRPr>
+              </a:p>
+            </p:txBody>
+          </p:sp>
+          <p:pic>
+            <p:nvPicPr>
+              <p:cNvPr id="94" name="グラフィックス 93">
+                <a:extLst>
+                  <a:ext uri="{FF2B5EF4-FFF2-40B4-BE49-F238E27FC236}">
+                    <a16:creationId xmlns:a16="http://schemas.microsoft.com/office/drawing/2014/main" id="{C9BE3601-BA92-4F73-F0DC-6F16170705F9}"/>
+                  </a:ext>
+                </a:extLst>
+              </p:cNvPr>
+              <p:cNvPicPr>
+                <a:picLocks noChangeAspect="1"/>
+              </p:cNvPicPr>
+              <p:nvPr/>
+            </p:nvPicPr>
+            <p:blipFill>
+              <a:blip r:embed="rId13">
+                <a:extLst>
+                  <a:ext uri="{96DAC541-7B7A-43D3-8B79-37D633B846F1}">
+                    <asvg:svgBlip xmlns:asvg="http://schemas.microsoft.com/office/drawing/2016/SVG/main" r:embed="rId14"/>
+                  </a:ext>
+                </a:extLst>
+              </a:blip>
+              <a:stretch>
+                <a:fillRect/>
+              </a:stretch>
+            </p:blipFill>
+            <p:spPr>
+              <a:xfrm>
+                <a:off x="1721687" y="4033171"/>
+                <a:ext cx="2029381" cy="971184"/>
+              </a:xfrm>
+              <a:prstGeom prst="rect">
+                <a:avLst/>
+              </a:prstGeom>
+            </p:spPr>
+          </p:pic>
+          <p:sp>
+            <p:nvSpPr>
+              <p:cNvPr id="95" name="四角形: 角を丸くする 94">
+                <a:extLst>
+                  <a:ext uri="{FF2B5EF4-FFF2-40B4-BE49-F238E27FC236}">
+                    <a16:creationId xmlns:a16="http://schemas.microsoft.com/office/drawing/2014/main" id="{30D3C8A9-951B-9171-BFF0-A6621F69A22A}"/>
+                  </a:ext>
+                </a:extLst>
+              </p:cNvPr>
+              <p:cNvSpPr/>
+              <p:nvPr/>
+            </p:nvSpPr>
+            <p:spPr>
+              <a:xfrm>
+                <a:off x="963285" y="3828973"/>
+                <a:ext cx="1516804" cy="408057"/>
+              </a:xfrm>
+              <a:prstGeom prst="roundRect">
+                <a:avLst>
+                  <a:gd name="adj" fmla="val 50000"/>
+                </a:avLst>
+              </a:prstGeom>
+              <a:solidFill>
+                <a:schemeClr val="bg1"/>
+              </a:solidFill>
+              <a:ln>
+                <a:solidFill>
+                  <a:srgbClr val="FF0000"/>
+                </a:solidFill>
+              </a:ln>
+              <a:effectLst>
+                <a:outerShdw blurRad="50800" dist="38100" dir="2700000" algn="tl" rotWithShape="0">
+                  <a:prstClr val="black">
+                    <a:alpha val="40000"/>
+                  </a:prstClr>
+                </a:outerShdw>
+              </a:effectLst>
+            </p:spPr>
+            <p:style>
+              <a:lnRef idx="2">
+                <a:schemeClr val="accent3"/>
+              </a:lnRef>
+              <a:fillRef idx="1">
+                <a:schemeClr val="lt1"/>
+              </a:fillRef>
+              <a:effectRef idx="0">
+                <a:schemeClr val="accent3"/>
+              </a:effectRef>
+              <a:fontRef idx="minor">
+                <a:schemeClr val="dk1"/>
+              </a:fontRef>
+            </p:style>
+            <p:txBody>
+              <a:bodyPr rtlCol="0" anchor="ctr"/>
+              <a:lstStyle/>
+              <a:p>
+                <a:pPr algn="ctr">
+                  <a:lnSpc>
+                    <a:spcPct val="130000"/>
+                  </a:lnSpc>
+                  <a:spcAft>
+                    <a:spcPts val="600"/>
+                  </a:spcAft>
+                </a:pPr>
+                <a:r>
+                  <a:rPr kumimoji="1" lang="ja-JP" altLang="en-US" sz="1200" dirty="0">
+                    <a:solidFill>
+                      <a:schemeClr val="tx1"/>
+                    </a:solidFill>
+                    <a:latin typeface="+mn-ea"/>
+                  </a:rPr>
+                  <a:t>誰でも利用可能</a:t>
+                </a:r>
+              </a:p>
+            </p:txBody>
+          </p:sp>
+          <p:cxnSp>
+            <p:nvCxnSpPr>
+              <p:cNvPr id="96" name="直線コネクタ 95">
+                <a:extLst>
+                  <a:ext uri="{FF2B5EF4-FFF2-40B4-BE49-F238E27FC236}">
+                    <a16:creationId xmlns:a16="http://schemas.microsoft.com/office/drawing/2014/main" id="{CBBA5C0C-34A8-2319-9E08-D52AD2933524}"/>
+                  </a:ext>
+                </a:extLst>
+              </p:cNvPr>
+              <p:cNvCxnSpPr>
+                <a:cxnSpLocks/>
+              </p:cNvCxnSpPr>
+              <p:nvPr/>
+            </p:nvCxnSpPr>
+            <p:spPr>
+              <a:xfrm>
+                <a:off x="1056739" y="4860679"/>
+                <a:ext cx="3494366" cy="13585"/>
+              </a:xfrm>
+              <a:prstGeom prst="line">
+                <a:avLst/>
+              </a:prstGeom>
+              <a:solidFill>
+                <a:schemeClr val="bg1"/>
+              </a:solidFill>
+              <a:ln>
+                <a:solidFill>
+                  <a:schemeClr val="tx1"/>
+                </a:solidFill>
+              </a:ln>
+              <a:effectLst>
+                <a:outerShdw blurRad="50800" dist="38100" dir="2700000" algn="tl" rotWithShape="0">
+                  <a:prstClr val="black">
+                    <a:alpha val="40000"/>
+                  </a:prstClr>
+                </a:outerShdw>
+              </a:effectLst>
+            </p:spPr>
+            <p:style>
+              <a:lnRef idx="2">
+                <a:schemeClr val="accent3"/>
+              </a:lnRef>
+              <a:fillRef idx="1">
+                <a:schemeClr val="lt1"/>
+              </a:fillRef>
+              <a:effectRef idx="0">
+                <a:schemeClr val="accent3"/>
+              </a:effectRef>
+              <a:fontRef idx="minor">
+                <a:schemeClr val="dk1"/>
+              </a:fontRef>
+            </p:style>
+          </p:cxnSp>
+          <p:sp>
+            <p:nvSpPr>
+              <p:cNvPr id="97" name="テキスト ボックス 96">
+                <a:extLst>
+                  <a:ext uri="{FF2B5EF4-FFF2-40B4-BE49-F238E27FC236}">
+                    <a16:creationId xmlns:a16="http://schemas.microsoft.com/office/drawing/2014/main" id="{81599420-BCAE-7308-45D7-9A472473AE75}"/>
+                  </a:ext>
+                </a:extLst>
+              </p:cNvPr>
+              <p:cNvSpPr txBox="1"/>
+              <p:nvPr/>
+            </p:nvSpPr>
+            <p:spPr>
+              <a:xfrm>
+                <a:off x="1102197" y="4973416"/>
+                <a:ext cx="3448908" cy="1477328"/>
+              </a:xfrm>
+              <a:prstGeom prst="rect">
+                <a:avLst/>
+              </a:prstGeom>
+              <a:noFill/>
+            </p:spPr>
+            <p:txBody>
+              <a:bodyPr wrap="square">
+                <a:spAutoFit/>
+              </a:bodyPr>
+              <a:lstStyle/>
+              <a:p>
+                <a:r>
+                  <a:rPr kumimoji="1" lang="ja-JP" altLang="en-US" dirty="0"/>
+                  <a:t>・複雑な情報を整理</a:t>
+                </a:r>
+                <a:endParaRPr kumimoji="1" lang="en-US" altLang="ja-JP" dirty="0"/>
+              </a:p>
+              <a:p>
+                <a:r>
+                  <a:rPr kumimoji="1" lang="ja-JP" altLang="en-US" dirty="0"/>
+                  <a:t>・位置情報による見える化</a:t>
+                </a:r>
+                <a:endParaRPr kumimoji="1" lang="en-US" altLang="ja-JP" dirty="0"/>
+              </a:p>
+              <a:p>
+                <a:r>
+                  <a:rPr kumimoji="1" lang="ja-JP" altLang="en-US" dirty="0"/>
+                  <a:t>・高品質な報告書作成効率化</a:t>
+                </a:r>
+                <a:endParaRPr kumimoji="1" lang="en-US" altLang="ja-JP" dirty="0"/>
+              </a:p>
+              <a:p>
+                <a:r>
+                  <a:rPr kumimoji="1" lang="ja-JP" altLang="en-US" dirty="0"/>
+                  <a:t>・多彩なデータ変換機能</a:t>
+                </a:r>
+                <a:endParaRPr kumimoji="1" lang="en-US" altLang="ja-JP" dirty="0"/>
+              </a:p>
+              <a:p>
+                <a:r>
+                  <a:rPr kumimoji="1" lang="ja-JP" altLang="en-US" dirty="0"/>
+                  <a:t>・他システムとの連携</a:t>
+                </a:r>
+              </a:p>
+            </p:txBody>
+          </p:sp>
+        </p:grpSp>
+        <p:pic>
+          <p:nvPicPr>
+            <p:cNvPr id="91" name="図 90">
               <a:extLst>
                 <a:ext uri="{FF2B5EF4-FFF2-40B4-BE49-F238E27FC236}">
-                  <a16:creationId xmlns:a16="http://schemas.microsoft.com/office/drawing/2014/main" id="{2C5B01F9-BF32-45BE-D9BC-47AEDF48A08B}"/>
+                  <a16:creationId xmlns:a16="http://schemas.microsoft.com/office/drawing/2014/main" id="{150273E9-5BB9-14C2-373C-8C144558A284}"/>
                 </a:ext>
               </a:extLst>
             </p:cNvPr>
-            <p:cNvCxnSpPr>
-              <a:cxnSpLocks/>
-            </p:cNvCxnSpPr>
+            <p:cNvPicPr>
+              <a:picLocks noChangeAspect="1"/>
+            </p:cNvPicPr>
             <p:nvPr/>
-          </p:nvCxnSpPr>
+          </p:nvPicPr>
+          <p:blipFill>
+            <a:blip r:embed="rId15"/>
+            <a:stretch>
+              <a:fillRect/>
+            </a:stretch>
+          </p:blipFill>
           <p:spPr>
             <a:xfrm>
-              <a:off x="1056739" y="4860679"/>
-              <a:ext cx="3494366" cy="13585"/>
+              <a:off x="3795950" y="6204655"/>
+              <a:ext cx="1120912" cy="381849"/>
             </a:xfrm>
-            <a:prstGeom prst="line">
+            <a:prstGeom prst="rect">
               <a:avLst/>
             </a:prstGeom>
-            <a:solidFill>
-              <a:schemeClr val="bg1"/>
-            </a:solidFill>
-            <a:ln>
-              <a:solidFill>
-                <a:schemeClr val="tx1"/>
-              </a:solidFill>
-            </a:ln>
-            <a:effectLst>
-              <a:outerShdw blurRad="50800" dist="38100" dir="2700000" algn="tl" rotWithShape="0">
-                <a:prstClr val="black">
-                  <a:alpha val="40000"/>
-                </a:prstClr>
-              </a:outerShdw>
-            </a:effectLst>
           </p:spPr>
-          <p:style>
-            <a:lnRef idx="2">
-              <a:schemeClr val="accent3"/>
-            </a:lnRef>
-            <a:fillRef idx="1">
-              <a:schemeClr val="lt1"/>
-            </a:fillRef>
-            <a:effectRef idx="0">
-              <a:schemeClr val="accent3"/>
-            </a:effectRef>
-            <a:fontRef idx="minor">
-              <a:schemeClr val="dk1"/>
-            </a:fontRef>
-          </p:style>
-        </p:cxnSp>
-        <p:sp>
-          <p:nvSpPr>
-            <p:cNvPr id="66" name="テキスト ボックス 65">
+        </p:pic>
+        <p:pic>
+          <p:nvPicPr>
+            <p:cNvPr id="92" name="Picture 2">
               <a:extLst>
                 <a:ext uri="{FF2B5EF4-FFF2-40B4-BE49-F238E27FC236}">
-                  <a16:creationId xmlns:a16="http://schemas.microsoft.com/office/drawing/2014/main" id="{1F62C47F-8143-3211-29C8-FC8DD026283E}"/>
+                  <a16:creationId xmlns:a16="http://schemas.microsoft.com/office/drawing/2014/main" id="{F6EA2344-DAC9-A7FE-9F7C-6C90AA3B47DA}"/>
                 </a:ext>
               </a:extLst>
             </p:cNvPr>
-            <p:cNvSpPr txBox="1"/>
+            <p:cNvPicPr>
+              <a:picLocks noChangeAspect="1" noChangeArrowheads="1"/>
+            </p:cNvPicPr>
             <p:nvPr/>
-          </p:nvSpPr>
-          <p:spPr>
+          </p:nvPicPr>
+          <p:blipFill>
+            <a:blip r:embed="rId16">
+              <a:extLst>
+                <a:ext uri="{28A0092B-C50C-407E-A947-70E740481C1C}">
+                  <a14:useLocalDpi xmlns:a14="http://schemas.microsoft.com/office/drawing/2010/main" val="0"/>
+                </a:ext>
+              </a:extLst>
+            </a:blip>
+            <a:srcRect/>
+            <a:stretch>
+              <a:fillRect/>
+            </a:stretch>
+          </p:blipFill>
+          <p:spPr bwMode="auto">
             <a:xfrm>
-              <a:off x="1102197" y="4973416"/>
-              <a:ext cx="3448908" cy="1477328"/>
+              <a:off x="3873077" y="4061864"/>
+              <a:ext cx="735288" cy="735288"/>
             </a:xfrm>
             <a:prstGeom prst="rect">
               <a:avLst/>
             </a:prstGeom>
             <a:noFill/>
+            <a:extLst>
+              <a:ext uri="{909E8E84-426E-40DD-AFC4-6F175D3DCCD1}">
+                <a14:hiddenFill xmlns:a14="http://schemas.microsoft.com/office/drawing/2010/main">
+                  <a:solidFill>
+                    <a:srgbClr val="FFFFFF"/>
+                  </a:solidFill>
+                </a14:hiddenFill>
+              </a:ext>
+            </a:extLst>
           </p:spPr>
-          <p:txBody>
-            <a:bodyPr wrap="square">
-              <a:spAutoFit/>
-            </a:bodyPr>
-            <a:lstStyle/>
-            <a:p>
-              <a:r>
-                <a:rPr kumimoji="1" lang="ja-JP" altLang="en-US" dirty="0"/>
-                <a:t>・複雑な情報を整理</a:t>
-              </a:r>
-              <a:endParaRPr kumimoji="1" lang="en-US" altLang="ja-JP" dirty="0"/>
-            </a:p>
-            <a:p>
-              <a:r>
-                <a:rPr kumimoji="1" lang="ja-JP" altLang="en-US" dirty="0"/>
-                <a:t>・位置情報による見える化</a:t>
-              </a:r>
-              <a:endParaRPr kumimoji="1" lang="en-US" altLang="ja-JP" dirty="0"/>
-            </a:p>
-            <a:p>
-              <a:r>
-                <a:rPr kumimoji="1" lang="ja-JP" altLang="en-US" dirty="0"/>
-                <a:t>・高品質な報告書作成効率化</a:t>
-              </a:r>
-              <a:endParaRPr kumimoji="1" lang="en-US" altLang="ja-JP" dirty="0"/>
-            </a:p>
-            <a:p>
-              <a:r>
-                <a:rPr kumimoji="1" lang="ja-JP" altLang="en-US" dirty="0"/>
-                <a:t>・多彩なデータ変換機能</a:t>
-              </a:r>
-              <a:endParaRPr kumimoji="1" lang="en-US" altLang="ja-JP" dirty="0"/>
-            </a:p>
-            <a:p>
-              <a:r>
-                <a:rPr kumimoji="1" lang="ja-JP" altLang="en-US" dirty="0"/>
-                <a:t>・他システムとの連携</a:t>
-              </a:r>
-            </a:p>
-          </p:txBody>
-        </p:sp>
+        </p:pic>
       </p:grpSp>
-      <p:sp>
-        <p:nvSpPr>
-          <p:cNvPr id="106" name="テキスト ボックス 105">
+      <p:pic>
+        <p:nvPicPr>
+          <p:cNvPr id="3" name="図 2">
             <a:extLst>
               <a:ext uri="{FF2B5EF4-FFF2-40B4-BE49-F238E27FC236}">
-                <a16:creationId xmlns:a16="http://schemas.microsoft.com/office/drawing/2014/main" id="{5E75DC51-510A-856B-ED5B-9156364E62D4}"/>
-              </a:ext>
-            </a:extLst>
-          </p:cNvPr>
-          <p:cNvSpPr txBox="1"/>
-          <p:nvPr/>
-        </p:nvSpPr>
-        <p:spPr>
-          <a:xfrm>
-            <a:off x="4451506" y="5878102"/>
-            <a:ext cx="3411645" cy="369332"/>
-          </a:xfrm>
-          <a:prstGeom prst="rect">
-            <a:avLst/>
-          </a:prstGeom>
-          <a:solidFill>
-            <a:schemeClr val="bg1"/>
-          </a:solidFill>
-        </p:spPr>
-        <p:txBody>
-          <a:bodyPr wrap="square" rtlCol="0" anchor="ctr">
-            <a:spAutoFit/>
-          </a:bodyPr>
-          <a:lstStyle/>
-          <a:p>
-            <a:pPr algn="ctr"/>
-            <a:r>
-              <a:rPr kumimoji="1" lang="en-US" altLang="ja-JP" dirty="0"/>
-              <a:t>GEOJSON/XYZ</a:t>
-            </a:r>
-            <a:r>
-              <a:rPr kumimoji="1" lang="ja-JP" altLang="en-US" dirty="0"/>
-              <a:t>（高速化</a:t>
-            </a:r>
-            <a:r>
-              <a:rPr kumimoji="1" lang="en-US" altLang="ja-JP" dirty="0"/>
-              <a:t>96DPI</a:t>
-            </a:r>
-            <a:r>
-              <a:rPr kumimoji="1" lang="ja-JP" altLang="en-US" dirty="0"/>
-              <a:t>）</a:t>
-            </a:r>
-            <a:endParaRPr kumimoji="1" lang="en-US" altLang="ja-JP" dirty="0"/>
-          </a:p>
-        </p:txBody>
-      </p:sp>
-      <p:pic>
-        <p:nvPicPr>
-          <p:cNvPr id="116" name="図 115">
-            <a:extLst>
-              <a:ext uri="{FF2B5EF4-FFF2-40B4-BE49-F238E27FC236}">
-                <a16:creationId xmlns:a16="http://schemas.microsoft.com/office/drawing/2014/main" id="{D56011AE-8EB0-919B-BAA1-FDBF05D265A2}"/>
+                <a16:creationId xmlns:a16="http://schemas.microsoft.com/office/drawing/2014/main" id="{5ACB1DA9-A7FB-A481-45D4-CCA2C3D1F063}"/>
               </a:ext>
             </a:extLst>
           </p:cNvPr>
@@ -4491,14 +8681,14 @@
           <p:nvPr/>
         </p:nvPicPr>
         <p:blipFill>
-          <a:blip r:embed="rId14"/>
+          <a:blip r:embed="rId17"/>
           <a:stretch>
             <a:fillRect/>
           </a:stretch>
         </p:blipFill>
         <p:spPr>
           <a:xfrm>
-            <a:off x="8877781" y="551040"/>
+            <a:off x="8799698" y="155059"/>
             <a:ext cx="1070055" cy="579885"/>
           </a:xfrm>
           <a:prstGeom prst="rect">
@@ -4511,505 +8701,12 @@
           </a:ln>
         </p:spPr>
       </p:pic>
-      <p:pic>
-        <p:nvPicPr>
-          <p:cNvPr id="117" name="図 116">
+      <p:sp>
+        <p:nvSpPr>
+          <p:cNvPr id="4" name="テキスト ボックス 3">
             <a:extLst>
               <a:ext uri="{FF2B5EF4-FFF2-40B4-BE49-F238E27FC236}">
-                <a16:creationId xmlns:a16="http://schemas.microsoft.com/office/drawing/2014/main" id="{DEA461B6-E608-F327-6CE3-4ED1F03FDE2C}"/>
-              </a:ext>
-            </a:extLst>
-          </p:cNvPr>
-          <p:cNvPicPr>
-            <a:picLocks noChangeAspect="1"/>
-          </p:cNvPicPr>
-          <p:nvPr/>
-        </p:nvPicPr>
-        <p:blipFill>
-          <a:blip r:embed="rId15"/>
-          <a:stretch>
-            <a:fillRect/>
-          </a:stretch>
-        </p:blipFill>
-        <p:spPr>
-          <a:xfrm>
-            <a:off x="3551652" y="6204655"/>
-            <a:ext cx="1120912" cy="381849"/>
-          </a:xfrm>
-          <a:prstGeom prst="rect">
-            <a:avLst/>
-          </a:prstGeom>
-        </p:spPr>
-      </p:pic>
-      <p:pic>
-        <p:nvPicPr>
-          <p:cNvPr id="118" name="Picture 2">
-            <a:extLst>
-              <a:ext uri="{FF2B5EF4-FFF2-40B4-BE49-F238E27FC236}">
-                <a16:creationId xmlns:a16="http://schemas.microsoft.com/office/drawing/2014/main" id="{CA067CEC-EE2E-8DD0-B29E-8E42242655B4}"/>
-              </a:ext>
-            </a:extLst>
-          </p:cNvPr>
-          <p:cNvPicPr>
-            <a:picLocks noChangeAspect="1" noChangeArrowheads="1"/>
-          </p:cNvPicPr>
-          <p:nvPr/>
-        </p:nvPicPr>
-        <p:blipFill>
-          <a:blip r:embed="rId16">
-            <a:extLst>
-              <a:ext uri="{28A0092B-C50C-407E-A947-70E740481C1C}">
-                <a14:useLocalDpi xmlns:a14="http://schemas.microsoft.com/office/drawing/2010/main" val="0"/>
-              </a:ext>
-            </a:extLst>
-          </a:blip>
-          <a:srcRect/>
-          <a:stretch>
-            <a:fillRect/>
-          </a:stretch>
-        </p:blipFill>
-        <p:spPr bwMode="auto">
-          <a:xfrm>
-            <a:off x="3628779" y="4061864"/>
-            <a:ext cx="735288" cy="735288"/>
-          </a:xfrm>
-          <a:prstGeom prst="rect">
-            <a:avLst/>
-          </a:prstGeom>
-          <a:noFill/>
-          <a:extLst>
-            <a:ext uri="{909E8E84-426E-40DD-AFC4-6F175D3DCCD1}">
-              <a14:hiddenFill xmlns:a14="http://schemas.microsoft.com/office/drawing/2010/main">
-                <a:solidFill>
-                  <a:srgbClr val="FFFFFF"/>
-                </a:solidFill>
-              </a14:hiddenFill>
-            </a:ext>
-          </a:extLst>
-        </p:spPr>
-      </p:pic>
-      <p:grpSp>
-        <p:nvGrpSpPr>
-          <p:cNvPr id="126" name="グループ化 125">
-            <a:extLst>
-              <a:ext uri="{FF2B5EF4-FFF2-40B4-BE49-F238E27FC236}">
-                <a16:creationId xmlns:a16="http://schemas.microsoft.com/office/drawing/2014/main" id="{B4C0DB08-DE37-829C-EFA8-62B48AFA70E9}"/>
-              </a:ext>
-            </a:extLst>
-          </p:cNvPr>
-          <p:cNvGrpSpPr/>
-          <p:nvPr/>
-        </p:nvGrpSpPr>
-        <p:grpSpPr>
-          <a:xfrm>
-            <a:off x="6464062" y="3121392"/>
-            <a:ext cx="1878011" cy="600755"/>
-            <a:chOff x="4662156" y="4181974"/>
-            <a:chExt cx="2440857" cy="600755"/>
-          </a:xfrm>
-        </p:grpSpPr>
-        <p:sp>
-          <p:nvSpPr>
-            <p:cNvPr id="125" name="四角形: 角を丸くする 124">
-              <a:extLst>
-                <a:ext uri="{FF2B5EF4-FFF2-40B4-BE49-F238E27FC236}">
-                  <a16:creationId xmlns:a16="http://schemas.microsoft.com/office/drawing/2014/main" id="{4F97201E-A085-E2DC-8911-6DD44070CE7D}"/>
-                </a:ext>
-              </a:extLst>
-            </p:cNvPr>
-            <p:cNvSpPr/>
-            <p:nvPr/>
-          </p:nvSpPr>
-          <p:spPr>
-            <a:xfrm>
-              <a:off x="4662156" y="4181974"/>
-              <a:ext cx="2440857" cy="600755"/>
-            </a:xfrm>
-            <a:prstGeom prst="roundRect">
-              <a:avLst>
-                <a:gd name="adj" fmla="val 19858"/>
-              </a:avLst>
-            </a:prstGeom>
-            <a:solidFill>
-              <a:schemeClr val="bg1"/>
-            </a:solidFill>
-            <a:ln>
-              <a:solidFill>
-                <a:schemeClr val="tx1"/>
-              </a:solidFill>
-            </a:ln>
-            <a:effectLst>
-              <a:outerShdw blurRad="50800" dist="38100" dir="2700000" algn="tl" rotWithShape="0">
-                <a:prstClr val="black">
-                  <a:alpha val="40000"/>
-                </a:prstClr>
-              </a:outerShdw>
-            </a:effectLst>
-          </p:spPr>
-          <p:style>
-            <a:lnRef idx="2">
-              <a:schemeClr val="accent3"/>
-            </a:lnRef>
-            <a:fillRef idx="1">
-              <a:schemeClr val="lt1"/>
-            </a:fillRef>
-            <a:effectRef idx="0">
-              <a:schemeClr val="accent3"/>
-            </a:effectRef>
-            <a:fontRef idx="minor">
-              <a:schemeClr val="dk1"/>
-            </a:fontRef>
-          </p:style>
-          <p:txBody>
-            <a:bodyPr rtlCol="0" anchor="ctr"/>
-            <a:lstStyle/>
-            <a:p>
-              <a:pPr algn="ctr">
-                <a:lnSpc>
-                  <a:spcPct val="130000"/>
-                </a:lnSpc>
-                <a:spcAft>
-                  <a:spcPts val="600"/>
-                </a:spcAft>
-              </a:pPr>
-              <a:endParaRPr kumimoji="1" lang="en-US" altLang="ja-JP" sz="1600" dirty="0">
-                <a:solidFill>
-                  <a:schemeClr val="tx1"/>
-                </a:solidFill>
-                <a:latin typeface="+mn-ea"/>
-              </a:endParaRPr>
-            </a:p>
-            <a:p>
-              <a:pPr algn="ctr">
-                <a:lnSpc>
-                  <a:spcPct val="130000"/>
-                </a:lnSpc>
-                <a:spcAft>
-                  <a:spcPts val="600"/>
-                </a:spcAft>
-              </a:pPr>
-              <a:endParaRPr kumimoji="1" lang="en-US" altLang="ja-JP" sz="1600" dirty="0">
-                <a:solidFill>
-                  <a:schemeClr val="tx1"/>
-                </a:solidFill>
-                <a:latin typeface="+mn-ea"/>
-              </a:endParaRPr>
-            </a:p>
-            <a:p>
-              <a:pPr algn="ctr">
-                <a:lnSpc>
-                  <a:spcPct val="130000"/>
-                </a:lnSpc>
-                <a:spcAft>
-                  <a:spcPts val="600"/>
-                </a:spcAft>
-              </a:pPr>
-              <a:endParaRPr kumimoji="1" lang="en-US" altLang="ja-JP" sz="1600" dirty="0">
-                <a:solidFill>
-                  <a:schemeClr val="tx1"/>
-                </a:solidFill>
-                <a:latin typeface="+mn-ea"/>
-              </a:endParaRPr>
-            </a:p>
-            <a:p>
-              <a:pPr algn="ctr">
-                <a:lnSpc>
-                  <a:spcPct val="130000"/>
-                </a:lnSpc>
-                <a:spcAft>
-                  <a:spcPts val="600"/>
-                </a:spcAft>
-              </a:pPr>
-              <a:endParaRPr kumimoji="1" lang="en-US" altLang="ja-JP" sz="1600" dirty="0">
-                <a:solidFill>
-                  <a:schemeClr val="tx1"/>
-                </a:solidFill>
-                <a:latin typeface="+mn-ea"/>
-              </a:endParaRPr>
-            </a:p>
-            <a:p>
-              <a:pPr algn="ctr">
-                <a:lnSpc>
-                  <a:spcPct val="130000"/>
-                </a:lnSpc>
-                <a:spcAft>
-                  <a:spcPts val="600"/>
-                </a:spcAft>
-              </a:pPr>
-              <a:endParaRPr kumimoji="1" lang="en-US" altLang="ja-JP" sz="1600" dirty="0">
-                <a:solidFill>
-                  <a:schemeClr val="tx1"/>
-                </a:solidFill>
-                <a:latin typeface="+mn-ea"/>
-              </a:endParaRPr>
-            </a:p>
-            <a:p>
-              <a:pPr algn="ctr">
-                <a:lnSpc>
-                  <a:spcPct val="130000"/>
-                </a:lnSpc>
-                <a:spcAft>
-                  <a:spcPts val="600"/>
-                </a:spcAft>
-              </a:pPr>
-              <a:endParaRPr kumimoji="1" lang="en-US" altLang="ja-JP" sz="1600" dirty="0">
-                <a:solidFill>
-                  <a:schemeClr val="tx1"/>
-                </a:solidFill>
-                <a:latin typeface="+mn-ea"/>
-              </a:endParaRPr>
-            </a:p>
-            <a:p>
-              <a:pPr algn="ctr">
-                <a:lnSpc>
-                  <a:spcPct val="130000"/>
-                </a:lnSpc>
-                <a:spcAft>
-                  <a:spcPts val="600"/>
-                </a:spcAft>
-              </a:pPr>
-              <a:endParaRPr kumimoji="1" lang="en-US" altLang="ja-JP" sz="1600" dirty="0">
-                <a:solidFill>
-                  <a:schemeClr val="tx1"/>
-                </a:solidFill>
-                <a:latin typeface="+mn-ea"/>
-              </a:endParaRPr>
-            </a:p>
-            <a:p>
-              <a:pPr algn="ctr">
-                <a:lnSpc>
-                  <a:spcPct val="130000"/>
-                </a:lnSpc>
-                <a:spcAft>
-                  <a:spcPts val="600"/>
-                </a:spcAft>
-              </a:pPr>
-              <a:endParaRPr kumimoji="1" lang="en-US" altLang="ja-JP" sz="2000" dirty="0">
-                <a:solidFill>
-                  <a:srgbClr val="FF0000"/>
-                </a:solidFill>
-                <a:latin typeface="+mn-ea"/>
-              </a:endParaRPr>
-            </a:p>
-            <a:p>
-              <a:pPr algn="ctr">
-                <a:lnSpc>
-                  <a:spcPct val="130000"/>
-                </a:lnSpc>
-                <a:spcAft>
-                  <a:spcPts val="600"/>
-                </a:spcAft>
-              </a:pPr>
-              <a:endParaRPr kumimoji="1" lang="en-US" altLang="ja-JP" sz="2000" dirty="0">
-                <a:solidFill>
-                  <a:srgbClr val="FF0000"/>
-                </a:solidFill>
-                <a:latin typeface="+mn-ea"/>
-              </a:endParaRPr>
-            </a:p>
-            <a:p>
-              <a:pPr algn="ctr">
-                <a:lnSpc>
-                  <a:spcPct val="130000"/>
-                </a:lnSpc>
-                <a:spcAft>
-                  <a:spcPts val="600"/>
-                </a:spcAft>
-              </a:pPr>
-              <a:endParaRPr kumimoji="1" lang="ja-JP" altLang="en-US" sz="2000" dirty="0">
-                <a:solidFill>
-                  <a:srgbClr val="FF0000"/>
-                </a:solidFill>
-                <a:latin typeface="+mn-ea"/>
-              </a:endParaRPr>
-            </a:p>
-          </p:txBody>
-        </p:sp>
-        <p:sp>
-          <p:nvSpPr>
-            <p:cNvPr id="124" name="テキスト ボックス 123">
-              <a:extLst>
-                <a:ext uri="{FF2B5EF4-FFF2-40B4-BE49-F238E27FC236}">
-                  <a16:creationId xmlns:a16="http://schemas.microsoft.com/office/drawing/2014/main" id="{8931E2B4-B2E0-DEED-CCBE-7186DCA4526F}"/>
-                </a:ext>
-              </a:extLst>
-            </p:cNvPr>
-            <p:cNvSpPr txBox="1"/>
-            <p:nvPr/>
-          </p:nvSpPr>
-          <p:spPr>
-            <a:xfrm>
-              <a:off x="4950051" y="4294195"/>
-              <a:ext cx="1751719" cy="369332"/>
-            </a:xfrm>
-            <a:prstGeom prst="rect">
-              <a:avLst/>
-            </a:prstGeom>
-            <a:solidFill>
-              <a:schemeClr val="bg1"/>
-            </a:solidFill>
-          </p:spPr>
-          <p:txBody>
-            <a:bodyPr wrap="square" rtlCol="0" anchor="ctr">
-              <a:spAutoFit/>
-            </a:bodyPr>
-            <a:lstStyle/>
-            <a:p>
-              <a:pPr algn="ctr"/>
-              <a:r>
-                <a:rPr kumimoji="1" lang="ja-JP" altLang="en-US" dirty="0"/>
-                <a:t>点群データ</a:t>
-              </a:r>
-            </a:p>
-          </p:txBody>
-        </p:sp>
-      </p:grpSp>
-      <p:cxnSp>
-        <p:nvCxnSpPr>
-          <p:cNvPr id="127" name="コネクタ: カギ線 126">
-            <a:extLst>
-              <a:ext uri="{FF2B5EF4-FFF2-40B4-BE49-F238E27FC236}">
-                <a16:creationId xmlns:a16="http://schemas.microsoft.com/office/drawing/2014/main" id="{58DF3F3F-298C-53FB-E916-C7F4B22F8C69}"/>
-              </a:ext>
-            </a:extLst>
-          </p:cNvPr>
-          <p:cNvCxnSpPr>
-            <a:cxnSpLocks/>
-            <a:stCxn id="125" idx="2"/>
-            <a:endCxn id="1028" idx="1"/>
-          </p:cNvCxnSpPr>
-          <p:nvPr/>
-        </p:nvCxnSpPr>
-        <p:spPr>
-          <a:xfrm rot="16200000" flipH="1">
-            <a:off x="7658579" y="3466636"/>
-            <a:ext cx="702190" cy="1213212"/>
-          </a:xfrm>
-          <a:prstGeom prst="bentConnector2">
-            <a:avLst/>
-          </a:prstGeom>
-          <a:ln w="63500">
-            <a:solidFill>
-              <a:srgbClr val="FF0000"/>
-            </a:solidFill>
-            <a:headEnd type="none"/>
-            <a:tailEnd type="triangle"/>
-          </a:ln>
-        </p:spPr>
-        <p:style>
-          <a:lnRef idx="1">
-            <a:schemeClr val="accent1"/>
-          </a:lnRef>
-          <a:fillRef idx="0">
-            <a:schemeClr val="accent1"/>
-          </a:fillRef>
-          <a:effectRef idx="0">
-            <a:schemeClr val="accent1"/>
-          </a:effectRef>
-          <a:fontRef idx="minor">
-            <a:schemeClr val="tx1"/>
-          </a:fontRef>
-        </p:style>
-      </p:cxnSp>
-      <p:cxnSp>
-        <p:nvCxnSpPr>
-          <p:cNvPr id="1027" name="コネクタ: カギ線 1026">
-            <a:extLst>
-              <a:ext uri="{FF2B5EF4-FFF2-40B4-BE49-F238E27FC236}">
-                <a16:creationId xmlns:a16="http://schemas.microsoft.com/office/drawing/2014/main" id="{33DBF6CB-A7DA-F327-CFFD-0231504CA766}"/>
-              </a:ext>
-            </a:extLst>
-          </p:cNvPr>
-          <p:cNvCxnSpPr>
-            <a:cxnSpLocks/>
-            <a:stCxn id="125" idx="2"/>
-            <a:endCxn id="118" idx="3"/>
-          </p:cNvCxnSpPr>
-          <p:nvPr/>
-        </p:nvCxnSpPr>
-        <p:spPr>
-          <a:xfrm rot="5400000">
-            <a:off x="5529888" y="2556327"/>
-            <a:ext cx="707361" cy="3039001"/>
-          </a:xfrm>
-          <a:prstGeom prst="bentConnector2">
-            <a:avLst/>
-          </a:prstGeom>
-          <a:ln w="63500">
-            <a:solidFill>
-              <a:srgbClr val="FF0000"/>
-            </a:solidFill>
-            <a:headEnd type="none"/>
-            <a:tailEnd type="triangle"/>
-          </a:ln>
-        </p:spPr>
-        <p:style>
-          <a:lnRef idx="1">
-            <a:schemeClr val="accent1"/>
-          </a:lnRef>
-          <a:fillRef idx="0">
-            <a:schemeClr val="accent1"/>
-          </a:fillRef>
-          <a:effectRef idx="0">
-            <a:schemeClr val="accent1"/>
-          </a:effectRef>
-          <a:fontRef idx="minor">
-            <a:schemeClr val="tx1"/>
-          </a:fontRef>
-        </p:style>
-      </p:cxnSp>
-      <p:cxnSp>
-        <p:nvCxnSpPr>
-          <p:cNvPr id="1031" name="コネクタ: カギ線 1030">
-            <a:extLst>
-              <a:ext uri="{FF2B5EF4-FFF2-40B4-BE49-F238E27FC236}">
-                <a16:creationId xmlns:a16="http://schemas.microsoft.com/office/drawing/2014/main" id="{0C307B0B-0111-7686-4426-65FB3E3BE7BE}"/>
-              </a:ext>
-            </a:extLst>
-          </p:cNvPr>
-          <p:cNvCxnSpPr>
-            <a:cxnSpLocks/>
-            <a:stCxn id="125" idx="0"/>
-          </p:cNvCxnSpPr>
-          <p:nvPr/>
-        </p:nvCxnSpPr>
-        <p:spPr>
-          <a:xfrm rot="5400000" flipH="1" flipV="1">
-            <a:off x="7885724" y="2391270"/>
-            <a:ext cx="247466" cy="1212779"/>
-          </a:xfrm>
-          <a:prstGeom prst="bentConnector2">
-            <a:avLst/>
-          </a:prstGeom>
-          <a:ln w="63500">
-            <a:solidFill>
-              <a:srgbClr val="FF0000"/>
-            </a:solidFill>
-            <a:headEnd type="none"/>
-            <a:tailEnd type="triangle"/>
-          </a:ln>
-        </p:spPr>
-        <p:style>
-          <a:lnRef idx="1">
-            <a:schemeClr val="accent1"/>
-          </a:lnRef>
-          <a:fillRef idx="0">
-            <a:schemeClr val="accent1"/>
-          </a:fillRef>
-          <a:effectRef idx="0">
-            <a:schemeClr val="accent1"/>
-          </a:effectRef>
-          <a:fontRef idx="minor">
-            <a:schemeClr val="tx1"/>
-          </a:fontRef>
-        </p:style>
-      </p:cxnSp>
-      <p:sp>
-        <p:nvSpPr>
-          <p:cNvPr id="1041" name="テキスト ボックス 1040">
-            <a:extLst>
-              <a:ext uri="{FF2B5EF4-FFF2-40B4-BE49-F238E27FC236}">
-                <a16:creationId xmlns:a16="http://schemas.microsoft.com/office/drawing/2014/main" id="{AAFD753B-E32A-4D4F-4862-CA2361DEB09E}"/>
+                <a16:creationId xmlns:a16="http://schemas.microsoft.com/office/drawing/2014/main" id="{D39C0FF8-6094-3C8C-BCD2-5118EED1D6F9}"/>
               </a:ext>
             </a:extLst>
           </p:cNvPr>
@@ -5018,7 +8715,7 @@
         </p:nvSpPr>
         <p:spPr>
           <a:xfrm>
-            <a:off x="8548129" y="1249623"/>
+            <a:off x="9976638" y="281672"/>
             <a:ext cx="1818323" cy="369332"/>
           </a:xfrm>
           <a:prstGeom prst="rect">
@@ -5045,10 +8742,10 @@
       </p:sp>
       <p:pic>
         <p:nvPicPr>
-          <p:cNvPr id="1053" name="Picture 5">
+          <p:cNvPr id="5" name="Picture 5">
             <a:extLst>
               <a:ext uri="{FF2B5EF4-FFF2-40B4-BE49-F238E27FC236}">
-                <a16:creationId xmlns:a16="http://schemas.microsoft.com/office/drawing/2014/main" id="{AF695F4C-4302-96C7-120D-8DC215631B1A}"/>
+                <a16:creationId xmlns:a16="http://schemas.microsoft.com/office/drawing/2014/main" id="{DA8C951C-B6FD-42B9-A338-EFF2E6E8DBB8}"/>
               </a:ext>
             </a:extLst>
           </p:cNvPr>
@@ -5058,7 +8755,7 @@
           <p:nvPr/>
         </p:nvPicPr>
         <p:blipFill rotWithShape="1">
-          <a:blip r:embed="rId17" cstate="print">
+          <a:blip r:embed="rId18" cstate="print">
             <a:extLst>
               <a:ext uri="{28A0092B-C50C-407E-A947-70E740481C1C}">
                 <a14:useLocalDpi xmlns:a14="http://schemas.microsoft.com/office/drawing/2010/main" val="0"/>
@@ -5070,7 +8767,7 @@
         </p:blipFill>
         <p:spPr bwMode="auto">
           <a:xfrm>
-            <a:off x="557303" y="815416"/>
+            <a:off x="5275324" y="44624"/>
             <a:ext cx="1954255" cy="838252"/>
           </a:xfrm>
           <a:prstGeom prst="rect">
@@ -5088,92 +8785,10 @@
           </a:extLst>
         </p:spPr>
       </p:pic>
-      <p:sp>
-        <p:nvSpPr>
-          <p:cNvPr id="1054" name="四角形: 角を丸くする 1053">
-            <a:extLst>
-              <a:ext uri="{FF2B5EF4-FFF2-40B4-BE49-F238E27FC236}">
-                <a16:creationId xmlns:a16="http://schemas.microsoft.com/office/drawing/2014/main" id="{70093055-6531-15EB-E490-E78FA291CCFC}"/>
-              </a:ext>
-            </a:extLst>
-          </p:cNvPr>
-          <p:cNvSpPr/>
-          <p:nvPr/>
-        </p:nvSpPr>
-        <p:spPr>
-          <a:xfrm>
-            <a:off x="10624584" y="3721075"/>
-            <a:ext cx="954279" cy="408057"/>
-          </a:xfrm>
-          <a:prstGeom prst="roundRect">
-            <a:avLst>
-              <a:gd name="adj" fmla="val 50000"/>
-            </a:avLst>
-          </a:prstGeom>
-          <a:solidFill>
-            <a:schemeClr val="bg1"/>
-          </a:solidFill>
-          <a:ln>
-            <a:solidFill>
-              <a:schemeClr val="tx1"/>
-            </a:solidFill>
-          </a:ln>
-          <a:effectLst>
-            <a:outerShdw blurRad="50800" dist="38100" dir="2700000" algn="tl" rotWithShape="0">
-              <a:prstClr val="black">
-                <a:alpha val="40000"/>
-              </a:prstClr>
-            </a:outerShdw>
-          </a:effectLst>
-        </p:spPr>
-        <p:style>
-          <a:lnRef idx="2">
-            <a:schemeClr val="accent3"/>
-          </a:lnRef>
-          <a:fillRef idx="1">
-            <a:schemeClr val="lt1"/>
-          </a:fillRef>
-          <a:effectRef idx="0">
-            <a:schemeClr val="accent3"/>
-          </a:effectRef>
-          <a:fontRef idx="minor">
-            <a:schemeClr val="dk1"/>
-          </a:fontRef>
-        </p:style>
-        <p:txBody>
-          <a:bodyPr rtlCol="0" anchor="ctr"/>
-          <a:lstStyle/>
-          <a:p>
-            <a:pPr algn="ctr">
-              <a:lnSpc>
-                <a:spcPct val="130000"/>
-              </a:lnSpc>
-              <a:spcAft>
-                <a:spcPts val="600"/>
-              </a:spcAft>
-            </a:pPr>
-            <a:r>
-              <a:rPr kumimoji="1" lang="en-US" altLang="ja-JP" sz="1200" dirty="0">
-                <a:solidFill>
-                  <a:schemeClr val="tx1"/>
-                </a:solidFill>
-                <a:latin typeface="+mn-ea"/>
-              </a:rPr>
-              <a:t>VR</a:t>
-            </a:r>
-            <a:endParaRPr kumimoji="1" lang="ja-JP" altLang="en-US" sz="1200" dirty="0">
-              <a:solidFill>
-                <a:schemeClr val="tx1"/>
-              </a:solidFill>
-              <a:latin typeface="+mn-ea"/>
-            </a:endParaRPr>
-          </a:p>
-        </p:txBody>
-      </p:sp>
     </p:spTree>
     <p:extLst>
       <p:ext uri="{BB962C8B-B14F-4D97-AF65-F5344CB8AC3E}">
-        <p14:creationId xmlns:p14="http://schemas.microsoft.com/office/powerpoint/2010/main" val="3134659741"/>
+        <p14:creationId xmlns:p14="http://schemas.microsoft.com/office/powerpoint/2010/main" val="1289933190"/>
       </p:ext>
     </p:extLst>
   </p:cSld>

--- a/プロジェクトCDE/プロジェクトCDE.pptx
+++ b/プロジェクトCDE/プロジェクトCDE.pptx
@@ -215,7 +215,7 @@
           <a:p>
             <a:fld id="{CA49738D-D75D-40B1-BF46-FC9ACBB15E75}" type="datetimeFigureOut">
               <a:rPr kumimoji="1" lang="ja-JP" altLang="en-US" smtClean="0"/>
-              <a:t>2025/12/1</a:t>
+              <a:t>2025/12/12</a:t>
             </a:fld>
             <a:endParaRPr kumimoji="1" lang="ja-JP" altLang="en-US"/>
           </a:p>
@@ -1398,7 +1398,7 @@
             <a:fld id="{B61BEF0D-F0BB-DE4B-95CE-6DB70DBA9567}" type="datetimeFigureOut">
               <a:rPr lang="en-US" smtClean="0"/>
               <a:pPr/>
-              <a:t>12/1/2025</a:t>
+              <a:t>12/12/2025</a:t>
             </a:fld>
             <a:endParaRPr lang="en-US" dirty="0"/>
           </a:p>
@@ -1944,7 +1944,7 @@
         </p:nvSpPr>
         <p:spPr>
           <a:xfrm>
-            <a:off x="335360" y="673296"/>
+            <a:off x="233484" y="673296"/>
             <a:ext cx="10345069" cy="5683282"/>
           </a:xfrm>
           <a:prstGeom prst="cloud">
@@ -2004,7 +2004,7 @@
         </p:nvSpPr>
         <p:spPr>
           <a:xfrm>
-            <a:off x="449049" y="127282"/>
+            <a:off x="347173" y="127282"/>
             <a:ext cx="4156364" cy="584775"/>
           </a:xfrm>
           <a:prstGeom prst="rect">
@@ -2044,35 +2044,7 @@
                 <a:latin typeface="ＭＳ ゴシック" panose="020B0609070205080204" pitchFamily="49" charset="-128"/>
                 <a:ea typeface="ＭＳ ゴシック" panose="020B0609070205080204" pitchFamily="49" charset="-128"/>
               </a:rPr>
-              <a:t>ﾌﾟﾛｼﾞｪｸﾄ</a:t>
-            </a:r>
-            <a:r>
-              <a:rPr lang="en-US" altLang="ja-JP" sz="3200" b="1" i="0" u="sng" strike="noStrike" dirty="0">
-                <a:solidFill>
-                  <a:srgbClr val="00B0F0"/>
-                </a:solidFill>
-                <a:effectLst/>
-                <a:highlight>
-                  <a:srgbClr val="FFFFFF"/>
-                </a:highlight>
-                <a:latin typeface="ＭＳ ゴシック" panose="020B0609070205080204" pitchFamily="49" charset="-128"/>
-                <a:ea typeface="ＭＳ ゴシック" panose="020B0609070205080204" pitchFamily="49" charset="-128"/>
-              </a:rPr>
-              <a:t>CED</a:t>
-            </a:r>
-            <a:r>
-              <a:rPr lang="ja-JP" altLang="en-US" sz="3200" b="1" i="0" u="sng" strike="noStrike" dirty="0">
-                <a:solidFill>
-                  <a:srgbClr val="00B0F0"/>
-                </a:solidFill>
-                <a:effectLst/>
-                <a:highlight>
-                  <a:srgbClr val="FFFFFF"/>
-                </a:highlight>
-                <a:latin typeface="ＭＳ ゴシック" panose="020B0609070205080204" pitchFamily="49" charset="-128"/>
-                <a:ea typeface="ＭＳ ゴシック" panose="020B0609070205080204" pitchFamily="49" charset="-128"/>
-              </a:rPr>
-              <a:t>基盤</a:t>
+              <a:t>事業管理基盤</a:t>
             </a:r>
             <a:r>
               <a:rPr lang="en-US" altLang="ja-JP" sz="3200" b="1" i="0" u="sng" strike="noStrike" dirty="0">
@@ -2114,14 +2086,14 @@
           <p:cNvCxnSpPr>
             <a:cxnSpLocks/>
             <a:stCxn id="26" idx="1"/>
-            <a:endCxn id="36" idx="2"/>
+            <a:endCxn id="29" idx="2"/>
           </p:cNvCxnSpPr>
           <p:nvPr/>
         </p:nvCxnSpPr>
         <p:spPr>
           <a:xfrm rot="10800000">
-            <a:off x="6434589" y="1907218"/>
-            <a:ext cx="2425555" cy="727443"/>
+            <a:off x="5442822" y="1910720"/>
+            <a:ext cx="3315444" cy="723940"/>
           </a:xfrm>
           <a:prstGeom prst="bentConnector2">
             <a:avLst/>
@@ -2161,14 +2133,14 @@
           <p:cNvCxnSpPr>
             <a:cxnSpLocks/>
             <a:stCxn id="1037" idx="3"/>
-            <a:endCxn id="36" idx="2"/>
+            <a:endCxn id="29" idx="2"/>
           </p:cNvCxnSpPr>
           <p:nvPr/>
         </p:nvCxnSpPr>
         <p:spPr>
           <a:xfrm flipV="1">
-            <a:off x="4106596" y="1907217"/>
-            <a:ext cx="2327992" cy="718722"/>
+            <a:off x="4004720" y="1910720"/>
+            <a:ext cx="1438102" cy="715219"/>
           </a:xfrm>
           <a:prstGeom prst="bentConnector2">
             <a:avLst/>
@@ -2208,14 +2180,14 @@
           <p:cNvCxnSpPr>
             <a:cxnSpLocks/>
             <a:stCxn id="71" idx="3"/>
-            <a:endCxn id="36" idx="2"/>
+            <a:endCxn id="29" idx="2"/>
           </p:cNvCxnSpPr>
           <p:nvPr/>
         </p:nvCxnSpPr>
         <p:spPr>
           <a:xfrm flipV="1">
-            <a:off x="4384557" y="1907217"/>
-            <a:ext cx="2050031" cy="3530070"/>
+            <a:off x="4282681" y="1910720"/>
+            <a:ext cx="1160141" cy="3526567"/>
           </a:xfrm>
           <a:prstGeom prst="bentConnector2">
             <a:avLst/>
@@ -2257,7 +2229,7 @@
         </p:nvGrpSpPr>
         <p:grpSpPr>
           <a:xfrm>
-            <a:off x="4356406" y="317637"/>
+            <a:off x="4254530" y="317637"/>
             <a:ext cx="4156364" cy="1589580"/>
             <a:chOff x="4249281" y="1184900"/>
             <a:chExt cx="4156364" cy="1589580"/>
@@ -2747,7 +2719,7 @@
         </p:nvCxnSpPr>
         <p:spPr>
           <a:xfrm rot="16200000" flipH="1">
-            <a:off x="2203225" y="3748922"/>
+            <a:off x="2101349" y="3748922"/>
             <a:ext cx="820946" cy="37086"/>
           </a:xfrm>
           <a:prstGeom prst="bentConnector3">
@@ -2795,9 +2767,9 @@
           <p:nvPr/>
         </p:nvCxnSpPr>
         <p:spPr>
-          <a:xfrm rot="16200000" flipV="1">
-            <a:off x="9690894" y="3550655"/>
-            <a:ext cx="862788" cy="1979"/>
+          <a:xfrm rot="5400000" flipH="1" flipV="1">
+            <a:off x="8689714" y="2653332"/>
+            <a:ext cx="862788" cy="1796626"/>
           </a:xfrm>
           <a:prstGeom prst="bentConnector3">
             <a:avLst>
@@ -2827,190 +2799,6 @@
           </a:fontRef>
         </p:style>
       </p:cxnSp>
-      <p:grpSp>
-        <p:nvGrpSpPr>
-          <p:cNvPr id="33" name="グループ化 32">
-            <a:extLst>
-              <a:ext uri="{FF2B5EF4-FFF2-40B4-BE49-F238E27FC236}">
-                <a16:creationId xmlns:a16="http://schemas.microsoft.com/office/drawing/2014/main" id="{4EABFFD1-34AF-1478-0383-4BE935FA5516}"/>
-              </a:ext>
-            </a:extLst>
-          </p:cNvPr>
-          <p:cNvGrpSpPr/>
-          <p:nvPr/>
-        </p:nvGrpSpPr>
-        <p:grpSpPr>
-          <a:xfrm>
-            <a:off x="8860578" y="3983039"/>
-            <a:ext cx="2525398" cy="2646956"/>
-            <a:chOff x="9127236" y="3718951"/>
-            <a:chExt cx="2525398" cy="2646956"/>
-          </a:xfrm>
-        </p:grpSpPr>
-        <p:pic>
-          <p:nvPicPr>
-            <p:cNvPr id="1028" name="Picture 4" descr="見出し画像">
-              <a:extLst>
-                <a:ext uri="{FF2B5EF4-FFF2-40B4-BE49-F238E27FC236}">
-                  <a16:creationId xmlns:a16="http://schemas.microsoft.com/office/drawing/2014/main" id="{153DCA27-C9E4-74BD-45FC-7B2FDA83B358}"/>
-                </a:ext>
-              </a:extLst>
-            </p:cNvPr>
-            <p:cNvPicPr>
-              <a:picLocks noChangeAspect="1" noChangeArrowheads="1"/>
-            </p:cNvPicPr>
-            <p:nvPr/>
-          </p:nvPicPr>
-          <p:blipFill rotWithShape="1">
-            <a:blip r:embed="rId4" cstate="print">
-              <a:extLst>
-                <a:ext uri="{28A0092B-C50C-407E-A947-70E740481C1C}">
-                  <a14:useLocalDpi xmlns:a14="http://schemas.microsoft.com/office/drawing/2010/main" val="0"/>
-                </a:ext>
-              </a:extLst>
-            </a:blip>
-            <a:srcRect l="12024" t="22307" r="9289" b="22840"/>
-            <a:stretch>
-              <a:fillRect/>
-            </a:stretch>
-          </p:blipFill>
-          <p:spPr bwMode="auto">
-            <a:xfrm>
-              <a:off x="9127236" y="3718951"/>
-              <a:ext cx="2525397" cy="882596"/>
-            </a:xfrm>
-            <a:prstGeom prst="rect">
-              <a:avLst/>
-            </a:prstGeom>
-            <a:noFill/>
-            <a:extLst>
-              <a:ext uri="{909E8E84-426E-40DD-AFC4-6F175D3DCCD1}">
-                <a14:hiddenFill xmlns:a14="http://schemas.microsoft.com/office/drawing/2010/main">
-                  <a:solidFill>
-                    <a:srgbClr val="FFFFFF"/>
-                  </a:solidFill>
-                </a14:hiddenFill>
-              </a:ext>
-            </a:extLst>
-          </p:spPr>
-        </p:pic>
-        <p:sp>
-          <p:nvSpPr>
-            <p:cNvPr id="15" name="テキスト ボックス 14">
-              <a:extLst>
-                <a:ext uri="{FF2B5EF4-FFF2-40B4-BE49-F238E27FC236}">
-                  <a16:creationId xmlns:a16="http://schemas.microsoft.com/office/drawing/2014/main" id="{0A54FFC3-DC37-31B8-6764-36A6515003A8}"/>
-                </a:ext>
-              </a:extLst>
-            </p:cNvPr>
-            <p:cNvSpPr txBox="1"/>
-            <p:nvPr/>
-          </p:nvSpPr>
-          <p:spPr>
-            <a:xfrm>
-              <a:off x="9127236" y="5719576"/>
-              <a:ext cx="2525397" cy="646331"/>
-            </a:xfrm>
-            <a:prstGeom prst="rect">
-              <a:avLst/>
-            </a:prstGeom>
-            <a:solidFill>
-              <a:schemeClr val="bg1"/>
-            </a:solidFill>
-          </p:spPr>
-          <p:txBody>
-            <a:bodyPr wrap="square" rtlCol="0" anchor="ctr">
-              <a:spAutoFit/>
-            </a:bodyPr>
-            <a:lstStyle/>
-            <a:p>
-              <a:pPr algn="ctr"/>
-              <a:r>
-                <a:rPr kumimoji="1" lang="en-US" altLang="ja-JP" dirty="0"/>
-                <a:t>3DTILES</a:t>
-              </a:r>
-              <a:r>
-                <a:rPr kumimoji="1" lang="ja-JP" altLang="en-US" dirty="0"/>
-                <a:t>による</a:t>
-              </a:r>
-              <a:endParaRPr kumimoji="1" lang="en-US" altLang="ja-JP" dirty="0"/>
-            </a:p>
-            <a:p>
-              <a:pPr algn="ctr"/>
-              <a:r>
-                <a:rPr kumimoji="1" lang="ja-JP" altLang="en-US" dirty="0"/>
-                <a:t>可視化に特化</a:t>
-              </a:r>
-              <a:endParaRPr kumimoji="1" lang="en-US" altLang="ja-JP" dirty="0"/>
-            </a:p>
-          </p:txBody>
-        </p:sp>
-        <p:pic>
-          <p:nvPicPr>
-            <p:cNvPr id="18" name="図 17">
-              <a:extLst>
-                <a:ext uri="{FF2B5EF4-FFF2-40B4-BE49-F238E27FC236}">
-                  <a16:creationId xmlns:a16="http://schemas.microsoft.com/office/drawing/2014/main" id="{D13E0A89-4CFF-25C6-CB01-E739D8A8EC90}"/>
-                </a:ext>
-              </a:extLst>
-            </p:cNvPr>
-            <p:cNvPicPr>
-              <a:picLocks noChangeAspect="1"/>
-            </p:cNvPicPr>
-            <p:nvPr/>
-          </p:nvPicPr>
-          <p:blipFill>
-            <a:blip r:embed="rId5"/>
-            <a:stretch>
-              <a:fillRect/>
-            </a:stretch>
-          </p:blipFill>
-          <p:spPr>
-            <a:xfrm>
-              <a:off x="10698355" y="4601547"/>
-              <a:ext cx="954279" cy="1114917"/>
-            </a:xfrm>
-            <a:prstGeom prst="rect">
-              <a:avLst/>
-            </a:prstGeom>
-          </p:spPr>
-        </p:pic>
-        <p:pic>
-          <p:nvPicPr>
-            <p:cNvPr id="32" name="図 31">
-              <a:extLst>
-                <a:ext uri="{FF2B5EF4-FFF2-40B4-BE49-F238E27FC236}">
-                  <a16:creationId xmlns:a16="http://schemas.microsoft.com/office/drawing/2014/main" id="{A9157FB9-D7D9-08C6-8031-F06F56ECD85A}"/>
-                </a:ext>
-              </a:extLst>
-            </p:cNvPr>
-            <p:cNvPicPr>
-              <a:picLocks noChangeAspect="1"/>
-            </p:cNvPicPr>
-            <p:nvPr/>
-          </p:nvPicPr>
-          <p:blipFill>
-            <a:blip r:embed="rId6"/>
-            <a:stretch>
-              <a:fillRect/>
-            </a:stretch>
-          </p:blipFill>
-          <p:spPr>
-            <a:xfrm>
-              <a:off x="9127237" y="4603103"/>
-              <a:ext cx="950931" cy="1140189"/>
-            </a:xfrm>
-            <a:prstGeom prst="rect">
-              <a:avLst/>
-            </a:prstGeom>
-            <a:ln w="44450">
-              <a:solidFill>
-                <a:srgbClr val="00B0F0"/>
-              </a:solidFill>
-            </a:ln>
-          </p:spPr>
-        </p:pic>
-      </p:grpSp>
       <p:cxnSp>
         <p:nvCxnSpPr>
           <p:cNvPr id="48" name="コネクタ: カギ線 47">
@@ -3029,8 +2817,8 @@
         </p:nvCxnSpPr>
         <p:spPr>
           <a:xfrm flipV="1">
-            <a:off x="4374290" y="5437286"/>
-            <a:ext cx="4486289" cy="374077"/>
+            <a:off x="4272414" y="5437286"/>
+            <a:ext cx="2687683" cy="374077"/>
           </a:xfrm>
           <a:prstGeom prst="bentConnector3">
             <a:avLst>
@@ -3074,7 +2862,7 @@
         </p:nvSpPr>
         <p:spPr>
           <a:xfrm>
-            <a:off x="2748145" y="3430741"/>
+            <a:off x="2646269" y="3430741"/>
             <a:ext cx="2743709" cy="646331"/>
           </a:xfrm>
           <a:prstGeom prst="rect">
@@ -3124,8 +2912,8 @@
         </p:nvSpPr>
         <p:spPr>
           <a:xfrm>
-            <a:off x="4695804" y="5878102"/>
-            <a:ext cx="3411645" cy="369332"/>
+            <a:off x="4545435" y="5899305"/>
+            <a:ext cx="2142017" cy="369332"/>
           </a:xfrm>
           <a:prstGeom prst="rect">
             <a:avLst/>
@@ -3145,19 +2933,6 @@
               <a:rPr kumimoji="1" lang="en-US" altLang="ja-JP" dirty="0"/>
               <a:t>GEOJSON/XYZ</a:t>
             </a:r>
-            <a:r>
-              <a:rPr kumimoji="1" lang="ja-JP" altLang="en-US" dirty="0"/>
-              <a:t>（高速化</a:t>
-            </a:r>
-            <a:r>
-              <a:rPr kumimoji="1" lang="en-US" altLang="ja-JP" dirty="0"/>
-              <a:t>96DPI</a:t>
-            </a:r>
-            <a:r>
-              <a:rPr kumimoji="1" lang="ja-JP" altLang="en-US" dirty="0"/>
-              <a:t>）</a:t>
-            </a:r>
-            <a:endParaRPr kumimoji="1" lang="en-US" altLang="ja-JP" dirty="0"/>
           </a:p>
         </p:txBody>
       </p:sp>
@@ -3176,14 +2951,14 @@
           <p:nvPr/>
         </p:nvPicPr>
         <p:blipFill>
-          <a:blip r:embed="rId7"/>
+          <a:blip r:embed="rId4"/>
           <a:stretch>
             <a:fillRect/>
           </a:stretch>
         </p:blipFill>
         <p:spPr>
           <a:xfrm>
-            <a:off x="2650477" y="782154"/>
+            <a:off x="2548601" y="782154"/>
             <a:ext cx="1070055" cy="579885"/>
           </a:xfrm>
           <a:prstGeom prst="rect">
@@ -3210,7 +2985,7 @@
         </p:nvGrpSpPr>
         <p:grpSpPr>
           <a:xfrm>
-            <a:off x="786470" y="3928256"/>
+            <a:off x="684594" y="3928256"/>
             <a:ext cx="4130392" cy="2768379"/>
             <a:chOff x="786470" y="3928256"/>
             <a:chExt cx="4130392" cy="2768379"/>
@@ -3468,10 +3243,10 @@
               <p:nvPr/>
             </p:nvPicPr>
             <p:blipFill>
-              <a:blip r:embed="rId8">
+              <a:blip r:embed="rId5">
                 <a:extLst>
                   <a:ext uri="{96DAC541-7B7A-43D3-8B79-37D633B846F1}">
-                    <asvg:svgBlip xmlns:asvg="http://schemas.microsoft.com/office/drawing/2016/SVG/main" r:embed="rId9"/>
+                    <asvg:svgBlip xmlns:asvg="http://schemas.microsoft.com/office/drawing/2016/SVG/main" r:embed="rId6"/>
                   </a:ext>
                 </a:extLst>
               </a:blip>
@@ -3697,7 +3472,7 @@
             <p:nvPr/>
           </p:nvPicPr>
           <p:blipFill>
-            <a:blip r:embed="rId10"/>
+            <a:blip r:embed="rId7"/>
             <a:stretch>
               <a:fillRect/>
             </a:stretch>
@@ -3727,7 +3502,7 @@
             <p:nvPr/>
           </p:nvPicPr>
           <p:blipFill>
-            <a:blip r:embed="rId11">
+            <a:blip r:embed="rId8">
               <a:extLst>
                 <a:ext uri="{28A0092B-C50C-407E-A947-70E740481C1C}">
                   <a14:useLocalDpi xmlns:a14="http://schemas.microsoft.com/office/drawing/2010/main" val="0"/>
@@ -3774,10 +3549,10 @@
         </p:nvGrpSpPr>
         <p:grpSpPr>
           <a:xfrm>
-            <a:off x="6708360" y="3121392"/>
-            <a:ext cx="1878011" cy="600755"/>
-            <a:chOff x="4662156" y="4181974"/>
-            <a:chExt cx="2440857" cy="600755"/>
+            <a:off x="5617594" y="3019705"/>
+            <a:ext cx="1734532" cy="931254"/>
+            <a:chOff x="4662156" y="4155696"/>
+            <a:chExt cx="2440857" cy="646331"/>
           </a:xfrm>
         </p:grpSpPr>
         <p:sp>
@@ -4011,15 +3786,13 @@
           </p:nvSpPr>
           <p:spPr>
             <a:xfrm>
-              <a:off x="4950051" y="4294195"/>
-              <a:ext cx="1751719" cy="369332"/>
+              <a:off x="4950051" y="4155696"/>
+              <a:ext cx="1751719" cy="646331"/>
             </a:xfrm>
             <a:prstGeom prst="rect">
               <a:avLst/>
             </a:prstGeom>
-            <a:solidFill>
-              <a:schemeClr val="bg1"/>
-            </a:solidFill>
+            <a:noFill/>
           </p:spPr>
           <p:txBody>
             <a:bodyPr wrap="square" rtlCol="0" anchor="ctr">
@@ -4030,7 +3803,15 @@
               <a:pPr algn="ctr"/>
               <a:r>
                 <a:rPr kumimoji="1" lang="ja-JP" altLang="en-US" dirty="0"/>
-                <a:t>点群データ</a:t>
+                <a:t>点群</a:t>
+              </a:r>
+              <a:endParaRPr kumimoji="1" lang="en-US" altLang="ja-JP" dirty="0"/>
+            </a:p>
+            <a:p>
+              <a:pPr algn="ctr"/>
+              <a:r>
+                <a:rPr kumimoji="1" lang="ja-JP" altLang="en-US" dirty="0"/>
+                <a:t>データ</a:t>
               </a:r>
             </a:p>
           </p:txBody>
@@ -4054,8 +3835,8 @@
         </p:nvCxnSpPr>
         <p:spPr>
           <a:xfrm rot="16200000" flipH="1">
-            <a:off x="7902877" y="3466636"/>
-            <a:ext cx="702190" cy="1213212"/>
+            <a:off x="6471887" y="3936127"/>
+            <a:ext cx="501183" cy="475236"/>
           </a:xfrm>
           <a:prstGeom prst="bentConnector2">
             <a:avLst/>
@@ -4101,8 +3882,8 @@
         </p:nvCxnSpPr>
         <p:spPr>
           <a:xfrm rot="5400000">
-            <a:off x="5774186" y="2556327"/>
-            <a:ext cx="707361" cy="3039001"/>
+            <a:off x="5242498" y="3187146"/>
+            <a:ext cx="506354" cy="1978371"/>
           </a:xfrm>
           <a:prstGeom prst="bentConnector2">
             <a:avLst/>
@@ -4147,8 +3928,8 @@
         </p:nvCxnSpPr>
         <p:spPr>
           <a:xfrm rot="5400000" flipH="1" flipV="1">
-            <a:off x="8130022" y="2391270"/>
-            <a:ext cx="247466" cy="1212779"/>
+            <a:off x="7525573" y="1806692"/>
+            <a:ext cx="210163" cy="2291588"/>
           </a:xfrm>
           <a:prstGeom prst="bentConnector2">
             <a:avLst/>
@@ -4190,7 +3971,7 @@
         </p:nvSpPr>
         <p:spPr>
           <a:xfrm>
-            <a:off x="2327080" y="1449134"/>
+            <a:off x="2225204" y="1449134"/>
             <a:ext cx="1818323" cy="369332"/>
           </a:xfrm>
           <a:prstGeom prst="rect">
@@ -4230,7 +4011,7 @@
           <p:nvPr/>
         </p:nvPicPr>
         <p:blipFill rotWithShape="1">
-          <a:blip r:embed="rId12" cstate="print">
+          <a:blip r:embed="rId9" cstate="print">
             <a:extLst>
               <a:ext uri="{28A0092B-C50C-407E-A947-70E740481C1C}">
                 <a14:useLocalDpi xmlns:a14="http://schemas.microsoft.com/office/drawing/2010/main" val="0"/>
@@ -4242,7 +4023,7 @@
         </p:blipFill>
         <p:spPr bwMode="auto">
           <a:xfrm>
-            <a:off x="372825" y="771136"/>
+            <a:off x="270949" y="771136"/>
             <a:ext cx="1954255" cy="838252"/>
           </a:xfrm>
           <a:prstGeom prst="rect">
@@ -4260,88 +4041,291 @@
           </a:extLst>
         </p:spPr>
       </p:pic>
-      <p:sp>
-        <p:nvSpPr>
-          <p:cNvPr id="1054" name="四角形: 角を丸くする 1053">
+      <p:grpSp>
+        <p:nvGrpSpPr>
+          <p:cNvPr id="13" name="グループ化 12">
             <a:extLst>
               <a:ext uri="{FF2B5EF4-FFF2-40B4-BE49-F238E27FC236}">
-                <a16:creationId xmlns:a16="http://schemas.microsoft.com/office/drawing/2014/main" id="{70093055-6531-15EB-E490-E78FA291CCFC}"/>
+                <a16:creationId xmlns:a16="http://schemas.microsoft.com/office/drawing/2014/main" id="{C2664EAE-D21A-5545-3139-8ABF84D19214}"/>
               </a:ext>
             </a:extLst>
           </p:cNvPr>
-          <p:cNvSpPr/>
+          <p:cNvGrpSpPr/>
           <p:nvPr/>
-        </p:nvSpPr>
-        <p:spPr>
+        </p:nvGrpSpPr>
+        <p:grpSpPr>
           <a:xfrm>
-            <a:off x="10868882" y="3721075"/>
-            <a:ext cx="954279" cy="408057"/>
+            <a:off x="6960096" y="3811090"/>
+            <a:ext cx="2654596" cy="2818905"/>
+            <a:chOff x="8860578" y="3811090"/>
+            <a:chExt cx="2654596" cy="2818905"/>
           </a:xfrm>
-          <a:prstGeom prst="roundRect">
-            <a:avLst>
-              <a:gd name="adj" fmla="val 50000"/>
-            </a:avLst>
-          </a:prstGeom>
-          <a:solidFill>
-            <a:schemeClr val="bg1"/>
-          </a:solidFill>
-          <a:ln>
+        </p:grpSpPr>
+        <p:grpSp>
+          <p:nvGrpSpPr>
+            <p:cNvPr id="33" name="グループ化 32">
+              <a:extLst>
+                <a:ext uri="{FF2B5EF4-FFF2-40B4-BE49-F238E27FC236}">
+                  <a16:creationId xmlns:a16="http://schemas.microsoft.com/office/drawing/2014/main" id="{4EABFFD1-34AF-1478-0383-4BE935FA5516}"/>
+                </a:ext>
+              </a:extLst>
+            </p:cNvPr>
+            <p:cNvGrpSpPr/>
+            <p:nvPr/>
+          </p:nvGrpSpPr>
+          <p:grpSpPr>
+            <a:xfrm>
+              <a:off x="8860578" y="3983039"/>
+              <a:ext cx="2525398" cy="2646956"/>
+              <a:chOff x="9127236" y="3718951"/>
+              <a:chExt cx="2525398" cy="2646956"/>
+            </a:xfrm>
+          </p:grpSpPr>
+          <p:pic>
+            <p:nvPicPr>
+              <p:cNvPr id="1028" name="Picture 4" descr="見出し画像">
+                <a:extLst>
+                  <a:ext uri="{FF2B5EF4-FFF2-40B4-BE49-F238E27FC236}">
+                    <a16:creationId xmlns:a16="http://schemas.microsoft.com/office/drawing/2014/main" id="{153DCA27-C9E4-74BD-45FC-7B2FDA83B358}"/>
+                  </a:ext>
+                </a:extLst>
+              </p:cNvPr>
+              <p:cNvPicPr>
+                <a:picLocks noChangeAspect="1" noChangeArrowheads="1"/>
+              </p:cNvPicPr>
+              <p:nvPr/>
+            </p:nvPicPr>
+            <p:blipFill rotWithShape="1">
+              <a:blip r:embed="rId10" cstate="print">
+                <a:extLst>
+                  <a:ext uri="{28A0092B-C50C-407E-A947-70E740481C1C}">
+                    <a14:useLocalDpi xmlns:a14="http://schemas.microsoft.com/office/drawing/2010/main" val="0"/>
+                  </a:ext>
+                </a:extLst>
+              </a:blip>
+              <a:srcRect l="12024" t="22307" r="9289" b="22840"/>
+              <a:stretch>
+                <a:fillRect/>
+              </a:stretch>
+            </p:blipFill>
+            <p:spPr bwMode="auto">
+              <a:xfrm>
+                <a:off x="9127236" y="3718951"/>
+                <a:ext cx="2525397" cy="882596"/>
+              </a:xfrm>
+              <a:prstGeom prst="rect">
+                <a:avLst/>
+              </a:prstGeom>
+              <a:noFill/>
+              <a:extLst>
+                <a:ext uri="{909E8E84-426E-40DD-AFC4-6F175D3DCCD1}">
+                  <a14:hiddenFill xmlns:a14="http://schemas.microsoft.com/office/drawing/2010/main">
+                    <a:solidFill>
+                      <a:srgbClr val="FFFFFF"/>
+                    </a:solidFill>
+                  </a14:hiddenFill>
+                </a:ext>
+              </a:extLst>
+            </p:spPr>
+          </p:pic>
+          <p:pic>
+            <p:nvPicPr>
+              <p:cNvPr id="18" name="図 17">
+                <a:extLst>
+                  <a:ext uri="{FF2B5EF4-FFF2-40B4-BE49-F238E27FC236}">
+                    <a16:creationId xmlns:a16="http://schemas.microsoft.com/office/drawing/2014/main" id="{D13E0A89-4CFF-25C6-CB01-E739D8A8EC90}"/>
+                  </a:ext>
+                </a:extLst>
+              </p:cNvPr>
+              <p:cNvPicPr>
+                <a:picLocks noChangeAspect="1"/>
+              </p:cNvPicPr>
+              <p:nvPr/>
+            </p:nvPicPr>
+            <p:blipFill>
+              <a:blip r:embed="rId11"/>
+              <a:stretch>
+                <a:fillRect/>
+              </a:stretch>
+            </p:blipFill>
+            <p:spPr>
+              <a:xfrm>
+                <a:off x="10698355" y="4601547"/>
+                <a:ext cx="954279" cy="1114917"/>
+              </a:xfrm>
+              <a:prstGeom prst="rect">
+                <a:avLst/>
+              </a:prstGeom>
+            </p:spPr>
+          </p:pic>
+          <p:pic>
+            <p:nvPicPr>
+              <p:cNvPr id="32" name="図 31">
+                <a:extLst>
+                  <a:ext uri="{FF2B5EF4-FFF2-40B4-BE49-F238E27FC236}">
+                    <a16:creationId xmlns:a16="http://schemas.microsoft.com/office/drawing/2014/main" id="{A9157FB9-D7D9-08C6-8031-F06F56ECD85A}"/>
+                  </a:ext>
+                </a:extLst>
+              </p:cNvPr>
+              <p:cNvPicPr>
+                <a:picLocks noChangeAspect="1"/>
+              </p:cNvPicPr>
+              <p:nvPr/>
+            </p:nvPicPr>
+            <p:blipFill>
+              <a:blip r:embed="rId12"/>
+              <a:stretch>
+                <a:fillRect/>
+              </a:stretch>
+            </p:blipFill>
+            <p:spPr>
+              <a:xfrm>
+                <a:off x="9127237" y="4603103"/>
+                <a:ext cx="950931" cy="1140189"/>
+              </a:xfrm>
+              <a:prstGeom prst="rect">
+                <a:avLst/>
+              </a:prstGeom>
+              <a:ln w="44450">
+                <a:solidFill>
+                  <a:srgbClr val="00B0F0"/>
+                </a:solidFill>
+              </a:ln>
+            </p:spPr>
+          </p:pic>
+          <p:sp>
+            <p:nvSpPr>
+              <p:cNvPr id="15" name="テキスト ボックス 14">
+                <a:extLst>
+                  <a:ext uri="{FF2B5EF4-FFF2-40B4-BE49-F238E27FC236}">
+                    <a16:creationId xmlns:a16="http://schemas.microsoft.com/office/drawing/2014/main" id="{0A54FFC3-DC37-31B8-6764-36A6515003A8}"/>
+                  </a:ext>
+                </a:extLst>
+              </p:cNvPr>
+              <p:cNvSpPr txBox="1"/>
+              <p:nvPr/>
+            </p:nvSpPr>
+            <p:spPr>
+              <a:xfrm>
+                <a:off x="9127236" y="5719576"/>
+                <a:ext cx="2525397" cy="646331"/>
+              </a:xfrm>
+              <a:prstGeom prst="rect">
+                <a:avLst/>
+              </a:prstGeom>
+              <a:noFill/>
+            </p:spPr>
+            <p:txBody>
+              <a:bodyPr wrap="square" rtlCol="0" anchor="ctr">
+                <a:spAutoFit/>
+              </a:bodyPr>
+              <a:lstStyle/>
+              <a:p>
+                <a:pPr algn="ctr"/>
+                <a:r>
+                  <a:rPr kumimoji="1" lang="en-US" altLang="ja-JP" dirty="0"/>
+                  <a:t>3DTILES</a:t>
+                </a:r>
+                <a:r>
+                  <a:rPr kumimoji="1" lang="ja-JP" altLang="en-US" dirty="0"/>
+                  <a:t>による</a:t>
+                </a:r>
+                <a:endParaRPr kumimoji="1" lang="en-US" altLang="ja-JP" dirty="0"/>
+              </a:p>
+              <a:p>
+                <a:pPr algn="ctr"/>
+                <a:r>
+                  <a:rPr kumimoji="1" lang="ja-JP" altLang="en-US" dirty="0"/>
+                  <a:t>可視化に特化</a:t>
+                </a:r>
+                <a:endParaRPr kumimoji="1" lang="en-US" altLang="ja-JP" dirty="0"/>
+              </a:p>
+            </p:txBody>
+          </p:sp>
+        </p:grpSp>
+        <p:sp>
+          <p:nvSpPr>
+            <p:cNvPr id="1054" name="四角形: 角を丸くする 1053">
+              <a:extLst>
+                <a:ext uri="{FF2B5EF4-FFF2-40B4-BE49-F238E27FC236}">
+                  <a16:creationId xmlns:a16="http://schemas.microsoft.com/office/drawing/2014/main" id="{70093055-6531-15EB-E490-E78FA291CCFC}"/>
+                </a:ext>
+              </a:extLst>
+            </p:cNvPr>
+            <p:cNvSpPr/>
+            <p:nvPr/>
+          </p:nvSpPr>
+          <p:spPr>
+            <a:xfrm>
+              <a:off x="10560895" y="3811090"/>
+              <a:ext cx="954279" cy="408057"/>
+            </a:xfrm>
+            <a:prstGeom prst="roundRect">
+              <a:avLst>
+                <a:gd name="adj" fmla="val 50000"/>
+              </a:avLst>
+            </a:prstGeom>
             <a:solidFill>
-              <a:schemeClr val="tx1"/>
+              <a:schemeClr val="bg1"/>
             </a:solidFill>
-          </a:ln>
-          <a:effectLst>
-            <a:outerShdw blurRad="50800" dist="38100" dir="2700000" algn="tl" rotWithShape="0">
-              <a:prstClr val="black">
-                <a:alpha val="40000"/>
-              </a:prstClr>
-            </a:outerShdw>
-          </a:effectLst>
-        </p:spPr>
-        <p:style>
-          <a:lnRef idx="2">
-            <a:schemeClr val="accent3"/>
-          </a:lnRef>
-          <a:fillRef idx="1">
-            <a:schemeClr val="lt1"/>
-          </a:fillRef>
-          <a:effectRef idx="0">
-            <a:schemeClr val="accent3"/>
-          </a:effectRef>
-          <a:fontRef idx="minor">
-            <a:schemeClr val="dk1"/>
-          </a:fontRef>
-        </p:style>
-        <p:txBody>
-          <a:bodyPr rtlCol="0" anchor="ctr"/>
-          <a:lstStyle/>
-          <a:p>
-            <a:pPr algn="ctr">
-              <a:lnSpc>
-                <a:spcPct val="130000"/>
-              </a:lnSpc>
-              <a:spcAft>
-                <a:spcPts val="600"/>
-              </a:spcAft>
-            </a:pPr>
-            <a:r>
-              <a:rPr kumimoji="1" lang="en-US" altLang="ja-JP" sz="1200" dirty="0">
+            <a:ln>
+              <a:solidFill>
+                <a:schemeClr val="tx1"/>
+              </a:solidFill>
+            </a:ln>
+            <a:effectLst>
+              <a:outerShdw blurRad="50800" dist="38100" dir="2700000" algn="tl" rotWithShape="0">
+                <a:prstClr val="black">
+                  <a:alpha val="40000"/>
+                </a:prstClr>
+              </a:outerShdw>
+            </a:effectLst>
+          </p:spPr>
+          <p:style>
+            <a:lnRef idx="2">
+              <a:schemeClr val="accent3"/>
+            </a:lnRef>
+            <a:fillRef idx="1">
+              <a:schemeClr val="lt1"/>
+            </a:fillRef>
+            <a:effectRef idx="0">
+              <a:schemeClr val="accent3"/>
+            </a:effectRef>
+            <a:fontRef idx="minor">
+              <a:schemeClr val="dk1"/>
+            </a:fontRef>
+          </p:style>
+          <p:txBody>
+            <a:bodyPr rtlCol="0" anchor="ctr"/>
+            <a:lstStyle/>
+            <a:p>
+              <a:pPr algn="ctr">
+                <a:lnSpc>
+                  <a:spcPct val="130000"/>
+                </a:lnSpc>
+                <a:spcAft>
+                  <a:spcPts val="600"/>
+                </a:spcAft>
+              </a:pPr>
+              <a:r>
+                <a:rPr kumimoji="1" lang="en-US" altLang="ja-JP" sz="1200" dirty="0">
+                  <a:solidFill>
+                    <a:schemeClr val="tx1"/>
+                  </a:solidFill>
+                  <a:latin typeface="+mn-ea"/>
+                </a:rPr>
+                <a:t>VR</a:t>
+              </a:r>
+              <a:endParaRPr kumimoji="1" lang="ja-JP" altLang="en-US" sz="1200" dirty="0">
                 <a:solidFill>
                   <a:schemeClr val="tx1"/>
                 </a:solidFill>
                 <a:latin typeface="+mn-ea"/>
-              </a:rPr>
-              <a:t>VR</a:t>
-            </a:r>
-            <a:endParaRPr kumimoji="1" lang="ja-JP" altLang="en-US" sz="1200" dirty="0">
-              <a:solidFill>
-                <a:schemeClr val="tx1"/>
-              </a:solidFill>
-              <a:latin typeface="+mn-ea"/>
-            </a:endParaRPr>
-          </a:p>
-        </p:txBody>
-      </p:sp>
+              </a:endParaRPr>
+            </a:p>
+          </p:txBody>
+        </p:sp>
+      </p:grpSp>
       <p:grpSp>
         <p:nvGrpSpPr>
           <p:cNvPr id="4" name="グループ化 3">
@@ -4356,7 +4340,7 @@
         </p:nvGrpSpPr>
         <p:grpSpPr>
           <a:xfrm>
-            <a:off x="8860142" y="110519"/>
+            <a:off x="8758266" y="110519"/>
             <a:ext cx="2522310" cy="1068218"/>
             <a:chOff x="8549695" y="228005"/>
             <a:chExt cx="2522310" cy="1068218"/>
@@ -4707,7 +4691,7 @@
         </p:nvCxnSpPr>
         <p:spPr>
           <a:xfrm rot="5400000" flipH="1" flipV="1">
-            <a:off x="9636132" y="1663903"/>
+            <a:off x="9534256" y="1663903"/>
             <a:ext cx="970331" cy="12700"/>
           </a:xfrm>
           <a:prstGeom prst="bentConnector3">
@@ -4752,7 +4736,7 @@
         </p:nvGrpSpPr>
         <p:grpSpPr>
           <a:xfrm>
-            <a:off x="8428529" y="1772816"/>
+            <a:off x="8326653" y="1772816"/>
             <a:ext cx="2953923" cy="1559515"/>
             <a:chOff x="8773833" y="1750641"/>
             <a:chExt cx="2820139" cy="1559515"/>
@@ -5244,7 +5228,7 @@
         </p:nvGrpSpPr>
         <p:grpSpPr>
           <a:xfrm>
-            <a:off x="1083714" y="1894886"/>
+            <a:off x="981838" y="1894886"/>
             <a:ext cx="3022883" cy="1462106"/>
             <a:chOff x="5685257" y="2168640"/>
             <a:chExt cx="2848912" cy="1462106"/>
@@ -5724,6 +5708,158 @@
           </p:pic>
         </p:grpSp>
       </p:grpSp>
+      <p:sp>
+        <p:nvSpPr>
+          <p:cNvPr id="29" name="四角形: 角を丸くする 28">
+            <a:extLst>
+              <a:ext uri="{FF2B5EF4-FFF2-40B4-BE49-F238E27FC236}">
+                <a16:creationId xmlns:a16="http://schemas.microsoft.com/office/drawing/2014/main" id="{E08B5987-545B-4E98-EB65-00B17A267137}"/>
+              </a:ext>
+            </a:extLst>
+          </p:cNvPr>
+          <p:cNvSpPr/>
+          <p:nvPr/>
+        </p:nvSpPr>
+        <p:spPr>
+          <a:xfrm>
+            <a:off x="5133522" y="1636245"/>
+            <a:ext cx="618600" cy="274475"/>
+          </a:xfrm>
+          <a:prstGeom prst="roundRect">
+            <a:avLst/>
+          </a:prstGeom>
+          <a:noFill/>
+          <a:ln>
+            <a:noFill/>
+          </a:ln>
+        </p:spPr>
+        <p:style>
+          <a:lnRef idx="2">
+            <a:schemeClr val="accent1">
+              <a:shade val="15000"/>
+            </a:schemeClr>
+          </a:lnRef>
+          <a:fillRef idx="1">
+            <a:schemeClr val="accent1"/>
+          </a:fillRef>
+          <a:effectRef idx="0">
+            <a:schemeClr val="accent1"/>
+          </a:effectRef>
+          <a:fontRef idx="minor">
+            <a:schemeClr val="lt1"/>
+          </a:fontRef>
+        </p:style>
+        <p:txBody>
+          <a:bodyPr rtlCol="0" anchor="ctr"/>
+          <a:lstStyle/>
+          <a:p>
+            <a:pPr algn="ctr"/>
+            <a:endParaRPr kumimoji="1" lang="ja-JP" altLang="en-US"/>
+          </a:p>
+        </p:txBody>
+      </p:sp>
+      <p:grpSp>
+        <p:nvGrpSpPr>
+          <p:cNvPr id="52" name="グループ化 51">
+            <a:extLst>
+              <a:ext uri="{FF2B5EF4-FFF2-40B4-BE49-F238E27FC236}">
+                <a16:creationId xmlns:a16="http://schemas.microsoft.com/office/drawing/2014/main" id="{45CB8431-1C64-1DA4-6C0B-BD6B456F1D09}"/>
+              </a:ext>
+            </a:extLst>
+          </p:cNvPr>
+          <p:cNvGrpSpPr/>
+          <p:nvPr/>
+        </p:nvGrpSpPr>
+        <p:grpSpPr>
+          <a:xfrm>
+            <a:off x="8303783" y="3721075"/>
+            <a:ext cx="3857863" cy="3160523"/>
+            <a:chOff x="8303783" y="3721075"/>
+            <a:chExt cx="3857863" cy="3160523"/>
+          </a:xfrm>
+        </p:grpSpPr>
+        <p:pic>
+          <p:nvPicPr>
+            <p:cNvPr id="50" name="図 49">
+              <a:extLst>
+                <a:ext uri="{FF2B5EF4-FFF2-40B4-BE49-F238E27FC236}">
+                  <a16:creationId xmlns:a16="http://schemas.microsoft.com/office/drawing/2014/main" id="{C2D3BBFC-4FA4-2B86-C269-24D7A730F128}"/>
+                </a:ext>
+              </a:extLst>
+            </p:cNvPr>
+            <p:cNvPicPr>
+              <a:picLocks noChangeAspect="1"/>
+            </p:cNvPicPr>
+            <p:nvPr/>
+          </p:nvPicPr>
+          <p:blipFill>
+            <a:blip r:embed="rId19">
+              <a:extLst>
+                <a:ext uri="{28A0092B-C50C-407E-A947-70E740481C1C}">
+                  <a14:useLocalDpi xmlns:a14="http://schemas.microsoft.com/office/drawing/2010/main" val="0"/>
+                </a:ext>
+              </a:extLst>
+            </a:blip>
+            <a:stretch>
+              <a:fillRect/>
+            </a:stretch>
+          </p:blipFill>
+          <p:spPr>
+            <a:xfrm>
+              <a:off x="8303783" y="3721075"/>
+              <a:ext cx="3857863" cy="3160523"/>
+            </a:xfrm>
+            <a:prstGeom prst="rect">
+              <a:avLst/>
+            </a:prstGeom>
+          </p:spPr>
+        </p:pic>
+        <p:sp>
+          <p:nvSpPr>
+            <p:cNvPr id="51" name="テキスト ボックス 50">
+              <a:extLst>
+                <a:ext uri="{FF2B5EF4-FFF2-40B4-BE49-F238E27FC236}">
+                  <a16:creationId xmlns:a16="http://schemas.microsoft.com/office/drawing/2014/main" id="{C88CB5F6-1887-1E29-955E-8598E3FAE2E7}"/>
+                </a:ext>
+              </a:extLst>
+            </p:cNvPr>
+            <p:cNvSpPr txBox="1"/>
+            <p:nvPr/>
+          </p:nvSpPr>
+          <p:spPr>
+            <a:xfrm>
+              <a:off x="9464157" y="5574348"/>
+              <a:ext cx="2525397" cy="646331"/>
+            </a:xfrm>
+            <a:prstGeom prst="rect">
+              <a:avLst/>
+            </a:prstGeom>
+            <a:noFill/>
+          </p:spPr>
+          <p:txBody>
+            <a:bodyPr wrap="square" rtlCol="0" anchor="ctr">
+              <a:spAutoFit/>
+            </a:bodyPr>
+            <a:lstStyle/>
+            <a:p>
+              <a:pPr algn="ctr"/>
+              <a:r>
+                <a:rPr kumimoji="1" lang="ja-JP" altLang="en-US" dirty="0"/>
+                <a:t>住民・関係者へ共有</a:t>
+              </a:r>
+              <a:endParaRPr kumimoji="1" lang="en-US" altLang="ja-JP" dirty="0"/>
+            </a:p>
+            <a:p>
+              <a:pPr algn="ctr"/>
+              <a:r>
+                <a:rPr kumimoji="1" lang="ja-JP" altLang="en-US" dirty="0"/>
+                <a:t>（ﾊﾟｽﾜｰﾄﾞ設定可能）</a:t>
+              </a:r>
+              <a:endParaRPr kumimoji="1" lang="en-US" altLang="ja-JP" dirty="0"/>
+            </a:p>
+          </p:txBody>
+        </p:sp>
+      </p:grpSp>
     </p:spTree>
     <p:extLst>
       <p:ext uri="{BB962C8B-B14F-4D97-AF65-F5344CB8AC3E}">
@@ -5825,6 +5961,53 @@
                 <a:schemeClr val="dk1"/>
               </a:solidFill>
             </a:endParaRPr>
+          </a:p>
+        </p:txBody>
+      </p:sp>
+      <p:sp>
+        <p:nvSpPr>
+          <p:cNvPr id="28" name="四角形: 角を丸くする 27">
+            <a:extLst>
+              <a:ext uri="{FF2B5EF4-FFF2-40B4-BE49-F238E27FC236}">
+                <a16:creationId xmlns:a16="http://schemas.microsoft.com/office/drawing/2014/main" id="{7F7A7321-AA9E-8149-43E7-57A3E1E06566}"/>
+              </a:ext>
+            </a:extLst>
+          </p:cNvPr>
+          <p:cNvSpPr/>
+          <p:nvPr/>
+        </p:nvSpPr>
+        <p:spPr>
+          <a:xfrm>
+            <a:off x="1013398" y="718632"/>
+            <a:ext cx="3279223" cy="5441002"/>
+          </a:xfrm>
+          <a:prstGeom prst="roundRect">
+            <a:avLst/>
+          </a:prstGeom>
+          <a:noFill/>
+        </p:spPr>
+        <p:style>
+          <a:lnRef idx="2">
+            <a:schemeClr val="accent1">
+              <a:shade val="15000"/>
+            </a:schemeClr>
+          </a:lnRef>
+          <a:fillRef idx="1">
+            <a:schemeClr val="accent1"/>
+          </a:fillRef>
+          <a:effectRef idx="0">
+            <a:schemeClr val="accent1"/>
+          </a:effectRef>
+          <a:fontRef idx="minor">
+            <a:schemeClr val="lt1"/>
+          </a:fontRef>
+        </p:style>
+        <p:txBody>
+          <a:bodyPr rtlCol="0" anchor="ctr"/>
+          <a:lstStyle/>
+          <a:p>
+            <a:pPr algn="ctr"/>
+            <a:endParaRPr kumimoji="1" lang="ja-JP" altLang="en-US"/>
           </a:p>
         </p:txBody>
       </p:sp>
@@ -6180,8 +6363,8 @@
         </p:nvGrpSpPr>
         <p:grpSpPr>
           <a:xfrm>
-            <a:off x="4367809" y="3938693"/>
-            <a:ext cx="7319710" cy="1912648"/>
+            <a:off x="4612753" y="3938693"/>
+            <a:ext cx="7074765" cy="1912648"/>
             <a:chOff x="8354926" y="2168640"/>
             <a:chExt cx="6898452" cy="1912648"/>
           </a:xfrm>
@@ -6565,7 +6748,7 @@
           </p:blipFill>
           <p:spPr>
             <a:xfrm>
-              <a:off x="11437828" y="2996002"/>
+              <a:off x="11537506" y="3000307"/>
               <a:ext cx="660996" cy="629519"/>
             </a:xfrm>
             <a:prstGeom prst="rect">
@@ -7068,209 +7251,6 @@
       </p:grpSp>
       <p:grpSp>
         <p:nvGrpSpPr>
-          <p:cNvPr id="64" name="グループ化 63">
-            <a:extLst>
-              <a:ext uri="{FF2B5EF4-FFF2-40B4-BE49-F238E27FC236}">
-                <a16:creationId xmlns:a16="http://schemas.microsoft.com/office/drawing/2014/main" id="{6F5180CE-D75D-F3DE-3AF2-5791E19122B1}"/>
-              </a:ext>
-            </a:extLst>
-          </p:cNvPr>
-          <p:cNvGrpSpPr/>
-          <p:nvPr/>
-        </p:nvGrpSpPr>
-        <p:grpSpPr>
-          <a:xfrm>
-            <a:off x="1317685" y="1917600"/>
-            <a:ext cx="2549314" cy="3416464"/>
-            <a:chOff x="9127236" y="3718951"/>
-            <a:chExt cx="2549314" cy="3416464"/>
-          </a:xfrm>
-        </p:grpSpPr>
-        <p:pic>
-          <p:nvPicPr>
-            <p:cNvPr id="65" name="Picture 4" descr="見出し画像">
-              <a:extLst>
-                <a:ext uri="{FF2B5EF4-FFF2-40B4-BE49-F238E27FC236}">
-                  <a16:creationId xmlns:a16="http://schemas.microsoft.com/office/drawing/2014/main" id="{EAD5582C-2C10-B6DA-208D-44713FB8D146}"/>
-                </a:ext>
-              </a:extLst>
-            </p:cNvPr>
-            <p:cNvPicPr>
-              <a:picLocks noChangeAspect="1" noChangeArrowheads="1"/>
-            </p:cNvPicPr>
-            <p:nvPr/>
-          </p:nvPicPr>
-          <p:blipFill rotWithShape="1">
-            <a:blip r:embed="rId8" cstate="print">
-              <a:extLst>
-                <a:ext uri="{28A0092B-C50C-407E-A947-70E740481C1C}">
-                  <a14:useLocalDpi xmlns:a14="http://schemas.microsoft.com/office/drawing/2010/main" val="0"/>
-                </a:ext>
-              </a:extLst>
-            </a:blip>
-            <a:srcRect l="12024" t="22307" r="9289" b="22840"/>
-            <a:stretch>
-              <a:fillRect/>
-            </a:stretch>
-          </p:blipFill>
-          <p:spPr bwMode="auto">
-            <a:xfrm>
-              <a:off x="9127236" y="3718951"/>
-              <a:ext cx="2525397" cy="882596"/>
-            </a:xfrm>
-            <a:prstGeom prst="rect">
-              <a:avLst/>
-            </a:prstGeom>
-            <a:noFill/>
-            <a:extLst>
-              <a:ext uri="{909E8E84-426E-40DD-AFC4-6F175D3DCCD1}">
-                <a14:hiddenFill xmlns:a14="http://schemas.microsoft.com/office/drawing/2010/main">
-                  <a:solidFill>
-                    <a:srgbClr val="FFFFFF"/>
-                  </a:solidFill>
-                </a14:hiddenFill>
-              </a:ext>
-            </a:extLst>
-          </p:spPr>
-        </p:pic>
-        <p:sp>
-          <p:nvSpPr>
-            <p:cNvPr id="67" name="テキスト ボックス 66">
-              <a:extLst>
-                <a:ext uri="{FF2B5EF4-FFF2-40B4-BE49-F238E27FC236}">
-                  <a16:creationId xmlns:a16="http://schemas.microsoft.com/office/drawing/2014/main" id="{5BBE88B6-EF95-3933-28AE-3E8BAD3E9BAA}"/>
-                </a:ext>
-              </a:extLst>
-            </p:cNvPr>
-            <p:cNvSpPr txBox="1"/>
-            <p:nvPr/>
-          </p:nvSpPr>
-          <p:spPr>
-            <a:xfrm>
-              <a:off x="9151153" y="5935086"/>
-              <a:ext cx="2525397" cy="1200329"/>
-            </a:xfrm>
-            <a:prstGeom prst="rect">
-              <a:avLst/>
-            </a:prstGeom>
-            <a:solidFill>
-              <a:schemeClr val="bg1"/>
-            </a:solidFill>
-          </p:spPr>
-          <p:txBody>
-            <a:bodyPr wrap="square" rtlCol="0" anchor="ctr">
-              <a:spAutoFit/>
-            </a:bodyPr>
-            <a:lstStyle/>
-            <a:p>
-              <a:pPr algn="ctr"/>
-              <a:r>
-                <a:rPr kumimoji="1" lang="en-US" altLang="ja-JP" dirty="0"/>
-                <a:t>3DTILES</a:t>
-              </a:r>
-              <a:r>
-                <a:rPr kumimoji="1" lang="ja-JP" altLang="en-US" dirty="0"/>
-                <a:t>による</a:t>
-              </a:r>
-              <a:endParaRPr kumimoji="1" lang="en-US" altLang="ja-JP" dirty="0"/>
-            </a:p>
-            <a:p>
-              <a:pPr algn="ctr"/>
-              <a:r>
-                <a:rPr kumimoji="1" lang="ja-JP" altLang="en-US" dirty="0"/>
-                <a:t>可視化に特化</a:t>
-              </a:r>
-              <a:endParaRPr kumimoji="1" lang="en-US" altLang="ja-JP" dirty="0"/>
-            </a:p>
-            <a:p>
-              <a:pPr algn="ctr"/>
-              <a:endParaRPr kumimoji="1" lang="en-US" altLang="ja-JP" dirty="0"/>
-            </a:p>
-            <a:p>
-              <a:pPr algn="ctr"/>
-              <a:r>
-                <a:rPr kumimoji="1" lang="en-US" altLang="ja-JP" dirty="0"/>
-                <a:t>【</a:t>
-              </a:r>
-              <a:r>
-                <a:rPr kumimoji="1" lang="ja-JP" altLang="en-US" dirty="0"/>
-                <a:t>一般公開も可能</a:t>
-              </a:r>
-              <a:r>
-                <a:rPr kumimoji="1" lang="en-US" altLang="ja-JP" dirty="0"/>
-                <a:t>】</a:t>
-              </a:r>
-            </a:p>
-          </p:txBody>
-        </p:sp>
-        <p:pic>
-          <p:nvPicPr>
-            <p:cNvPr id="69" name="図 68">
-              <a:extLst>
-                <a:ext uri="{FF2B5EF4-FFF2-40B4-BE49-F238E27FC236}">
-                  <a16:creationId xmlns:a16="http://schemas.microsoft.com/office/drawing/2014/main" id="{0C6F5963-DDF9-4B5A-781B-A4874A881706}"/>
-                </a:ext>
-              </a:extLst>
-            </p:cNvPr>
-            <p:cNvPicPr>
-              <a:picLocks noChangeAspect="1"/>
-            </p:cNvPicPr>
-            <p:nvPr/>
-          </p:nvPicPr>
-          <p:blipFill>
-            <a:blip r:embed="rId9"/>
-            <a:stretch>
-              <a:fillRect/>
-            </a:stretch>
-          </p:blipFill>
-          <p:spPr>
-            <a:xfrm>
-              <a:off x="10698355" y="4601547"/>
-              <a:ext cx="954279" cy="1114917"/>
-            </a:xfrm>
-            <a:prstGeom prst="rect">
-              <a:avLst/>
-            </a:prstGeom>
-          </p:spPr>
-        </p:pic>
-        <p:pic>
-          <p:nvPicPr>
-            <p:cNvPr id="70" name="図 69">
-              <a:extLst>
-                <a:ext uri="{FF2B5EF4-FFF2-40B4-BE49-F238E27FC236}">
-                  <a16:creationId xmlns:a16="http://schemas.microsoft.com/office/drawing/2014/main" id="{0B420811-BA32-94F7-B047-BC8C19D9D3E5}"/>
-                </a:ext>
-              </a:extLst>
-            </p:cNvPr>
-            <p:cNvPicPr>
-              <a:picLocks noChangeAspect="1"/>
-            </p:cNvPicPr>
-            <p:nvPr/>
-          </p:nvPicPr>
-          <p:blipFill>
-            <a:blip r:embed="rId10"/>
-            <a:stretch>
-              <a:fillRect/>
-            </a:stretch>
-          </p:blipFill>
-          <p:spPr>
-            <a:xfrm>
-              <a:off x="9127237" y="4603103"/>
-              <a:ext cx="950931" cy="1140189"/>
-            </a:xfrm>
-            <a:prstGeom prst="rect">
-              <a:avLst/>
-            </a:prstGeom>
-            <a:ln w="44450">
-              <a:solidFill>
-                <a:srgbClr val="00B0F0"/>
-              </a:solidFill>
-            </a:ln>
-          </p:spPr>
-        </p:pic>
-      </p:grpSp>
-      <p:grpSp>
-        <p:nvGrpSpPr>
           <p:cNvPr id="72" name="グループ化 71">
             <a:extLst>
               <a:ext uri="{FF2B5EF4-FFF2-40B4-BE49-F238E27FC236}">
@@ -7283,10 +7263,10 @@
         </p:nvGrpSpPr>
         <p:grpSpPr>
           <a:xfrm>
-            <a:off x="3939016" y="1327109"/>
-            <a:ext cx="3808678" cy="1589580"/>
-            <a:chOff x="4077798" y="1184900"/>
-            <a:chExt cx="3808678" cy="1589580"/>
+            <a:off x="4430419" y="1581264"/>
+            <a:ext cx="3446255" cy="1502393"/>
+            <a:chOff x="4440221" y="1272087"/>
+            <a:chExt cx="3446255" cy="1502393"/>
           </a:xfrm>
         </p:grpSpPr>
         <p:cxnSp>
@@ -7307,8 +7287,8 @@
           </p:nvCxnSpPr>
           <p:spPr>
             <a:xfrm>
-              <a:off x="4249281" y="2157520"/>
-              <a:ext cx="3543741" cy="0"/>
+              <a:off x="4633892" y="2157520"/>
+              <a:ext cx="3159130" cy="0"/>
             </a:xfrm>
             <a:prstGeom prst="line">
               <a:avLst/>
@@ -7358,8 +7338,8 @@
           </p:nvCxnSpPr>
           <p:spPr>
             <a:xfrm flipV="1">
-              <a:off x="6021152" y="2157520"/>
-              <a:ext cx="296262" cy="616960"/>
+              <a:off x="6213457" y="2157520"/>
+              <a:ext cx="103957" cy="616960"/>
             </a:xfrm>
             <a:prstGeom prst="line">
               <a:avLst/>
@@ -7406,10 +7386,10 @@
           </p:nvGrpSpPr>
           <p:grpSpPr>
             <a:xfrm>
-              <a:off x="4077798" y="1540560"/>
-              <a:ext cx="3808678" cy="1233920"/>
-              <a:chOff x="3764277" y="2996952"/>
-              <a:chExt cx="3808678" cy="1233920"/>
+              <a:off x="4440221" y="1540560"/>
+              <a:ext cx="3446255" cy="1233920"/>
+              <a:chOff x="4126700" y="2996952"/>
+              <a:chExt cx="3446255" cy="1233920"/>
             </a:xfrm>
           </p:grpSpPr>
           <p:sp>
@@ -7426,8 +7406,8 @@
             </p:nvSpPr>
             <p:spPr>
               <a:xfrm>
-                <a:off x="3935760" y="2996952"/>
-                <a:ext cx="3543741" cy="1233920"/>
+                <a:off x="4320371" y="2996952"/>
+                <a:ext cx="3159130" cy="1233920"/>
               </a:xfrm>
               <a:prstGeom prst="roundRect">
                 <a:avLst>
@@ -7499,7 +7479,7 @@
             </p:nvSpPr>
             <p:spPr>
               <a:xfrm>
-                <a:off x="4506420" y="3179373"/>
+                <a:off x="4620598" y="3301360"/>
                 <a:ext cx="2376547" cy="369332"/>
               </a:xfrm>
               <a:prstGeom prst="rect">
@@ -7543,7 +7523,7 @@
             </p:nvSpPr>
             <p:spPr>
               <a:xfrm>
-                <a:off x="3764277" y="3728512"/>
+                <a:off x="4126700" y="3750483"/>
                 <a:ext cx="1728192" cy="369332"/>
               </a:xfrm>
               <a:prstGeom prst="rect">
@@ -7616,9 +7596,9 @@
           </p:nvGrpSpPr>
           <p:grpSpPr>
             <a:xfrm>
-              <a:off x="4769516" y="1184900"/>
+              <a:off x="4934119" y="1272087"/>
               <a:ext cx="2565597" cy="476806"/>
-              <a:chOff x="2293000" y="769479"/>
+              <a:chOff x="2481003" y="856666"/>
               <a:chExt cx="2930320" cy="476806"/>
             </a:xfrm>
           </p:grpSpPr>
@@ -7636,7 +7616,7 @@
             </p:nvSpPr>
             <p:spPr>
               <a:xfrm>
-                <a:off x="2293000" y="769479"/>
+                <a:off x="2481003" y="856666"/>
                 <a:ext cx="2930320" cy="476806"/>
               </a:xfrm>
               <a:prstGeom prst="roundRect">
@@ -7738,14 +7718,14 @@
               <p:nvPr/>
             </p:nvPicPr>
             <p:blipFill>
-              <a:blip r:embed="rId11"/>
+              <a:blip r:embed="rId8"/>
               <a:stretch>
                 <a:fillRect/>
               </a:stretch>
             </p:blipFill>
             <p:spPr>
               <a:xfrm>
-                <a:off x="2539861" y="850093"/>
+                <a:off x="2717195" y="936968"/>
                 <a:ext cx="373266" cy="319038"/>
               </a:xfrm>
               <a:prstGeom prst="rect">
@@ -7769,7 +7749,7 @@
         </p:nvGrpSpPr>
         <p:grpSpPr>
           <a:xfrm>
-            <a:off x="4782075" y="4546705"/>
+            <a:off x="5023974" y="4518989"/>
             <a:ext cx="2522310" cy="1068218"/>
             <a:chOff x="8549695" y="228005"/>
             <a:chExt cx="2522310" cy="1068218"/>
@@ -8085,7 +8065,7 @@
             <p:nvPr/>
           </p:nvPicPr>
           <p:blipFill>
-            <a:blip r:embed="rId12"/>
+            <a:blip r:embed="rId9"/>
             <a:srcRect l="43389" b="19791"/>
             <a:stretch>
               <a:fillRect/>
@@ -8374,10 +8354,10 @@
               <p:nvPr/>
             </p:nvPicPr>
             <p:blipFill>
-              <a:blip r:embed="rId13">
+              <a:blip r:embed="rId10">
                 <a:extLst>
                   <a:ext uri="{96DAC541-7B7A-43D3-8B79-37D633B846F1}">
-                    <asvg:svgBlip xmlns:asvg="http://schemas.microsoft.com/office/drawing/2016/SVG/main" r:embed="rId14"/>
+                    <asvg:svgBlip xmlns:asvg="http://schemas.microsoft.com/office/drawing/2016/SVG/main" r:embed="rId11"/>
                   </a:ext>
                 </a:extLst>
               </a:blip>
@@ -8603,7 +8583,7 @@
             <p:nvPr/>
           </p:nvPicPr>
           <p:blipFill>
-            <a:blip r:embed="rId15"/>
+            <a:blip r:embed="rId12"/>
             <a:stretch>
               <a:fillRect/>
             </a:stretch>
@@ -8633,7 +8613,7 @@
             <p:nvPr/>
           </p:nvPicPr>
           <p:blipFill>
-            <a:blip r:embed="rId16">
+            <a:blip r:embed="rId13">
               <a:extLst>
                 <a:ext uri="{28A0092B-C50C-407E-A947-70E740481C1C}">
                   <a14:useLocalDpi xmlns:a14="http://schemas.microsoft.com/office/drawing/2010/main" val="0"/>
@@ -8681,7 +8661,7 @@
           <p:nvPr/>
         </p:nvPicPr>
         <p:blipFill>
-          <a:blip r:embed="rId17"/>
+          <a:blip r:embed="rId14"/>
           <a:stretch>
             <a:fillRect/>
           </a:stretch>
@@ -8755,7 +8735,7 @@
           <p:nvPr/>
         </p:nvPicPr>
         <p:blipFill rotWithShape="1">
-          <a:blip r:embed="rId18" cstate="print">
+          <a:blip r:embed="rId15" cstate="print">
             <a:extLst>
               <a:ext uri="{28A0092B-C50C-407E-A947-70E740481C1C}">
                 <a14:useLocalDpi xmlns:a14="http://schemas.microsoft.com/office/drawing/2010/main" val="0"/>
@@ -8769,6 +8749,191 @@
           <a:xfrm>
             <a:off x="5275324" y="44624"/>
             <a:ext cx="1954255" cy="838252"/>
+          </a:xfrm>
+          <a:prstGeom prst="rect">
+            <a:avLst/>
+          </a:prstGeom>
+          <a:noFill/>
+          <a:extLst>
+            <a:ext uri="{909E8E84-426E-40DD-AFC4-6F175D3DCCD1}">
+              <a14:hiddenFill xmlns:a14="http://schemas.microsoft.com/office/drawing/2010/main">
+                <a:solidFill>
+                  <a:srgbClr val="FFFFFF"/>
+                </a:solidFill>
+              </a14:hiddenFill>
+            </a:ext>
+          </a:extLst>
+        </p:spPr>
+      </p:pic>
+      <p:grpSp>
+        <p:nvGrpSpPr>
+          <p:cNvPr id="12" name="グループ化 11">
+            <a:extLst>
+              <a:ext uri="{FF2B5EF4-FFF2-40B4-BE49-F238E27FC236}">
+                <a16:creationId xmlns:a16="http://schemas.microsoft.com/office/drawing/2014/main" id="{807D2699-8765-D085-1EE6-ACA4A211E17D}"/>
+              </a:ext>
+            </a:extLst>
+          </p:cNvPr>
+          <p:cNvGrpSpPr/>
+          <p:nvPr/>
+        </p:nvGrpSpPr>
+        <p:grpSpPr>
+          <a:xfrm>
+            <a:off x="1014703" y="667081"/>
+            <a:ext cx="3193282" cy="2835733"/>
+            <a:chOff x="4692784" y="1497061"/>
+            <a:chExt cx="3193282" cy="2835733"/>
+          </a:xfrm>
+        </p:grpSpPr>
+        <p:pic>
+          <p:nvPicPr>
+            <p:cNvPr id="10" name="図 9">
+              <a:extLst>
+                <a:ext uri="{FF2B5EF4-FFF2-40B4-BE49-F238E27FC236}">
+                  <a16:creationId xmlns:a16="http://schemas.microsoft.com/office/drawing/2014/main" id="{F2033F71-8A69-8BA8-E275-A680A2FD0B60}"/>
+                </a:ext>
+              </a:extLst>
+            </p:cNvPr>
+            <p:cNvPicPr>
+              <a:picLocks noChangeAspect="1"/>
+            </p:cNvPicPr>
+            <p:nvPr/>
+          </p:nvPicPr>
+          <p:blipFill>
+            <a:blip r:embed="rId16">
+              <a:extLst>
+                <a:ext uri="{28A0092B-C50C-407E-A947-70E740481C1C}">
+                  <a14:useLocalDpi xmlns:a14="http://schemas.microsoft.com/office/drawing/2010/main" val="0"/>
+                </a:ext>
+              </a:extLst>
+            </a:blip>
+            <a:stretch>
+              <a:fillRect/>
+            </a:stretch>
+          </p:blipFill>
+          <p:spPr>
+            <a:xfrm>
+              <a:off x="4692784" y="1497061"/>
+              <a:ext cx="3193282" cy="2835733"/>
+            </a:xfrm>
+            <a:prstGeom prst="rect">
+              <a:avLst/>
+            </a:prstGeom>
+          </p:spPr>
+        </p:pic>
+        <p:sp>
+          <p:nvSpPr>
+            <p:cNvPr id="11" name="テキスト ボックス 10">
+              <a:extLst>
+                <a:ext uri="{FF2B5EF4-FFF2-40B4-BE49-F238E27FC236}">
+                  <a16:creationId xmlns:a16="http://schemas.microsoft.com/office/drawing/2014/main" id="{033DCDD8-33C7-16E1-1D38-18720261212B}"/>
+                </a:ext>
+              </a:extLst>
+            </p:cNvPr>
+            <p:cNvSpPr txBox="1"/>
+            <p:nvPr/>
+          </p:nvSpPr>
+          <p:spPr>
+            <a:xfrm>
+              <a:off x="5043646" y="3558957"/>
+              <a:ext cx="2525397" cy="646331"/>
+            </a:xfrm>
+            <a:prstGeom prst="rect">
+              <a:avLst/>
+            </a:prstGeom>
+            <a:noFill/>
+          </p:spPr>
+          <p:txBody>
+            <a:bodyPr wrap="square" rtlCol="0" anchor="ctr">
+              <a:spAutoFit/>
+            </a:bodyPr>
+            <a:lstStyle/>
+            <a:p>
+              <a:pPr algn="ctr"/>
+              <a:r>
+                <a:rPr kumimoji="1" lang="ja-JP" altLang="en-US" dirty="0"/>
+                <a:t>住民・関係者へ共有</a:t>
+              </a:r>
+              <a:endParaRPr kumimoji="1" lang="en-US" altLang="ja-JP" dirty="0"/>
+            </a:p>
+            <a:p>
+              <a:pPr algn="ctr"/>
+              <a:r>
+                <a:rPr kumimoji="1" lang="ja-JP" altLang="en-US" dirty="0"/>
+                <a:t>（ﾊﾟｽﾜｰﾄﾞ設定可能）</a:t>
+              </a:r>
+              <a:endParaRPr kumimoji="1" lang="en-US" altLang="ja-JP" dirty="0"/>
+            </a:p>
+          </p:txBody>
+        </p:sp>
+      </p:grpSp>
+      <p:pic>
+        <p:nvPicPr>
+          <p:cNvPr id="26" name="図 25">
+            <a:extLst>
+              <a:ext uri="{FF2B5EF4-FFF2-40B4-BE49-F238E27FC236}">
+                <a16:creationId xmlns:a16="http://schemas.microsoft.com/office/drawing/2014/main" id="{C16CB2B2-52D4-72E7-B388-4C8F81833227}"/>
+              </a:ext>
+            </a:extLst>
+          </p:cNvPr>
+          <p:cNvPicPr>
+            <a:picLocks noChangeAspect="1"/>
+          </p:cNvPicPr>
+          <p:nvPr/>
+        </p:nvPicPr>
+        <p:blipFill>
+          <a:blip r:embed="rId17" cstate="print">
+            <a:extLst>
+              <a:ext uri="{28A0092B-C50C-407E-A947-70E740481C1C}">
+                <a14:useLocalDpi xmlns:a14="http://schemas.microsoft.com/office/drawing/2010/main" val="0"/>
+              </a:ext>
+            </a:extLst>
+          </a:blip>
+          <a:stretch>
+            <a:fillRect/>
+          </a:stretch>
+        </p:blipFill>
+        <p:spPr>
+          <a:xfrm>
+            <a:off x="590422" y="3044575"/>
+            <a:ext cx="3959323" cy="3079474"/>
+          </a:xfrm>
+          <a:prstGeom prst="rect">
+            <a:avLst/>
+          </a:prstGeom>
+        </p:spPr>
+      </p:pic>
+      <p:pic>
+        <p:nvPicPr>
+          <p:cNvPr id="65" name="Picture 4" descr="見出し画像">
+            <a:extLst>
+              <a:ext uri="{FF2B5EF4-FFF2-40B4-BE49-F238E27FC236}">
+                <a16:creationId xmlns:a16="http://schemas.microsoft.com/office/drawing/2014/main" id="{EAD5582C-2C10-B6DA-208D-44713FB8D146}"/>
+              </a:ext>
+            </a:extLst>
+          </p:cNvPr>
+          <p:cNvPicPr>
+            <a:picLocks noChangeAspect="1" noChangeArrowheads="1"/>
+          </p:cNvPicPr>
+          <p:nvPr/>
+        </p:nvPicPr>
+        <p:blipFill rotWithShape="1">
+          <a:blip r:embed="rId18" cstate="print">
+            <a:extLst>
+              <a:ext uri="{28A0092B-C50C-407E-A947-70E740481C1C}">
+                <a14:useLocalDpi xmlns:a14="http://schemas.microsoft.com/office/drawing/2010/main" val="0"/>
+              </a:ext>
+            </a:extLst>
+          </a:blip>
+          <a:srcRect l="12024" t="22307" r="9289" b="22840"/>
+          <a:stretch>
+            <a:fillRect/>
+          </a:stretch>
+        </p:blipFill>
+        <p:spPr bwMode="auto">
+          <a:xfrm>
+            <a:off x="1382512" y="5118531"/>
+            <a:ext cx="2525397" cy="882596"/>
           </a:xfrm>
           <a:prstGeom prst="rect">
             <a:avLst/>
